--- a/Notes/Data Structure and Algorithms.pptx
+++ b/Notes/Data Structure and Algorithms.pptx
@@ -47,6 +47,17 @@
     <p:sldId id="282" r:id="rId41"/>
     <p:sldId id="284" r:id="rId42"/>
     <p:sldId id="283" r:id="rId43"/>
+    <p:sldId id="302" r:id="rId44"/>
+    <p:sldId id="303" r:id="rId45"/>
+    <p:sldId id="304" r:id="rId46"/>
+    <p:sldId id="305" r:id="rId47"/>
+    <p:sldId id="306" r:id="rId48"/>
+    <p:sldId id="307" r:id="rId49"/>
+    <p:sldId id="308" r:id="rId50"/>
+    <p:sldId id="311" r:id="rId51"/>
+    <p:sldId id="312" r:id="rId52"/>
+    <p:sldId id="309" r:id="rId53"/>
+    <p:sldId id="310" r:id="rId54"/>
   </p:sldIdLst>
   <p:sldSz cx="12192000" cy="6858000"/>
   <p:notesSz cx="6858000" cy="9144000"/>
@@ -898,7 +909,7 @@
           <a:p>
             <a:fld id="{1261ADCB-1535-4723-B15B-FDB85D6C2655}" type="datetimeFigureOut">
               <a:rPr lang="en-IN" smtClean="0"/>
-              <a:t>30-08-2024</a:t>
+              <a:t>26-10-2024</a:t>
             </a:fld>
             <a:endParaRPr lang="en-IN"/>
           </a:p>
@@ -1149,7 +1160,7 @@
           <a:p>
             <a:fld id="{1261ADCB-1535-4723-B15B-FDB85D6C2655}" type="datetimeFigureOut">
               <a:rPr lang="en-IN" smtClean="0"/>
-              <a:t>30-08-2024</a:t>
+              <a:t>26-10-2024</a:t>
             </a:fld>
             <a:endParaRPr lang="en-IN"/>
           </a:p>
@@ -1463,7 +1474,7 @@
           <a:p>
             <a:fld id="{1261ADCB-1535-4723-B15B-FDB85D6C2655}" type="datetimeFigureOut">
               <a:rPr lang="en-IN" smtClean="0"/>
-              <a:t>30-08-2024</a:t>
+              <a:t>26-10-2024</a:t>
             </a:fld>
             <a:endParaRPr lang="en-IN"/>
           </a:p>
@@ -1796,7 +1807,7 @@
           <a:p>
             <a:fld id="{1261ADCB-1535-4723-B15B-FDB85D6C2655}" type="datetimeFigureOut">
               <a:rPr lang="en-IN" smtClean="0"/>
-              <a:t>30-08-2024</a:t>
+              <a:t>26-10-2024</a:t>
             </a:fld>
             <a:endParaRPr lang="en-IN"/>
           </a:p>
@@ -2110,7 +2121,7 @@
           <a:p>
             <a:fld id="{1261ADCB-1535-4723-B15B-FDB85D6C2655}" type="datetimeFigureOut">
               <a:rPr lang="en-IN" smtClean="0"/>
-              <a:t>30-08-2024</a:t>
+              <a:t>26-10-2024</a:t>
             </a:fld>
             <a:endParaRPr lang="en-IN"/>
           </a:p>
@@ -2503,7 +2514,7 @@
           <a:p>
             <a:fld id="{1261ADCB-1535-4723-B15B-FDB85D6C2655}" type="datetimeFigureOut">
               <a:rPr lang="en-IN" smtClean="0"/>
-              <a:t>30-08-2024</a:t>
+              <a:t>26-10-2024</a:t>
             </a:fld>
             <a:endParaRPr lang="en-IN"/>
           </a:p>
@@ -2673,7 +2684,7 @@
           <a:p>
             <a:fld id="{1261ADCB-1535-4723-B15B-FDB85D6C2655}" type="datetimeFigureOut">
               <a:rPr lang="en-IN" smtClean="0"/>
-              <a:t>30-08-2024</a:t>
+              <a:t>26-10-2024</a:t>
             </a:fld>
             <a:endParaRPr lang="en-IN"/>
           </a:p>
@@ -2853,7 +2864,7 @@
           <a:p>
             <a:fld id="{1261ADCB-1535-4723-B15B-FDB85D6C2655}" type="datetimeFigureOut">
               <a:rPr lang="en-IN" smtClean="0"/>
-              <a:t>30-08-2024</a:t>
+              <a:t>26-10-2024</a:t>
             </a:fld>
             <a:endParaRPr lang="en-IN"/>
           </a:p>
@@ -3023,7 +3034,7 @@
           <a:p>
             <a:fld id="{1261ADCB-1535-4723-B15B-FDB85D6C2655}" type="datetimeFigureOut">
               <a:rPr lang="en-IN" smtClean="0"/>
-              <a:t>30-08-2024</a:t>
+              <a:t>26-10-2024</a:t>
             </a:fld>
             <a:endParaRPr lang="en-IN"/>
           </a:p>
@@ -3270,7 +3281,7 @@
           <a:p>
             <a:fld id="{1261ADCB-1535-4723-B15B-FDB85D6C2655}" type="datetimeFigureOut">
               <a:rPr lang="en-IN" smtClean="0"/>
-              <a:t>30-08-2024</a:t>
+              <a:t>26-10-2024</a:t>
             </a:fld>
             <a:endParaRPr lang="en-IN"/>
           </a:p>
@@ -3502,7 +3513,7 @@
           <a:p>
             <a:fld id="{1261ADCB-1535-4723-B15B-FDB85D6C2655}" type="datetimeFigureOut">
               <a:rPr lang="en-IN" smtClean="0"/>
-              <a:t>30-08-2024</a:t>
+              <a:t>26-10-2024</a:t>
             </a:fld>
             <a:endParaRPr lang="en-IN"/>
           </a:p>
@@ -3876,7 +3887,7 @@
           <a:p>
             <a:fld id="{1261ADCB-1535-4723-B15B-FDB85D6C2655}" type="datetimeFigureOut">
               <a:rPr lang="en-IN" smtClean="0"/>
-              <a:t>30-08-2024</a:t>
+              <a:t>26-10-2024</a:t>
             </a:fld>
             <a:endParaRPr lang="en-IN"/>
           </a:p>
@@ -3999,7 +4010,7 @@
           <a:p>
             <a:fld id="{1261ADCB-1535-4723-B15B-FDB85D6C2655}" type="datetimeFigureOut">
               <a:rPr lang="en-IN" smtClean="0"/>
-              <a:t>30-08-2024</a:t>
+              <a:t>26-10-2024</a:t>
             </a:fld>
             <a:endParaRPr lang="en-IN"/>
           </a:p>
@@ -4094,7 +4105,7 @@
           <a:p>
             <a:fld id="{1261ADCB-1535-4723-B15B-FDB85D6C2655}" type="datetimeFigureOut">
               <a:rPr lang="en-IN" smtClean="0"/>
-              <a:t>30-08-2024</a:t>
+              <a:t>26-10-2024</a:t>
             </a:fld>
             <a:endParaRPr lang="en-IN"/>
           </a:p>
@@ -4349,7 +4360,7 @@
           <a:p>
             <a:fld id="{1261ADCB-1535-4723-B15B-FDB85D6C2655}" type="datetimeFigureOut">
               <a:rPr lang="en-IN" smtClean="0"/>
-              <a:t>30-08-2024</a:t>
+              <a:t>26-10-2024</a:t>
             </a:fld>
             <a:endParaRPr lang="en-IN"/>
           </a:p>
@@ -4654,7 +4665,7 @@
           <a:p>
             <a:fld id="{1261ADCB-1535-4723-B15B-FDB85D6C2655}" type="datetimeFigureOut">
               <a:rPr lang="en-IN" smtClean="0"/>
-              <a:t>30-08-2024</a:t>
+              <a:t>26-10-2024</a:t>
             </a:fld>
             <a:endParaRPr lang="en-IN"/>
           </a:p>
@@ -5356,7 +5367,7 @@
           <a:p>
             <a:fld id="{1261ADCB-1535-4723-B15B-FDB85D6C2655}" type="datetimeFigureOut">
               <a:rPr lang="en-IN" smtClean="0"/>
-              <a:t>30-08-2024</a:t>
+              <a:t>26-10-2024</a:t>
             </a:fld>
             <a:endParaRPr lang="en-IN"/>
           </a:p>
@@ -17097,6 +17108,2946 @@
 </p:sld>
 </file>
 
+<file path=ppt/slides/slide43.xml><?xml version="1.0" encoding="utf-8"?>
+<p:sld xmlns:a="http://schemas.openxmlformats.org/drawingml/2006/main" xmlns:r="http://schemas.openxmlformats.org/officeDocument/2006/relationships" xmlns:p="http://schemas.openxmlformats.org/presentationml/2006/main">
+  <p:cSld>
+    <p:spTree>
+      <p:nvGrpSpPr>
+        <p:cNvPr id="1" name="">
+          <a:extLst>
+            <a:ext uri="{FF2B5EF4-FFF2-40B4-BE49-F238E27FC236}">
+              <a16:creationId xmlns:a16="http://schemas.microsoft.com/office/drawing/2014/main" id="{A6E69255-612D-D9EA-BACC-6E23E68E4EF8}"/>
+            </a:ext>
+          </a:extLst>
+        </p:cNvPr>
+        <p:cNvGrpSpPr/>
+        <p:nvPr/>
+      </p:nvGrpSpPr>
+      <p:grpSpPr>
+        <a:xfrm>
+          <a:off x="0" y="0"/>
+          <a:ext cx="0" cy="0"/>
+          <a:chOff x="0" y="0"/>
+          <a:chExt cx="0" cy="0"/>
+        </a:xfrm>
+      </p:grpSpPr>
+      <p:sp>
+        <p:nvSpPr>
+          <p:cNvPr id="8" name="TextBox 7">
+            <a:extLst>
+              <a:ext uri="{FF2B5EF4-FFF2-40B4-BE49-F238E27FC236}">
+                <a16:creationId xmlns:a16="http://schemas.microsoft.com/office/drawing/2014/main" id="{5B666090-1475-9EE4-900F-C8BB4561FAE9}"/>
+              </a:ext>
+            </a:extLst>
+          </p:cNvPr>
+          <p:cNvSpPr txBox="1"/>
+          <p:nvPr/>
+        </p:nvSpPr>
+        <p:spPr>
+          <a:xfrm>
+            <a:off x="782919" y="433014"/>
+            <a:ext cx="10246823" cy="5755422"/>
+          </a:xfrm>
+          <a:prstGeom prst="rect">
+            <a:avLst/>
+          </a:prstGeom>
+          <a:noFill/>
+        </p:spPr>
+        <p:txBody>
+          <a:bodyPr wrap="square" rtlCol="0">
+            <a:spAutoFit/>
+          </a:bodyPr>
+          <a:lstStyle/>
+          <a:p>
+            <a:pPr algn="l" fontAlgn="base"/>
+            <a:r>
+              <a:rPr lang="en-US" b="1" dirty="0">
+                <a:solidFill>
+                  <a:srgbClr val="273239"/>
+                </a:solidFill>
+                <a:latin typeface="Aptos" panose="020B0004020202020204" pitchFamily="34" charset="0"/>
+                <a:cs typeface="Times New Roman" panose="02020603050405020304" pitchFamily="18" charset="0"/>
+              </a:rPr>
+              <a:t>Introduction To Bitwise Operators:</a:t>
+            </a:r>
+          </a:p>
+          <a:p>
+            <a:pPr algn="just" rtl="0" fontAlgn="base"/>
+            <a:r>
+              <a:rPr lang="en-US" b="1" dirty="0">
+                <a:solidFill>
+                  <a:srgbClr val="273239"/>
+                </a:solidFill>
+                <a:latin typeface="Aptos" panose="020B0004020202020204" pitchFamily="34" charset="0"/>
+                <a:cs typeface="Times New Roman" panose="02020603050405020304" pitchFamily="18" charset="0"/>
+              </a:rPr>
+              <a:t>	</a:t>
+            </a:r>
+          </a:p>
+          <a:p>
+            <a:pPr algn="just" rtl="0" fontAlgn="base"/>
+            <a:r>
+              <a:rPr lang="en-US" b="1" dirty="0">
+                <a:solidFill>
+                  <a:srgbClr val="273239"/>
+                </a:solidFill>
+                <a:latin typeface="Aptos" panose="020B0004020202020204" pitchFamily="34" charset="0"/>
+                <a:cs typeface="Times New Roman" panose="02020603050405020304" pitchFamily="18" charset="0"/>
+              </a:rPr>
+              <a:t>Bitwise OR (|) :</a:t>
+            </a:r>
+          </a:p>
+          <a:p>
+            <a:pPr algn="just" fontAlgn="base"/>
+            <a:r>
+              <a:rPr lang="en-US" sz="1600" dirty="0">
+                <a:solidFill>
+                  <a:srgbClr val="273239"/>
+                </a:solidFill>
+                <a:latin typeface="Aptos" panose="020B0004020202020204" pitchFamily="34" charset="0"/>
+                <a:cs typeface="Times New Roman" panose="02020603050405020304" pitchFamily="18" charset="0"/>
+              </a:rPr>
+              <a:t>This operator is a binary operator, denoted by ‘|’. It returns bit by bit OR of input values, if either of the bits is 1, it gives 1, else it shows 0. </a:t>
+            </a:r>
+          </a:p>
+          <a:p>
+            <a:pPr algn="just" fontAlgn="base"/>
+            <a:endParaRPr lang="en-US" b="1" dirty="0">
+              <a:solidFill>
+                <a:srgbClr val="273239"/>
+              </a:solidFill>
+              <a:latin typeface="Aptos" panose="020B0004020202020204" pitchFamily="34" charset="0"/>
+              <a:cs typeface="Times New Roman" panose="02020603050405020304" pitchFamily="18" charset="0"/>
+            </a:endParaRPr>
+          </a:p>
+          <a:p>
+            <a:pPr algn="just" rtl="0" fontAlgn="base"/>
+            <a:r>
+              <a:rPr lang="en-US" b="1" dirty="0">
+                <a:solidFill>
+                  <a:srgbClr val="273239"/>
+                </a:solidFill>
+                <a:latin typeface="Aptos" panose="020B0004020202020204" pitchFamily="34" charset="0"/>
+                <a:cs typeface="Times New Roman" panose="02020603050405020304" pitchFamily="18" charset="0"/>
+              </a:rPr>
+              <a:t> Bitwise AND (&amp;) :</a:t>
+            </a:r>
+          </a:p>
+          <a:p>
+            <a:pPr algn="just" rtl="0" fontAlgn="base"/>
+            <a:r>
+              <a:rPr lang="en-US" sz="1600" dirty="0">
+                <a:solidFill>
+                  <a:srgbClr val="273239"/>
+                </a:solidFill>
+                <a:latin typeface="Aptos" panose="020B0004020202020204" pitchFamily="34" charset="0"/>
+                <a:cs typeface="Times New Roman" panose="02020603050405020304" pitchFamily="18" charset="0"/>
+              </a:rPr>
+              <a:t>This operator is a binary operator, denoted by ‘&amp;.’ It returns bit by bit AND of input values, if both bits are 1, it gives 1, else it shows 0. </a:t>
+            </a:r>
+          </a:p>
+          <a:p>
+            <a:pPr algn="just" fontAlgn="base"/>
+            <a:endParaRPr lang="en-US" sz="1600" dirty="0">
+              <a:solidFill>
+                <a:srgbClr val="273239"/>
+              </a:solidFill>
+              <a:latin typeface="Aptos" panose="020B0004020202020204" pitchFamily="34" charset="0"/>
+              <a:cs typeface="Times New Roman" panose="02020603050405020304" pitchFamily="18" charset="0"/>
+            </a:endParaRPr>
+          </a:p>
+          <a:p>
+            <a:pPr algn="just" rtl="0" fontAlgn="base"/>
+            <a:r>
+              <a:rPr lang="en-US" b="1" dirty="0">
+                <a:solidFill>
+                  <a:srgbClr val="273239"/>
+                </a:solidFill>
+                <a:latin typeface="Aptos" panose="020B0004020202020204" pitchFamily="34" charset="0"/>
+                <a:cs typeface="Times New Roman" panose="02020603050405020304" pitchFamily="18" charset="0"/>
+              </a:rPr>
+              <a:t>Bitwise XOR (^) :</a:t>
+            </a:r>
+          </a:p>
+          <a:p>
+            <a:pPr algn="just" rtl="0" fontAlgn="base"/>
+            <a:r>
+              <a:rPr lang="en-US" sz="1600" dirty="0">
+                <a:solidFill>
+                  <a:srgbClr val="273239"/>
+                </a:solidFill>
+                <a:latin typeface="Aptos" panose="020B0004020202020204" pitchFamily="34" charset="0"/>
+                <a:cs typeface="Times New Roman" panose="02020603050405020304" pitchFamily="18" charset="0"/>
+              </a:rPr>
+              <a:t>This operator is a binary operator, denoted by ‘^.’ It returns bit by bit XOR of input values, if corresponding bits are different, it gives 1, else it shows 0. </a:t>
+            </a:r>
+          </a:p>
+          <a:p>
+            <a:pPr algn="just" rtl="0" fontAlgn="base"/>
+            <a:endParaRPr lang="en-US" sz="1600" dirty="0">
+              <a:solidFill>
+                <a:srgbClr val="273239"/>
+              </a:solidFill>
+              <a:latin typeface="Aptos" panose="020B0004020202020204" pitchFamily="34" charset="0"/>
+              <a:cs typeface="Times New Roman" panose="02020603050405020304" pitchFamily="18" charset="0"/>
+            </a:endParaRPr>
+          </a:p>
+          <a:p>
+            <a:pPr algn="just" rtl="0" fontAlgn="base"/>
+            <a:r>
+              <a:rPr lang="en-US" b="1" dirty="0">
+                <a:solidFill>
+                  <a:srgbClr val="273239"/>
+                </a:solidFill>
+                <a:latin typeface="Aptos" panose="020B0004020202020204" pitchFamily="34" charset="0"/>
+                <a:cs typeface="Times New Roman" panose="02020603050405020304" pitchFamily="18" charset="0"/>
+              </a:rPr>
+              <a:t>Bitwise Complement (~):</a:t>
+            </a:r>
+          </a:p>
+          <a:p>
+            <a:pPr algn="just" rtl="0" fontAlgn="base"/>
+            <a:r>
+              <a:rPr lang="en-US" sz="1600" dirty="0">
+                <a:solidFill>
+                  <a:srgbClr val="273239"/>
+                </a:solidFill>
+                <a:latin typeface="Aptos" panose="020B0004020202020204" pitchFamily="34" charset="0"/>
+                <a:cs typeface="Times New Roman" panose="02020603050405020304" pitchFamily="18" charset="0"/>
+              </a:rPr>
+              <a:t>This operator is a unary operator, denoted by ‘~.’ It returns the one’s complement representation of the input value, with all bits inverted, which means it makes every 0 to 1, and every 1 to 0. </a:t>
+            </a:r>
+          </a:p>
+          <a:p>
+            <a:pPr algn="just" rtl="0" fontAlgn="base"/>
+            <a:endParaRPr lang="en-US" sz="1600" dirty="0">
+              <a:solidFill>
+                <a:srgbClr val="273239"/>
+              </a:solidFill>
+              <a:latin typeface="Aptos" panose="020B0004020202020204" pitchFamily="34" charset="0"/>
+              <a:cs typeface="Times New Roman" panose="02020603050405020304" pitchFamily="18" charset="0"/>
+            </a:endParaRPr>
+          </a:p>
+          <a:p>
+            <a:pPr algn="just" rtl="0" fontAlgn="base"/>
+            <a:r>
+              <a:rPr lang="en-US" b="1" dirty="0">
+                <a:solidFill>
+                  <a:srgbClr val="273239"/>
+                </a:solidFill>
+                <a:latin typeface="Aptos" panose="020B0004020202020204" pitchFamily="34" charset="0"/>
+                <a:cs typeface="Times New Roman" panose="02020603050405020304" pitchFamily="18" charset="0"/>
+              </a:rPr>
+              <a:t>Left Shift Operator:</a:t>
+            </a:r>
+          </a:p>
+          <a:p>
+            <a:pPr algn="just" rtl="0" fontAlgn="base"/>
+            <a:r>
+              <a:rPr lang="en-US" sz="1600" dirty="0">
+                <a:solidFill>
+                  <a:srgbClr val="273239"/>
+                </a:solidFill>
+                <a:latin typeface="Aptos" panose="020B0004020202020204" pitchFamily="34" charset="0"/>
+                <a:cs typeface="Times New Roman" panose="02020603050405020304" pitchFamily="18" charset="0"/>
+              </a:rPr>
+              <a:t>The left shift operator shifts all bits towards the left by a certain number of specified bits. It is denoted by &lt;&lt;.</a:t>
+            </a:r>
+          </a:p>
+          <a:p>
+            <a:pPr algn="just" rtl="0" fontAlgn="base"/>
+            <a:r>
+              <a:rPr lang="en-US" sz="1600" b="1" dirty="0">
+                <a:solidFill>
+                  <a:srgbClr val="273239"/>
+                </a:solidFill>
+                <a:latin typeface="Aptos" panose="020B0004020202020204" pitchFamily="34" charset="0"/>
+                <a:cs typeface="Times New Roman" panose="02020603050405020304" pitchFamily="18" charset="0"/>
+              </a:rPr>
+              <a:t>General Formula</a:t>
+            </a:r>
+            <a:r>
+              <a:rPr lang="en-US" sz="1600" dirty="0">
+                <a:solidFill>
+                  <a:srgbClr val="273239"/>
+                </a:solidFill>
+                <a:latin typeface="Aptos" panose="020B0004020202020204" pitchFamily="34" charset="0"/>
+                <a:cs typeface="Times New Roman" panose="02020603050405020304" pitchFamily="18" charset="0"/>
+              </a:rPr>
+              <a:t> </a:t>
+            </a:r>
+            <a:r>
+              <a:rPr lang="en-US" sz="1600" dirty="0">
+                <a:solidFill>
+                  <a:srgbClr val="273239"/>
+                </a:solidFill>
+                <a:latin typeface="Aptos" panose="020B0004020202020204" pitchFamily="34" charset="0"/>
+                <a:cs typeface="Times New Roman" panose="02020603050405020304" pitchFamily="18" charset="0"/>
+                <a:sym typeface="Wingdings" panose="05000000000000000000" pitchFamily="2" charset="2"/>
+              </a:rPr>
+              <a:t>  a &lt;&lt; b  (a * 2^b ) </a:t>
+            </a:r>
+          </a:p>
+          <a:p>
+            <a:pPr algn="just" rtl="0" fontAlgn="base"/>
+            <a:r>
+              <a:rPr lang="en-US" sz="1600" dirty="0">
+                <a:solidFill>
+                  <a:srgbClr val="273239"/>
+                </a:solidFill>
+                <a:latin typeface="Aptos" panose="020B0004020202020204" pitchFamily="34" charset="0"/>
+                <a:cs typeface="Times New Roman" panose="02020603050405020304" pitchFamily="18" charset="0"/>
+                <a:sym typeface="Wingdings" panose="05000000000000000000" pitchFamily="2" charset="2"/>
+              </a:rPr>
+              <a:t> if a = 5 , a &lt;&lt; 3   (5* 2^3)  40 </a:t>
+            </a:r>
+            <a:endParaRPr lang="en-US" sz="1600" dirty="0">
+              <a:solidFill>
+                <a:srgbClr val="273239"/>
+              </a:solidFill>
+              <a:latin typeface="Aptos" panose="020B0004020202020204" pitchFamily="34" charset="0"/>
+              <a:cs typeface="Times New Roman" panose="02020603050405020304" pitchFamily="18" charset="0"/>
+            </a:endParaRPr>
+          </a:p>
+        </p:txBody>
+      </p:sp>
+    </p:spTree>
+    <p:extLst>
+      <p:ext uri="{BB962C8B-B14F-4D97-AF65-F5344CB8AC3E}">
+        <p14:creationId xmlns:p14="http://schemas.microsoft.com/office/powerpoint/2010/main" val="4203934767"/>
+      </p:ext>
+    </p:extLst>
+  </p:cSld>
+  <p:clrMapOvr>
+    <a:masterClrMapping/>
+  </p:clrMapOvr>
+</p:sld>
+</file>
+
+<file path=ppt/slides/slide44.xml><?xml version="1.0" encoding="utf-8"?>
+<p:sld xmlns:a="http://schemas.openxmlformats.org/drawingml/2006/main" xmlns:r="http://schemas.openxmlformats.org/officeDocument/2006/relationships" xmlns:p="http://schemas.openxmlformats.org/presentationml/2006/main">
+  <p:cSld>
+    <p:spTree>
+      <p:nvGrpSpPr>
+        <p:cNvPr id="1" name="">
+          <a:extLst>
+            <a:ext uri="{FF2B5EF4-FFF2-40B4-BE49-F238E27FC236}">
+              <a16:creationId xmlns:a16="http://schemas.microsoft.com/office/drawing/2014/main" id="{A6E69255-612D-D9EA-BACC-6E23E68E4EF8}"/>
+            </a:ext>
+          </a:extLst>
+        </p:cNvPr>
+        <p:cNvGrpSpPr/>
+        <p:nvPr/>
+      </p:nvGrpSpPr>
+      <p:grpSpPr>
+        <a:xfrm>
+          <a:off x="0" y="0"/>
+          <a:ext cx="0" cy="0"/>
+          <a:chOff x="0" y="0"/>
+          <a:chExt cx="0" cy="0"/>
+        </a:xfrm>
+      </p:grpSpPr>
+      <p:pic>
+        <p:nvPicPr>
+          <p:cNvPr id="3" name="Picture 2" descr="A table with numbers and symbols&#10;&#10;Description automatically generated">
+            <a:extLst>
+              <a:ext uri="{FF2B5EF4-FFF2-40B4-BE49-F238E27FC236}">
+                <a16:creationId xmlns:a16="http://schemas.microsoft.com/office/drawing/2014/main" id="{A8245F8F-F79C-490C-A401-5D197C4013AC}"/>
+              </a:ext>
+            </a:extLst>
+          </p:cNvPr>
+          <p:cNvPicPr>
+            <a:picLocks noChangeAspect="1"/>
+          </p:cNvPicPr>
+          <p:nvPr/>
+        </p:nvPicPr>
+        <p:blipFill>
+          <a:blip r:embed="rId2">
+            <a:extLst>
+              <a:ext uri="{28A0092B-C50C-407E-A947-70E740481C1C}">
+                <a14:useLocalDpi xmlns:a14="http://schemas.microsoft.com/office/drawing/2010/main" val="0"/>
+              </a:ext>
+            </a:extLst>
+          </a:blip>
+          <a:stretch>
+            <a:fillRect/>
+          </a:stretch>
+        </p:blipFill>
+        <p:spPr>
+          <a:xfrm>
+            <a:off x="2311974" y="1941946"/>
+            <a:ext cx="6340038" cy="4163291"/>
+          </a:xfrm>
+          <a:prstGeom prst="rect">
+            <a:avLst/>
+          </a:prstGeom>
+        </p:spPr>
+      </p:pic>
+      <p:sp>
+        <p:nvSpPr>
+          <p:cNvPr id="4" name="TextBox 3">
+            <a:extLst>
+              <a:ext uri="{FF2B5EF4-FFF2-40B4-BE49-F238E27FC236}">
+                <a16:creationId xmlns:a16="http://schemas.microsoft.com/office/drawing/2014/main" id="{B88A71AC-A7EA-493D-A784-99F76318E8E7}"/>
+              </a:ext>
+            </a:extLst>
+          </p:cNvPr>
+          <p:cNvSpPr txBox="1"/>
+          <p:nvPr/>
+        </p:nvSpPr>
+        <p:spPr>
+          <a:xfrm>
+            <a:off x="782919" y="433014"/>
+            <a:ext cx="10246823" cy="1107996"/>
+          </a:xfrm>
+          <a:prstGeom prst="rect">
+            <a:avLst/>
+          </a:prstGeom>
+          <a:noFill/>
+        </p:spPr>
+        <p:txBody>
+          <a:bodyPr wrap="square" rtlCol="0">
+            <a:spAutoFit/>
+          </a:bodyPr>
+          <a:lstStyle/>
+          <a:p>
+            <a:pPr algn="just" rtl="0" fontAlgn="base"/>
+            <a:r>
+              <a:rPr lang="en-US" b="1" dirty="0">
+                <a:solidFill>
+                  <a:srgbClr val="273239"/>
+                </a:solidFill>
+                <a:latin typeface="Aptos" panose="020B0004020202020204" pitchFamily="34" charset="0"/>
+                <a:cs typeface="Times New Roman" panose="02020603050405020304" pitchFamily="18" charset="0"/>
+              </a:rPr>
+              <a:t>Right Shift Operator </a:t>
+            </a:r>
+            <a:r>
+              <a:rPr lang="en-US" sz="1600" dirty="0">
+                <a:solidFill>
+                  <a:srgbClr val="273239"/>
+                </a:solidFill>
+                <a:latin typeface="Aptos" panose="020B0004020202020204" pitchFamily="34" charset="0"/>
+                <a:cs typeface="Times New Roman" panose="02020603050405020304" pitchFamily="18" charset="0"/>
+              </a:rPr>
+              <a:t>The right shift operator shifts all bits towards the right by a certain number of specified bits. It is denoted by &gt;&gt;.</a:t>
+            </a:r>
+          </a:p>
+          <a:p>
+            <a:pPr algn="just" rtl="0" fontAlgn="base"/>
+            <a:r>
+              <a:rPr lang="en-US" sz="1600" b="1" dirty="0">
+                <a:solidFill>
+                  <a:srgbClr val="273239"/>
+                </a:solidFill>
+                <a:latin typeface="Aptos" panose="020B0004020202020204" pitchFamily="34" charset="0"/>
+                <a:cs typeface="Times New Roman" panose="02020603050405020304" pitchFamily="18" charset="0"/>
+              </a:rPr>
+              <a:t>General Formula</a:t>
+            </a:r>
+            <a:r>
+              <a:rPr lang="en-US" sz="1600" dirty="0">
+                <a:solidFill>
+                  <a:srgbClr val="273239"/>
+                </a:solidFill>
+                <a:latin typeface="Aptos" panose="020B0004020202020204" pitchFamily="34" charset="0"/>
+                <a:cs typeface="Times New Roman" panose="02020603050405020304" pitchFamily="18" charset="0"/>
+              </a:rPr>
+              <a:t> </a:t>
+            </a:r>
+            <a:r>
+              <a:rPr lang="en-US" sz="1600" dirty="0">
+                <a:solidFill>
+                  <a:srgbClr val="273239"/>
+                </a:solidFill>
+                <a:latin typeface="Aptos" panose="020B0004020202020204" pitchFamily="34" charset="0"/>
+                <a:cs typeface="Times New Roman" panose="02020603050405020304" pitchFamily="18" charset="0"/>
+                <a:sym typeface="Wingdings" panose="05000000000000000000" pitchFamily="2" charset="2"/>
+              </a:rPr>
+              <a:t>  a &gt;&gt; b  (a / 2^b ) </a:t>
+            </a:r>
+          </a:p>
+          <a:p>
+            <a:pPr algn="just" rtl="0" fontAlgn="base"/>
+            <a:r>
+              <a:rPr lang="en-US" sz="1600" dirty="0">
+                <a:solidFill>
+                  <a:srgbClr val="273239"/>
+                </a:solidFill>
+                <a:latin typeface="Aptos" panose="020B0004020202020204" pitchFamily="34" charset="0"/>
+                <a:cs typeface="Times New Roman" panose="02020603050405020304" pitchFamily="18" charset="0"/>
+                <a:sym typeface="Wingdings" panose="05000000000000000000" pitchFamily="2" charset="2"/>
+              </a:rPr>
+              <a:t> if a = 4 , a &lt;&lt; 3   (40 / 2^3)  5</a:t>
+            </a:r>
+            <a:endParaRPr lang="en-US" sz="1600" dirty="0">
+              <a:solidFill>
+                <a:srgbClr val="273239"/>
+              </a:solidFill>
+              <a:latin typeface="Aptos" panose="020B0004020202020204" pitchFamily="34" charset="0"/>
+              <a:cs typeface="Times New Roman" panose="02020603050405020304" pitchFamily="18" charset="0"/>
+            </a:endParaRPr>
+          </a:p>
+        </p:txBody>
+      </p:sp>
+    </p:spTree>
+    <p:extLst>
+      <p:ext uri="{BB962C8B-B14F-4D97-AF65-F5344CB8AC3E}">
+        <p14:creationId xmlns:p14="http://schemas.microsoft.com/office/powerpoint/2010/main" val="1917023923"/>
+      </p:ext>
+    </p:extLst>
+  </p:cSld>
+  <p:clrMapOvr>
+    <a:masterClrMapping/>
+  </p:clrMapOvr>
+</p:sld>
+</file>
+
+<file path=ppt/slides/slide45.xml><?xml version="1.0" encoding="utf-8"?>
+<p:sld xmlns:a="http://schemas.openxmlformats.org/drawingml/2006/main" xmlns:r="http://schemas.openxmlformats.org/officeDocument/2006/relationships" xmlns:p="http://schemas.openxmlformats.org/presentationml/2006/main">
+  <p:cSld>
+    <p:spTree>
+      <p:nvGrpSpPr>
+        <p:cNvPr id="1" name="">
+          <a:extLst>
+            <a:ext uri="{FF2B5EF4-FFF2-40B4-BE49-F238E27FC236}">
+              <a16:creationId xmlns:a16="http://schemas.microsoft.com/office/drawing/2014/main" id="{A6E69255-612D-D9EA-BACC-6E23E68E4EF8}"/>
+            </a:ext>
+          </a:extLst>
+        </p:cNvPr>
+        <p:cNvGrpSpPr/>
+        <p:nvPr/>
+      </p:nvGrpSpPr>
+      <p:grpSpPr>
+        <a:xfrm>
+          <a:off x="0" y="0"/>
+          <a:ext cx="0" cy="0"/>
+          <a:chOff x="0" y="0"/>
+          <a:chExt cx="0" cy="0"/>
+        </a:xfrm>
+      </p:grpSpPr>
+      <p:sp>
+        <p:nvSpPr>
+          <p:cNvPr id="8" name="TextBox 7">
+            <a:extLst>
+              <a:ext uri="{FF2B5EF4-FFF2-40B4-BE49-F238E27FC236}">
+                <a16:creationId xmlns:a16="http://schemas.microsoft.com/office/drawing/2014/main" id="{5B666090-1475-9EE4-900F-C8BB4561FAE9}"/>
+              </a:ext>
+            </a:extLst>
+          </p:cNvPr>
+          <p:cNvSpPr txBox="1"/>
+          <p:nvPr/>
+        </p:nvSpPr>
+        <p:spPr>
+          <a:xfrm>
+            <a:off x="819865" y="700867"/>
+            <a:ext cx="9931263" cy="4462760"/>
+          </a:xfrm>
+          <a:prstGeom prst="rect">
+            <a:avLst/>
+          </a:prstGeom>
+          <a:noFill/>
+        </p:spPr>
+        <p:txBody>
+          <a:bodyPr wrap="square" rtlCol="0">
+            <a:spAutoFit/>
+          </a:bodyPr>
+          <a:lstStyle/>
+          <a:p>
+            <a:pPr fontAlgn="base"/>
+            <a:r>
+              <a:rPr lang="en-IN" b="1" dirty="0">
+                <a:solidFill>
+                  <a:srgbClr val="273239"/>
+                </a:solidFill>
+                <a:latin typeface="Aptos" panose="020B0004020202020204" pitchFamily="34" charset="0"/>
+                <a:cs typeface="Times New Roman" panose="02020603050405020304" pitchFamily="18" charset="0"/>
+              </a:rPr>
+              <a:t>Number Systems</a:t>
+            </a:r>
+            <a:r>
+              <a:rPr lang="en-US" b="1" dirty="0">
+                <a:solidFill>
+                  <a:srgbClr val="273239"/>
+                </a:solidFill>
+                <a:latin typeface="Aptos" panose="020B0004020202020204" pitchFamily="34" charset="0"/>
+                <a:cs typeface="Times New Roman" panose="02020603050405020304" pitchFamily="18" charset="0"/>
+              </a:rPr>
+              <a:t>:</a:t>
+            </a:r>
+          </a:p>
+          <a:p>
+            <a:pPr algn="just" rtl="0" fontAlgn="base"/>
+            <a:endParaRPr lang="en-US" b="1" dirty="0">
+              <a:solidFill>
+                <a:srgbClr val="273239"/>
+              </a:solidFill>
+              <a:latin typeface="Aptos" panose="020B0004020202020204" pitchFamily="34" charset="0"/>
+              <a:cs typeface="Times New Roman" panose="02020603050405020304" pitchFamily="18" charset="0"/>
+            </a:endParaRPr>
+          </a:p>
+          <a:p>
+            <a:pPr algn="just" rtl="0" fontAlgn="base"/>
+            <a:r>
+              <a:rPr lang="en-US" b="1" dirty="0">
+                <a:solidFill>
+                  <a:srgbClr val="273239"/>
+                </a:solidFill>
+                <a:latin typeface="Aptos" panose="020B0004020202020204" pitchFamily="34" charset="0"/>
+                <a:cs typeface="Times New Roman" panose="02020603050405020304" pitchFamily="18" charset="0"/>
+              </a:rPr>
+              <a:t>Types Of Number System:</a:t>
+            </a:r>
+          </a:p>
+          <a:p>
+            <a:pPr marL="800100" lvl="1" indent="-342900" algn="just">
+              <a:buFont typeface="+mj-lt"/>
+              <a:buAutoNum type="arabicPeriod"/>
+            </a:pPr>
+            <a:r>
+              <a:rPr lang="en-IN" b="1" dirty="0">
+                <a:solidFill>
+                  <a:srgbClr val="273239"/>
+                </a:solidFill>
+                <a:latin typeface="Aptos" panose="020B0004020202020204" pitchFamily="34" charset="0"/>
+                <a:cs typeface="Times New Roman" panose="02020603050405020304" pitchFamily="18" charset="0"/>
+              </a:rPr>
+              <a:t>Binary number system</a:t>
+            </a:r>
+          </a:p>
+          <a:p>
+            <a:pPr marL="800100" lvl="1" indent="-342900" algn="just">
+              <a:buFont typeface="+mj-lt"/>
+              <a:buAutoNum type="arabicPeriod"/>
+            </a:pPr>
+            <a:r>
+              <a:rPr lang="en-IN" b="1" dirty="0">
+                <a:solidFill>
+                  <a:srgbClr val="273239"/>
+                </a:solidFill>
+                <a:latin typeface="Aptos" panose="020B0004020202020204" pitchFamily="34" charset="0"/>
+                <a:cs typeface="Times New Roman" panose="02020603050405020304" pitchFamily="18" charset="0"/>
+              </a:rPr>
+              <a:t>Octal number system</a:t>
+            </a:r>
+          </a:p>
+          <a:p>
+            <a:pPr marL="800100" lvl="1" indent="-342900" algn="just">
+              <a:buFont typeface="+mj-lt"/>
+              <a:buAutoNum type="arabicPeriod"/>
+            </a:pPr>
+            <a:r>
+              <a:rPr lang="en-IN" b="1" dirty="0">
+                <a:solidFill>
+                  <a:srgbClr val="273239"/>
+                </a:solidFill>
+                <a:latin typeface="Aptos" panose="020B0004020202020204" pitchFamily="34" charset="0"/>
+                <a:cs typeface="Times New Roman" panose="02020603050405020304" pitchFamily="18" charset="0"/>
+              </a:rPr>
+              <a:t>Decimal number system</a:t>
+            </a:r>
+          </a:p>
+          <a:p>
+            <a:pPr marL="800100" lvl="1" indent="-342900" algn="just">
+              <a:buFont typeface="+mj-lt"/>
+              <a:buAutoNum type="arabicPeriod"/>
+            </a:pPr>
+            <a:r>
+              <a:rPr lang="en-IN" b="1" dirty="0">
+                <a:solidFill>
+                  <a:srgbClr val="273239"/>
+                </a:solidFill>
+                <a:latin typeface="Aptos" panose="020B0004020202020204" pitchFamily="34" charset="0"/>
+                <a:cs typeface="Times New Roman" panose="02020603050405020304" pitchFamily="18" charset="0"/>
+              </a:rPr>
+              <a:t>Hexadecimal number system</a:t>
+            </a:r>
+          </a:p>
+          <a:p>
+            <a:pPr marL="800100" lvl="1" indent="-342900" algn="just">
+              <a:buFont typeface="+mj-lt"/>
+              <a:buAutoNum type="arabicPeriod"/>
+            </a:pPr>
+            <a:endParaRPr lang="en-IN" b="1" dirty="0">
+              <a:solidFill>
+                <a:srgbClr val="273239"/>
+              </a:solidFill>
+              <a:latin typeface="Aptos" panose="020B0004020202020204" pitchFamily="34" charset="0"/>
+              <a:cs typeface="Times New Roman" panose="02020603050405020304" pitchFamily="18" charset="0"/>
+            </a:endParaRPr>
+          </a:p>
+          <a:p>
+            <a:pPr algn="just"/>
+            <a:r>
+              <a:rPr lang="en-US" b="1" dirty="0">
+                <a:solidFill>
+                  <a:srgbClr val="273239"/>
+                </a:solidFill>
+                <a:latin typeface="Aptos" panose="020B0004020202020204" pitchFamily="34" charset="0"/>
+                <a:cs typeface="Times New Roman" panose="02020603050405020304" pitchFamily="18" charset="0"/>
+              </a:rPr>
+              <a:t>Binary number system </a:t>
+            </a:r>
+            <a:r>
+              <a:rPr lang="en-US" b="1" dirty="0">
+                <a:solidFill>
+                  <a:srgbClr val="273239"/>
+                </a:solidFill>
+                <a:latin typeface="Aptos" panose="020B0004020202020204" pitchFamily="34" charset="0"/>
+                <a:cs typeface="Times New Roman" panose="02020603050405020304" pitchFamily="18" charset="0"/>
+                <a:sym typeface="Wingdings" panose="05000000000000000000" pitchFamily="2" charset="2"/>
+              </a:rPr>
+              <a:t> </a:t>
+            </a:r>
+            <a:r>
+              <a:rPr lang="en-US" b="1" dirty="0">
+                <a:solidFill>
+                  <a:srgbClr val="273239"/>
+                </a:solidFill>
+                <a:latin typeface="Aptos" panose="020B0004020202020204" pitchFamily="34" charset="0"/>
+                <a:cs typeface="Times New Roman" panose="02020603050405020304" pitchFamily="18" charset="0"/>
+              </a:rPr>
+              <a:t> </a:t>
+            </a:r>
+            <a:r>
+              <a:rPr lang="en-US" sz="1600" dirty="0">
+                <a:solidFill>
+                  <a:srgbClr val="273239"/>
+                </a:solidFill>
+                <a:latin typeface="Aptos" panose="020B0004020202020204" pitchFamily="34" charset="0"/>
+                <a:cs typeface="Times New Roman" panose="02020603050405020304" pitchFamily="18" charset="0"/>
+              </a:rPr>
+              <a:t>It has only two digits '0' and '1' so its base is 2.</a:t>
+            </a:r>
+          </a:p>
+          <a:p>
+            <a:pPr algn="just"/>
+            <a:endParaRPr lang="en-US" b="1" dirty="0">
+              <a:solidFill>
+                <a:srgbClr val="273239"/>
+              </a:solidFill>
+              <a:latin typeface="Aptos" panose="020B0004020202020204" pitchFamily="34" charset="0"/>
+              <a:cs typeface="Times New Roman" panose="02020603050405020304" pitchFamily="18" charset="0"/>
+            </a:endParaRPr>
+          </a:p>
+          <a:p>
+            <a:pPr algn="just"/>
+            <a:r>
+              <a:rPr lang="en-US" b="1" dirty="0">
+                <a:solidFill>
+                  <a:srgbClr val="273239"/>
+                </a:solidFill>
+                <a:latin typeface="Aptos" panose="020B0004020202020204" pitchFamily="34" charset="0"/>
+                <a:cs typeface="Times New Roman" panose="02020603050405020304" pitchFamily="18" charset="0"/>
+              </a:rPr>
+              <a:t>Octal number system </a:t>
+            </a:r>
+            <a:r>
+              <a:rPr lang="en-US" b="1" dirty="0">
+                <a:solidFill>
+                  <a:srgbClr val="273239"/>
+                </a:solidFill>
+                <a:latin typeface="Aptos" panose="020B0004020202020204" pitchFamily="34" charset="0"/>
+                <a:cs typeface="Times New Roman" panose="02020603050405020304" pitchFamily="18" charset="0"/>
+                <a:sym typeface="Wingdings" panose="05000000000000000000" pitchFamily="2" charset="2"/>
+              </a:rPr>
+              <a:t></a:t>
+            </a:r>
+            <a:r>
+              <a:rPr lang="en-US" sz="1600" dirty="0">
+                <a:solidFill>
+                  <a:srgbClr val="273239"/>
+                </a:solidFill>
+                <a:latin typeface="Aptos" panose="020B0004020202020204" pitchFamily="34" charset="0"/>
+                <a:cs typeface="Times New Roman" panose="02020603050405020304" pitchFamily="18" charset="0"/>
+                <a:sym typeface="Wingdings" panose="05000000000000000000" pitchFamily="2" charset="2"/>
+              </a:rPr>
+              <a:t> </a:t>
+            </a:r>
+            <a:r>
+              <a:rPr lang="en-US" sz="1600" dirty="0">
+                <a:solidFill>
+                  <a:srgbClr val="273239"/>
+                </a:solidFill>
+                <a:latin typeface="Aptos" panose="020B0004020202020204" pitchFamily="34" charset="0"/>
+                <a:cs typeface="Times New Roman" panose="02020603050405020304" pitchFamily="18" charset="0"/>
+              </a:rPr>
+              <a:t>It has eight digits (0, 1, 2, 3, 4, 5, 6, 7) so its base is 8.</a:t>
+            </a:r>
+          </a:p>
+          <a:p>
+            <a:pPr algn="just"/>
+            <a:endParaRPr lang="en-US" sz="1600" dirty="0">
+              <a:solidFill>
+                <a:srgbClr val="273239"/>
+              </a:solidFill>
+              <a:latin typeface="Aptos" panose="020B0004020202020204" pitchFamily="34" charset="0"/>
+              <a:cs typeface="Times New Roman" panose="02020603050405020304" pitchFamily="18" charset="0"/>
+            </a:endParaRPr>
+          </a:p>
+          <a:p>
+            <a:pPr algn="just"/>
+            <a:r>
+              <a:rPr lang="en-US" b="1" dirty="0">
+                <a:solidFill>
+                  <a:srgbClr val="273239"/>
+                </a:solidFill>
+                <a:latin typeface="Aptos" panose="020B0004020202020204" pitchFamily="34" charset="0"/>
+                <a:cs typeface="Times New Roman" panose="02020603050405020304" pitchFamily="18" charset="0"/>
+              </a:rPr>
+              <a:t>Decimal number system </a:t>
+            </a:r>
+            <a:r>
+              <a:rPr lang="en-US" b="1" dirty="0">
+                <a:solidFill>
+                  <a:srgbClr val="273239"/>
+                </a:solidFill>
+                <a:latin typeface="Aptos" panose="020B0004020202020204" pitchFamily="34" charset="0"/>
+                <a:cs typeface="Times New Roman" panose="02020603050405020304" pitchFamily="18" charset="0"/>
+                <a:sym typeface="Wingdings" panose="05000000000000000000" pitchFamily="2" charset="2"/>
+              </a:rPr>
+              <a:t></a:t>
+            </a:r>
+            <a:r>
+              <a:rPr lang="en-US" b="1" dirty="0">
+                <a:solidFill>
+                  <a:srgbClr val="273239"/>
+                </a:solidFill>
+                <a:latin typeface="Aptos" panose="020B0004020202020204" pitchFamily="34" charset="0"/>
+                <a:cs typeface="Times New Roman" panose="02020603050405020304" pitchFamily="18" charset="0"/>
+              </a:rPr>
+              <a:t> </a:t>
+            </a:r>
+            <a:r>
+              <a:rPr lang="en-US" sz="1600" dirty="0">
+                <a:solidFill>
+                  <a:srgbClr val="273239"/>
+                </a:solidFill>
+                <a:latin typeface="Aptos" panose="020B0004020202020204" pitchFamily="34" charset="0"/>
+                <a:cs typeface="Times New Roman" panose="02020603050405020304" pitchFamily="18" charset="0"/>
+              </a:rPr>
+              <a:t>This number system has ten digits (0, 1, 2, 3, 4, 5, 6, 7, 8, 9) so its base is 10.</a:t>
+            </a:r>
+          </a:p>
+          <a:p>
+            <a:pPr algn="just"/>
+            <a:endParaRPr lang="en-US" b="1" dirty="0">
+              <a:solidFill>
+                <a:srgbClr val="273239"/>
+              </a:solidFill>
+              <a:latin typeface="Aptos" panose="020B0004020202020204" pitchFamily="34" charset="0"/>
+              <a:cs typeface="Times New Roman" panose="02020603050405020304" pitchFamily="18" charset="0"/>
+            </a:endParaRPr>
+          </a:p>
+          <a:p>
+            <a:pPr algn="just"/>
+            <a:r>
+              <a:rPr lang="en-US" b="1" dirty="0">
+                <a:solidFill>
+                  <a:srgbClr val="273239"/>
+                </a:solidFill>
+                <a:latin typeface="Aptos" panose="020B0004020202020204" pitchFamily="34" charset="0"/>
+                <a:cs typeface="Times New Roman" panose="02020603050405020304" pitchFamily="18" charset="0"/>
+              </a:rPr>
+              <a:t>Hexadecimal number system </a:t>
+            </a:r>
+            <a:r>
+              <a:rPr lang="en-US" b="1" dirty="0">
+                <a:solidFill>
+                  <a:srgbClr val="273239"/>
+                </a:solidFill>
+                <a:latin typeface="Aptos" panose="020B0004020202020204" pitchFamily="34" charset="0"/>
+                <a:cs typeface="Times New Roman" panose="02020603050405020304" pitchFamily="18" charset="0"/>
+                <a:sym typeface="Wingdings" panose="05000000000000000000" pitchFamily="2" charset="2"/>
+              </a:rPr>
+              <a:t> </a:t>
+            </a:r>
+            <a:r>
+              <a:rPr lang="en-US" sz="1600" dirty="0">
+                <a:solidFill>
+                  <a:srgbClr val="273239"/>
+                </a:solidFill>
+                <a:latin typeface="Aptos" panose="020B0004020202020204" pitchFamily="34" charset="0"/>
+                <a:cs typeface="Times New Roman" panose="02020603050405020304" pitchFamily="18" charset="0"/>
+              </a:rPr>
+              <a:t>This number system has 16 digits that ranges from 0 to 9 and A to F. So, its base is 16. (0, 1, 2, 3, 4, 5, 6, 7, 8, 9 , A, B, C, D, E, F) .</a:t>
+            </a:r>
+          </a:p>
+        </p:txBody>
+      </p:sp>
+    </p:spTree>
+    <p:extLst>
+      <p:ext uri="{BB962C8B-B14F-4D97-AF65-F5344CB8AC3E}">
+        <p14:creationId xmlns:p14="http://schemas.microsoft.com/office/powerpoint/2010/main" val="3330450853"/>
+      </p:ext>
+    </p:extLst>
+  </p:cSld>
+  <p:clrMapOvr>
+    <a:masterClrMapping/>
+  </p:clrMapOvr>
+</p:sld>
+</file>
+
+<file path=ppt/slides/slide46.xml><?xml version="1.0" encoding="utf-8"?>
+<p:sld xmlns:a="http://schemas.openxmlformats.org/drawingml/2006/main" xmlns:r="http://schemas.openxmlformats.org/officeDocument/2006/relationships" xmlns:p="http://schemas.openxmlformats.org/presentationml/2006/main">
+  <p:cSld>
+    <p:spTree>
+      <p:nvGrpSpPr>
+        <p:cNvPr id="1" name="">
+          <a:extLst>
+            <a:ext uri="{FF2B5EF4-FFF2-40B4-BE49-F238E27FC236}">
+              <a16:creationId xmlns:a16="http://schemas.microsoft.com/office/drawing/2014/main" id="{A6E69255-612D-D9EA-BACC-6E23E68E4EF8}"/>
+            </a:ext>
+          </a:extLst>
+        </p:cNvPr>
+        <p:cNvGrpSpPr/>
+        <p:nvPr/>
+      </p:nvGrpSpPr>
+      <p:grpSpPr>
+        <a:xfrm>
+          <a:off x="0" y="0"/>
+          <a:ext cx="0" cy="0"/>
+          <a:chOff x="0" y="0"/>
+          <a:chExt cx="0" cy="0"/>
+        </a:xfrm>
+      </p:grpSpPr>
+      <p:sp>
+        <p:nvSpPr>
+          <p:cNvPr id="8" name="TextBox 7">
+            <a:extLst>
+              <a:ext uri="{FF2B5EF4-FFF2-40B4-BE49-F238E27FC236}">
+                <a16:creationId xmlns:a16="http://schemas.microsoft.com/office/drawing/2014/main" id="{5B666090-1475-9EE4-900F-C8BB4561FAE9}"/>
+              </a:ext>
+            </a:extLst>
+          </p:cNvPr>
+          <p:cNvSpPr txBox="1"/>
+          <p:nvPr/>
+        </p:nvSpPr>
+        <p:spPr>
+          <a:xfrm>
+            <a:off x="819865" y="700867"/>
+            <a:ext cx="9931263" cy="5693866"/>
+          </a:xfrm>
+          <a:prstGeom prst="rect">
+            <a:avLst/>
+          </a:prstGeom>
+          <a:noFill/>
+        </p:spPr>
+        <p:txBody>
+          <a:bodyPr wrap="square" rtlCol="0">
+            <a:spAutoFit/>
+          </a:bodyPr>
+          <a:lstStyle/>
+          <a:p>
+            <a:pPr fontAlgn="base"/>
+            <a:r>
+              <a:rPr lang="en-IN" b="1" dirty="0">
+                <a:solidFill>
+                  <a:srgbClr val="273239"/>
+                </a:solidFill>
+                <a:latin typeface="Aptos" panose="020B0004020202020204" pitchFamily="34" charset="0"/>
+                <a:cs typeface="Times New Roman" panose="02020603050405020304" pitchFamily="18" charset="0"/>
+              </a:rPr>
+              <a:t>Convert One Number Systems To Other</a:t>
+            </a:r>
+            <a:r>
+              <a:rPr lang="en-US" b="1" dirty="0">
+                <a:solidFill>
+                  <a:srgbClr val="273239"/>
+                </a:solidFill>
+                <a:latin typeface="Aptos" panose="020B0004020202020204" pitchFamily="34" charset="0"/>
+                <a:cs typeface="Times New Roman" panose="02020603050405020304" pitchFamily="18" charset="0"/>
+              </a:rPr>
+              <a:t>:</a:t>
+            </a:r>
+          </a:p>
+          <a:p>
+            <a:pPr fontAlgn="base"/>
+            <a:endParaRPr lang="en-US" b="1" dirty="0">
+              <a:solidFill>
+                <a:srgbClr val="273239"/>
+              </a:solidFill>
+              <a:latin typeface="Aptos" panose="020B0004020202020204" pitchFamily="34" charset="0"/>
+              <a:cs typeface="Times New Roman" panose="02020603050405020304" pitchFamily="18" charset="0"/>
+            </a:endParaRPr>
+          </a:p>
+          <a:p>
+            <a:pPr algn="just"/>
+            <a:r>
+              <a:rPr lang="en-US" b="1" dirty="0">
+                <a:solidFill>
+                  <a:srgbClr val="273239"/>
+                </a:solidFill>
+                <a:latin typeface="Aptos" panose="020B0004020202020204" pitchFamily="34" charset="0"/>
+                <a:cs typeface="Times New Roman" panose="02020603050405020304" pitchFamily="18" charset="0"/>
+              </a:rPr>
+              <a:t>Step</a:t>
+            </a:r>
+            <a:r>
+              <a:rPr lang="en-US" b="1" i="0" dirty="0">
+                <a:solidFill>
+                  <a:srgbClr val="000000"/>
+                </a:solidFill>
+                <a:effectLst/>
+                <a:latin typeface="inherit"/>
+              </a:rPr>
+              <a:t> 1</a:t>
+            </a:r>
+            <a:r>
+              <a:rPr lang="en-US" b="0" i="0" dirty="0">
+                <a:solidFill>
+                  <a:srgbClr val="000000"/>
+                </a:solidFill>
+                <a:effectLst/>
+                <a:latin typeface="Verdana" panose="020B0604030504040204" pitchFamily="34" charset="0"/>
+              </a:rPr>
+              <a:t> −&gt; </a:t>
+            </a:r>
+            <a:r>
+              <a:rPr lang="en-US" sz="1600" dirty="0">
+                <a:solidFill>
+                  <a:srgbClr val="273239"/>
+                </a:solidFill>
+                <a:latin typeface="Aptos" panose="020B0004020202020204" pitchFamily="34" charset="0"/>
+                <a:cs typeface="Times New Roman" panose="02020603050405020304" pitchFamily="18" charset="0"/>
+              </a:rPr>
+              <a:t>Divide the decimal number to be converted by the value of the new base.</a:t>
+            </a:r>
+          </a:p>
+          <a:p>
+            <a:pPr algn="just"/>
+            <a:r>
+              <a:rPr lang="en-US" b="1" dirty="0">
+                <a:solidFill>
+                  <a:srgbClr val="273239"/>
+                </a:solidFill>
+                <a:latin typeface="Aptos" panose="020B0004020202020204" pitchFamily="34" charset="0"/>
+                <a:cs typeface="Times New Roman" panose="02020603050405020304" pitchFamily="18" charset="0"/>
+              </a:rPr>
+              <a:t>Step</a:t>
+            </a:r>
+            <a:r>
+              <a:rPr lang="en-US" b="1" i="0" dirty="0">
+                <a:solidFill>
+                  <a:srgbClr val="000000"/>
+                </a:solidFill>
+                <a:effectLst/>
+                <a:latin typeface="inherit"/>
+              </a:rPr>
+              <a:t> 2</a:t>
+            </a:r>
+            <a:r>
+              <a:rPr lang="en-US" b="0" i="0" dirty="0">
+                <a:solidFill>
+                  <a:srgbClr val="000000"/>
+                </a:solidFill>
+                <a:effectLst/>
+                <a:latin typeface="Verdana" panose="020B0604030504040204" pitchFamily="34" charset="0"/>
+              </a:rPr>
+              <a:t> −&gt; </a:t>
+            </a:r>
+            <a:r>
+              <a:rPr lang="en-US" sz="1600" dirty="0">
+                <a:solidFill>
+                  <a:srgbClr val="273239"/>
+                </a:solidFill>
+                <a:latin typeface="Aptos" panose="020B0004020202020204" pitchFamily="34" charset="0"/>
+                <a:cs typeface="Times New Roman" panose="02020603050405020304" pitchFamily="18" charset="0"/>
+              </a:rPr>
+              <a:t>Get the remainder from Step 1 as the rightmost digit (least significant digit) of new base number.</a:t>
+            </a:r>
+          </a:p>
+          <a:p>
+            <a:pPr algn="just"/>
+            <a:r>
+              <a:rPr lang="en-US" b="1" dirty="0">
+                <a:solidFill>
+                  <a:srgbClr val="273239"/>
+                </a:solidFill>
+                <a:latin typeface="Aptos" panose="020B0004020202020204" pitchFamily="34" charset="0"/>
+                <a:cs typeface="Times New Roman" panose="02020603050405020304" pitchFamily="18" charset="0"/>
+              </a:rPr>
+              <a:t>Step</a:t>
+            </a:r>
+            <a:r>
+              <a:rPr lang="en-US" b="1" i="0" dirty="0">
+                <a:solidFill>
+                  <a:srgbClr val="000000"/>
+                </a:solidFill>
+                <a:effectLst/>
+                <a:latin typeface="inherit"/>
+              </a:rPr>
+              <a:t> 3</a:t>
+            </a:r>
+            <a:r>
+              <a:rPr lang="en-US" b="0" i="0" dirty="0">
+                <a:solidFill>
+                  <a:srgbClr val="000000"/>
+                </a:solidFill>
+                <a:effectLst/>
+                <a:latin typeface="Verdana" panose="020B0604030504040204" pitchFamily="34" charset="0"/>
+              </a:rPr>
+              <a:t> −&gt; </a:t>
+            </a:r>
+            <a:r>
+              <a:rPr lang="en-US" sz="1600" dirty="0">
+                <a:solidFill>
+                  <a:srgbClr val="273239"/>
+                </a:solidFill>
+                <a:latin typeface="Aptos" panose="020B0004020202020204" pitchFamily="34" charset="0"/>
+                <a:cs typeface="Times New Roman" panose="02020603050405020304" pitchFamily="18" charset="0"/>
+              </a:rPr>
+              <a:t>Divide the quotient of the previous divide by the new base.</a:t>
+            </a:r>
+          </a:p>
+          <a:p>
+            <a:pPr algn="just"/>
+            <a:r>
+              <a:rPr lang="en-US" b="1" dirty="0">
+                <a:solidFill>
+                  <a:srgbClr val="273239"/>
+                </a:solidFill>
+                <a:latin typeface="Aptos" panose="020B0004020202020204" pitchFamily="34" charset="0"/>
+                <a:cs typeface="Times New Roman" panose="02020603050405020304" pitchFamily="18" charset="0"/>
+              </a:rPr>
+              <a:t>Step</a:t>
+            </a:r>
+            <a:r>
+              <a:rPr lang="en-US" b="1" i="0" dirty="0">
+                <a:solidFill>
+                  <a:srgbClr val="000000"/>
+                </a:solidFill>
+                <a:effectLst/>
+                <a:latin typeface="inherit"/>
+              </a:rPr>
+              <a:t> 4</a:t>
+            </a:r>
+            <a:r>
+              <a:rPr lang="en-US" b="0" i="0" dirty="0">
+                <a:solidFill>
+                  <a:srgbClr val="000000"/>
+                </a:solidFill>
+                <a:effectLst/>
+                <a:latin typeface="Verdana" panose="020B0604030504040204" pitchFamily="34" charset="0"/>
+              </a:rPr>
+              <a:t> −&gt; </a:t>
+            </a:r>
+            <a:r>
+              <a:rPr lang="en-US" sz="1600" dirty="0">
+                <a:solidFill>
+                  <a:srgbClr val="273239"/>
+                </a:solidFill>
+                <a:latin typeface="Aptos" panose="020B0004020202020204" pitchFamily="34" charset="0"/>
+                <a:cs typeface="Times New Roman" panose="02020603050405020304" pitchFamily="18" charset="0"/>
+              </a:rPr>
+              <a:t>Record the remainder from Step 3 as the next digit (to the left) of the new base number.</a:t>
+            </a:r>
+          </a:p>
+          <a:p>
+            <a:pPr algn="just"/>
+            <a:endParaRPr lang="en-US" sz="1600" dirty="0">
+              <a:solidFill>
+                <a:srgbClr val="273239"/>
+              </a:solidFill>
+              <a:latin typeface="Aptos" panose="020B0004020202020204" pitchFamily="34" charset="0"/>
+              <a:cs typeface="Times New Roman" panose="02020603050405020304" pitchFamily="18" charset="0"/>
+            </a:endParaRPr>
+          </a:p>
+          <a:p>
+            <a:pPr algn="just"/>
+            <a:r>
+              <a:rPr lang="en-US" sz="1600" b="1" dirty="0">
+                <a:solidFill>
+                  <a:srgbClr val="273239"/>
+                </a:solidFill>
+                <a:latin typeface="Aptos" panose="020B0004020202020204" pitchFamily="34" charset="0"/>
+                <a:cs typeface="Times New Roman" panose="02020603050405020304" pitchFamily="18" charset="0"/>
+              </a:rPr>
+              <a:t>Decimal To Binary </a:t>
+            </a:r>
+            <a:r>
+              <a:rPr lang="en-US" sz="1600" dirty="0">
+                <a:solidFill>
+                  <a:srgbClr val="273239"/>
+                </a:solidFill>
+                <a:latin typeface="Aptos" panose="020B0004020202020204" pitchFamily="34" charset="0"/>
+                <a:cs typeface="Times New Roman" panose="02020603050405020304" pitchFamily="18" charset="0"/>
+                <a:sym typeface="Wingdings" panose="05000000000000000000" pitchFamily="2" charset="2"/>
+              </a:rPr>
+              <a:t></a:t>
+            </a:r>
+            <a:r>
+              <a:rPr lang="en-US" sz="1600" dirty="0">
+                <a:solidFill>
+                  <a:srgbClr val="273239"/>
+                </a:solidFill>
+                <a:latin typeface="Aptos" panose="020B0004020202020204" pitchFamily="34" charset="0"/>
+                <a:cs typeface="Times New Roman" panose="02020603050405020304" pitchFamily="18" charset="0"/>
+              </a:rPr>
+              <a:t> </a:t>
+            </a:r>
+            <a:r>
+              <a:rPr lang="en-IN" sz="1600" b="1" i="0" dirty="0">
+                <a:solidFill>
+                  <a:srgbClr val="333333"/>
+                </a:solidFill>
+                <a:effectLst/>
+                <a:highlight>
+                  <a:srgbClr val="FFFFFF"/>
+                </a:highlight>
+                <a:latin typeface="inter-bold"/>
+              </a:rPr>
+              <a:t>(152)</a:t>
+            </a:r>
+            <a:r>
+              <a:rPr lang="en-IN" sz="1600" b="1" i="0" baseline="-25000" dirty="0">
+                <a:solidFill>
+                  <a:srgbClr val="333333"/>
+                </a:solidFill>
+                <a:effectLst/>
+                <a:highlight>
+                  <a:srgbClr val="FFFFFF"/>
+                </a:highlight>
+                <a:latin typeface="inter-bold"/>
+              </a:rPr>
+              <a:t>10</a:t>
+            </a:r>
+            <a:r>
+              <a:rPr lang="en-IN" sz="1600" b="1" i="0" dirty="0">
+                <a:solidFill>
+                  <a:srgbClr val="333333"/>
+                </a:solidFill>
+                <a:effectLst/>
+                <a:highlight>
+                  <a:srgbClr val="FFFFFF"/>
+                </a:highlight>
+                <a:latin typeface="inter-bold"/>
+              </a:rPr>
+              <a:t>=(10011000)</a:t>
+            </a:r>
+            <a:r>
+              <a:rPr lang="en-IN" sz="1600" b="1" i="0" baseline="-25000" dirty="0">
+                <a:solidFill>
+                  <a:srgbClr val="333333"/>
+                </a:solidFill>
+                <a:effectLst/>
+                <a:highlight>
+                  <a:srgbClr val="FFFFFF"/>
+                </a:highlight>
+                <a:latin typeface="inter-bold"/>
+              </a:rPr>
+              <a:t>2     ,  </a:t>
+            </a:r>
+            <a:r>
+              <a:rPr lang="en-IN" sz="1600" b="1" i="0" dirty="0">
+                <a:solidFill>
+                  <a:srgbClr val="333333"/>
+                </a:solidFill>
+                <a:effectLst/>
+                <a:highlight>
+                  <a:srgbClr val="FFFFFF"/>
+                </a:highlight>
+                <a:latin typeface="inter-bold"/>
+              </a:rPr>
+              <a:t>(0.25)</a:t>
+            </a:r>
+            <a:r>
+              <a:rPr lang="en-IN" sz="1600" b="1" i="0" baseline="-25000" dirty="0">
+                <a:solidFill>
+                  <a:srgbClr val="333333"/>
+                </a:solidFill>
+                <a:effectLst/>
+                <a:highlight>
+                  <a:srgbClr val="FFFFFF"/>
+                </a:highlight>
+                <a:latin typeface="inter-bold"/>
+              </a:rPr>
+              <a:t>10</a:t>
+            </a:r>
+            <a:r>
+              <a:rPr lang="en-IN" sz="1600" b="1" i="0" dirty="0">
+                <a:solidFill>
+                  <a:srgbClr val="333333"/>
+                </a:solidFill>
+                <a:effectLst/>
+                <a:highlight>
+                  <a:srgbClr val="FFFFFF"/>
+                </a:highlight>
+                <a:latin typeface="inter-bold"/>
+              </a:rPr>
+              <a:t>=(.01)</a:t>
+            </a:r>
+            <a:r>
+              <a:rPr lang="en-IN" sz="1600" b="1" i="0" baseline="-25000" dirty="0">
+                <a:solidFill>
+                  <a:srgbClr val="333333"/>
+                </a:solidFill>
+                <a:effectLst/>
+                <a:highlight>
+                  <a:srgbClr val="FFFFFF"/>
+                </a:highlight>
+                <a:latin typeface="inter-bold"/>
+              </a:rPr>
+              <a:t>2    </a:t>
+            </a:r>
+            <a:endParaRPr lang="en-US" sz="1600" dirty="0">
+              <a:solidFill>
+                <a:srgbClr val="273239"/>
+              </a:solidFill>
+              <a:latin typeface="Aptos" panose="020B0004020202020204" pitchFamily="34" charset="0"/>
+              <a:cs typeface="Times New Roman" panose="02020603050405020304" pitchFamily="18" charset="0"/>
+            </a:endParaRPr>
+          </a:p>
+          <a:p>
+            <a:pPr algn="just"/>
+            <a:endParaRPr lang="en-US" sz="1600" dirty="0">
+              <a:solidFill>
+                <a:srgbClr val="273239"/>
+              </a:solidFill>
+              <a:latin typeface="Aptos" panose="020B0004020202020204" pitchFamily="34" charset="0"/>
+              <a:cs typeface="Times New Roman" panose="02020603050405020304" pitchFamily="18" charset="0"/>
+            </a:endParaRPr>
+          </a:p>
+          <a:p>
+            <a:pPr algn="just"/>
+            <a:endParaRPr lang="en-US" sz="1600" dirty="0">
+              <a:solidFill>
+                <a:srgbClr val="273239"/>
+              </a:solidFill>
+              <a:latin typeface="Aptos" panose="020B0004020202020204" pitchFamily="34" charset="0"/>
+              <a:cs typeface="Times New Roman" panose="02020603050405020304" pitchFamily="18" charset="0"/>
+            </a:endParaRPr>
+          </a:p>
+          <a:p>
+            <a:pPr algn="just"/>
+            <a:endParaRPr lang="en-US" sz="1600" dirty="0">
+              <a:solidFill>
+                <a:srgbClr val="273239"/>
+              </a:solidFill>
+              <a:latin typeface="Aptos" panose="020B0004020202020204" pitchFamily="34" charset="0"/>
+              <a:cs typeface="Times New Roman" panose="02020603050405020304" pitchFamily="18" charset="0"/>
+            </a:endParaRPr>
+          </a:p>
+          <a:p>
+            <a:pPr algn="just"/>
+            <a:endParaRPr lang="en-US" sz="1600" dirty="0">
+              <a:solidFill>
+                <a:srgbClr val="273239"/>
+              </a:solidFill>
+              <a:latin typeface="Aptos" panose="020B0004020202020204" pitchFamily="34" charset="0"/>
+              <a:cs typeface="Times New Roman" panose="02020603050405020304" pitchFamily="18" charset="0"/>
+            </a:endParaRPr>
+          </a:p>
+          <a:p>
+            <a:pPr algn="just"/>
+            <a:endParaRPr lang="en-US" sz="1600" dirty="0">
+              <a:solidFill>
+                <a:srgbClr val="273239"/>
+              </a:solidFill>
+              <a:latin typeface="Aptos" panose="020B0004020202020204" pitchFamily="34" charset="0"/>
+              <a:cs typeface="Times New Roman" panose="02020603050405020304" pitchFamily="18" charset="0"/>
+            </a:endParaRPr>
+          </a:p>
+          <a:p>
+            <a:pPr algn="just"/>
+            <a:endParaRPr lang="en-US" sz="1600" dirty="0">
+              <a:solidFill>
+                <a:srgbClr val="273239"/>
+              </a:solidFill>
+              <a:latin typeface="Aptos" panose="020B0004020202020204" pitchFamily="34" charset="0"/>
+              <a:cs typeface="Times New Roman" panose="02020603050405020304" pitchFamily="18" charset="0"/>
+            </a:endParaRPr>
+          </a:p>
+          <a:p>
+            <a:pPr algn="just"/>
+            <a:endParaRPr lang="en-US" sz="1600" dirty="0">
+              <a:solidFill>
+                <a:srgbClr val="273239"/>
+              </a:solidFill>
+              <a:latin typeface="Aptos" panose="020B0004020202020204" pitchFamily="34" charset="0"/>
+              <a:cs typeface="Times New Roman" panose="02020603050405020304" pitchFamily="18" charset="0"/>
+            </a:endParaRPr>
+          </a:p>
+          <a:p>
+            <a:pPr algn="just"/>
+            <a:endParaRPr lang="en-US" sz="1600" dirty="0">
+              <a:solidFill>
+                <a:srgbClr val="273239"/>
+              </a:solidFill>
+              <a:latin typeface="Aptos" panose="020B0004020202020204" pitchFamily="34" charset="0"/>
+              <a:cs typeface="Times New Roman" panose="02020603050405020304" pitchFamily="18" charset="0"/>
+            </a:endParaRPr>
+          </a:p>
+          <a:p>
+            <a:pPr algn="just"/>
+            <a:endParaRPr lang="en-US" sz="1600" dirty="0">
+              <a:solidFill>
+                <a:srgbClr val="273239"/>
+              </a:solidFill>
+              <a:latin typeface="Aptos" panose="020B0004020202020204" pitchFamily="34" charset="0"/>
+              <a:cs typeface="Times New Roman" panose="02020603050405020304" pitchFamily="18" charset="0"/>
+            </a:endParaRPr>
+          </a:p>
+          <a:p>
+            <a:pPr algn="just"/>
+            <a:endParaRPr lang="en-US" sz="1600" dirty="0">
+              <a:solidFill>
+                <a:srgbClr val="273239"/>
+              </a:solidFill>
+              <a:latin typeface="Aptos" panose="020B0004020202020204" pitchFamily="34" charset="0"/>
+              <a:cs typeface="Times New Roman" panose="02020603050405020304" pitchFamily="18" charset="0"/>
+            </a:endParaRPr>
+          </a:p>
+          <a:p>
+            <a:pPr algn="just"/>
+            <a:r>
+              <a:rPr lang="en-US" sz="1600" b="1" dirty="0">
+                <a:solidFill>
+                  <a:srgbClr val="273239"/>
+                </a:solidFill>
+                <a:latin typeface="Aptos" panose="020B0004020202020204" pitchFamily="34" charset="0"/>
+                <a:cs typeface="Times New Roman" panose="02020603050405020304" pitchFamily="18" charset="0"/>
+              </a:rPr>
+              <a:t>Binary To Decimal:</a:t>
+            </a:r>
+          </a:p>
+          <a:p>
+            <a:pPr algn="just"/>
+            <a:r>
+              <a:rPr lang="en-US" sz="1600" dirty="0">
+                <a:solidFill>
+                  <a:srgbClr val="273239"/>
+                </a:solidFill>
+                <a:latin typeface="Aptos" panose="020B0004020202020204" pitchFamily="34" charset="0"/>
+                <a:cs typeface="Times New Roman" panose="02020603050405020304" pitchFamily="18" charset="0"/>
+              </a:rPr>
+              <a:t>(1010.01)2 </a:t>
+            </a:r>
+          </a:p>
+          <a:p>
+            <a:pPr algn="just"/>
+            <a:r>
+              <a:rPr lang="en-US" sz="1600" dirty="0">
+                <a:solidFill>
+                  <a:srgbClr val="273239"/>
+                </a:solidFill>
+                <a:latin typeface="Aptos" panose="020B0004020202020204" pitchFamily="34" charset="0"/>
+                <a:cs typeface="Times New Roman" panose="02020603050405020304" pitchFamily="18" charset="0"/>
+              </a:rPr>
+              <a:t>1x23 + 0x22 + 1x21+ 0x20 + 0x2 -1 + 1x2 -2 = 8+0+2+0+0+0.25 = 10.25 </a:t>
+            </a:r>
+          </a:p>
+          <a:p>
+            <a:pPr algn="just"/>
+            <a:r>
+              <a:rPr lang="en-US" sz="1600" dirty="0">
+                <a:solidFill>
+                  <a:srgbClr val="273239"/>
+                </a:solidFill>
+                <a:latin typeface="Aptos" panose="020B0004020202020204" pitchFamily="34" charset="0"/>
+                <a:cs typeface="Times New Roman" panose="02020603050405020304" pitchFamily="18" charset="0"/>
+              </a:rPr>
+              <a:t>(1010.01)2 = (10.25)10 </a:t>
+            </a:r>
+          </a:p>
+        </p:txBody>
+      </p:sp>
+      <p:graphicFrame>
+        <p:nvGraphicFramePr>
+          <p:cNvPr id="2" name="Table 1">
+            <a:extLst>
+              <a:ext uri="{FF2B5EF4-FFF2-40B4-BE49-F238E27FC236}">
+                <a16:creationId xmlns:a16="http://schemas.microsoft.com/office/drawing/2014/main" id="{43856045-261E-D87E-AB4B-CB6C0BD7075C}"/>
+              </a:ext>
+            </a:extLst>
+          </p:cNvPr>
+          <p:cNvGraphicFramePr>
+            <a:graphicFrameLocks noGrp="1"/>
+          </p:cNvGraphicFramePr>
+          <p:nvPr>
+            <p:extLst>
+              <p:ext uri="{D42A27DB-BD31-4B8C-83A1-F6EECF244321}">
+                <p14:modId xmlns:p14="http://schemas.microsoft.com/office/powerpoint/2010/main" val="1368037003"/>
+              </p:ext>
+            </p:extLst>
+          </p:nvPr>
+        </p:nvGraphicFramePr>
+        <p:xfrm>
+          <a:off x="1831250" y="3429000"/>
+          <a:ext cx="3583710" cy="1183470"/>
+        </p:xfrm>
+        <a:graphic>
+          <a:graphicData uri="http://schemas.openxmlformats.org/drawingml/2006/table">
+            <a:tbl>
+              <a:tblPr/>
+              <a:tblGrid>
+                <a:gridCol w="1194570">
+                  <a:extLst>
+                    <a:ext uri="{9D8B030D-6E8A-4147-A177-3AD203B41FA5}">
+                      <a16:colId xmlns:a16="http://schemas.microsoft.com/office/drawing/2014/main" val="3486527309"/>
+                    </a:ext>
+                  </a:extLst>
+                </a:gridCol>
+                <a:gridCol w="1194570">
+                  <a:extLst>
+                    <a:ext uri="{9D8B030D-6E8A-4147-A177-3AD203B41FA5}">
+                      <a16:colId xmlns:a16="http://schemas.microsoft.com/office/drawing/2014/main" val="3068664464"/>
+                    </a:ext>
+                  </a:extLst>
+                </a:gridCol>
+                <a:gridCol w="1194570">
+                  <a:extLst>
+                    <a:ext uri="{9D8B030D-6E8A-4147-A177-3AD203B41FA5}">
+                      <a16:colId xmlns:a16="http://schemas.microsoft.com/office/drawing/2014/main" val="2107905463"/>
+                    </a:ext>
+                  </a:extLst>
+                </a:gridCol>
+              </a:tblGrid>
+              <a:tr h="451950">
+                <a:tc>
+                  <a:txBody>
+                    <a:bodyPr/>
+                    <a:lstStyle/>
+                    <a:p>
+                      <a:pPr algn="l" fontAlgn="t"/>
+                      <a:r>
+                        <a:rPr lang="en-IN" sz="1600" dirty="0">
+                          <a:solidFill>
+                            <a:srgbClr val="000000"/>
+                          </a:solidFill>
+                          <a:effectLst/>
+                          <a:highlight>
+                            <a:srgbClr val="C7CCBE"/>
+                          </a:highlight>
+                          <a:latin typeface="times new roman" panose="02020603050405020304" pitchFamily="18" charset="0"/>
+                        </a:rPr>
+                        <a:t>Operation</a:t>
+                      </a:r>
+                    </a:p>
+                  </a:txBody>
+                  <a:tcPr marT="91440" marB="91440">
+                    <a:lnL w="7620" cap="flat" cmpd="sng" algn="ctr">
+                      <a:solidFill>
+                        <a:srgbClr val="20890D"/>
+                      </a:solidFill>
+                      <a:prstDash val="solid"/>
+                      <a:round/>
+                      <a:headEnd type="none" w="med" len="med"/>
+                      <a:tailEnd type="none" w="med" len="med"/>
+                    </a:lnL>
+                    <a:lnR w="7620" cap="flat" cmpd="sng" algn="ctr">
+                      <a:solidFill>
+                        <a:srgbClr val="20890D"/>
+                      </a:solidFill>
+                      <a:prstDash val="solid"/>
+                      <a:round/>
+                      <a:headEnd type="none" w="med" len="med"/>
+                      <a:tailEnd type="none" w="med" len="med"/>
+                    </a:lnR>
+                    <a:lnT w="7620" cap="flat" cmpd="sng" algn="ctr">
+                      <a:solidFill>
+                        <a:srgbClr val="20890D"/>
+                      </a:solidFill>
+                      <a:prstDash val="solid"/>
+                      <a:round/>
+                      <a:headEnd type="none" w="med" len="med"/>
+                      <a:tailEnd type="none" w="med" len="med"/>
+                    </a:lnT>
+                    <a:lnB w="7620" cap="flat" cmpd="sng" algn="ctr">
+                      <a:solidFill>
+                        <a:srgbClr val="C7CCBE"/>
+                      </a:solidFill>
+                      <a:prstDash val="solid"/>
+                      <a:round/>
+                      <a:headEnd type="none" w="med" len="med"/>
+                      <a:tailEnd type="none" w="med" len="med"/>
+                    </a:lnB>
+                    <a:solidFill>
+                      <a:srgbClr val="C7CCBE"/>
+                    </a:solidFill>
+                  </a:tcPr>
+                </a:tc>
+                <a:tc>
+                  <a:txBody>
+                    <a:bodyPr/>
+                    <a:lstStyle/>
+                    <a:p>
+                      <a:pPr algn="l" fontAlgn="t"/>
+                      <a:r>
+                        <a:rPr lang="en-IN" sz="1600">
+                          <a:solidFill>
+                            <a:srgbClr val="000000"/>
+                          </a:solidFill>
+                          <a:effectLst/>
+                          <a:highlight>
+                            <a:srgbClr val="C7CCBE"/>
+                          </a:highlight>
+                          <a:latin typeface="times new roman" panose="02020603050405020304" pitchFamily="18" charset="0"/>
+                        </a:rPr>
+                        <a:t>Result</a:t>
+                      </a:r>
+                    </a:p>
+                  </a:txBody>
+                  <a:tcPr marT="91440" marB="91440">
+                    <a:lnL w="7620" cap="flat" cmpd="sng" algn="ctr">
+                      <a:solidFill>
+                        <a:srgbClr val="20890D"/>
+                      </a:solidFill>
+                      <a:prstDash val="solid"/>
+                      <a:round/>
+                      <a:headEnd type="none" w="med" len="med"/>
+                      <a:tailEnd type="none" w="med" len="med"/>
+                    </a:lnL>
+                    <a:lnR w="7620" cap="flat" cmpd="sng" algn="ctr">
+                      <a:solidFill>
+                        <a:srgbClr val="20890D"/>
+                      </a:solidFill>
+                      <a:prstDash val="solid"/>
+                      <a:round/>
+                      <a:headEnd type="none" w="med" len="med"/>
+                      <a:tailEnd type="none" w="med" len="med"/>
+                    </a:lnR>
+                    <a:lnT w="7620" cap="flat" cmpd="sng" algn="ctr">
+                      <a:solidFill>
+                        <a:srgbClr val="20890D"/>
+                      </a:solidFill>
+                      <a:prstDash val="solid"/>
+                      <a:round/>
+                      <a:headEnd type="none" w="med" len="med"/>
+                      <a:tailEnd type="none" w="med" len="med"/>
+                    </a:lnT>
+                    <a:lnB w="7620" cap="flat" cmpd="sng" algn="ctr">
+                      <a:solidFill>
+                        <a:srgbClr val="C7CCBE"/>
+                      </a:solidFill>
+                      <a:prstDash val="solid"/>
+                      <a:round/>
+                      <a:headEnd type="none" w="med" len="med"/>
+                      <a:tailEnd type="none" w="med" len="med"/>
+                    </a:lnB>
+                    <a:solidFill>
+                      <a:srgbClr val="C7CCBE"/>
+                    </a:solidFill>
+                  </a:tcPr>
+                </a:tc>
+                <a:tc>
+                  <a:txBody>
+                    <a:bodyPr/>
+                    <a:lstStyle/>
+                    <a:p>
+                      <a:pPr algn="l" fontAlgn="t"/>
+                      <a:r>
+                        <a:rPr lang="en-IN" sz="1600" dirty="0">
+                          <a:solidFill>
+                            <a:srgbClr val="000000"/>
+                          </a:solidFill>
+                          <a:effectLst/>
+                          <a:highlight>
+                            <a:srgbClr val="C7CCBE"/>
+                          </a:highlight>
+                          <a:latin typeface="times new roman" panose="02020603050405020304" pitchFamily="18" charset="0"/>
+                        </a:rPr>
+                        <a:t>carry</a:t>
+                      </a:r>
+                    </a:p>
+                  </a:txBody>
+                  <a:tcPr marT="91440" marB="91440">
+                    <a:lnL w="7620" cap="flat" cmpd="sng" algn="ctr">
+                      <a:solidFill>
+                        <a:srgbClr val="20890D"/>
+                      </a:solidFill>
+                      <a:prstDash val="solid"/>
+                      <a:round/>
+                      <a:headEnd type="none" w="med" len="med"/>
+                      <a:tailEnd type="none" w="med" len="med"/>
+                    </a:lnL>
+                    <a:lnR w="7620" cap="flat" cmpd="sng" algn="ctr">
+                      <a:solidFill>
+                        <a:srgbClr val="20890D"/>
+                      </a:solidFill>
+                      <a:prstDash val="solid"/>
+                      <a:round/>
+                      <a:headEnd type="none" w="med" len="med"/>
+                      <a:tailEnd type="none" w="med" len="med"/>
+                    </a:lnR>
+                    <a:lnT w="7620" cap="flat" cmpd="sng" algn="ctr">
+                      <a:solidFill>
+                        <a:srgbClr val="20890D"/>
+                      </a:solidFill>
+                      <a:prstDash val="solid"/>
+                      <a:round/>
+                      <a:headEnd type="none" w="med" len="med"/>
+                      <a:tailEnd type="none" w="med" len="med"/>
+                    </a:lnT>
+                    <a:lnB w="7620" cap="flat" cmpd="sng" algn="ctr">
+                      <a:solidFill>
+                        <a:srgbClr val="C7CCBE"/>
+                      </a:solidFill>
+                      <a:prstDash val="solid"/>
+                      <a:round/>
+                      <a:headEnd type="none" w="med" len="med"/>
+                      <a:tailEnd type="none" w="med" len="med"/>
+                    </a:lnB>
+                    <a:solidFill>
+                      <a:srgbClr val="C7CCBE"/>
+                    </a:solidFill>
+                  </a:tcPr>
+                </a:tc>
+                <a:extLst>
+                  <a:ext uri="{0D108BD9-81ED-4DB2-BD59-A6C34878D82A}">
+                    <a16:rowId xmlns:a16="http://schemas.microsoft.com/office/drawing/2014/main" val="3729039096"/>
+                  </a:ext>
+                </a:extLst>
+              </a:tr>
+              <a:tr h="326410">
+                <a:tc>
+                  <a:txBody>
+                    <a:bodyPr/>
+                    <a:lstStyle/>
+                    <a:p>
+                      <a:pPr algn="just" fontAlgn="t"/>
+                      <a:r>
+                        <a:rPr lang="en-IN" sz="1600" dirty="0">
+                          <a:solidFill>
+                            <a:srgbClr val="333333"/>
+                          </a:solidFill>
+                          <a:effectLst/>
+                          <a:latin typeface="inter-regular"/>
+                        </a:rPr>
+                        <a:t>0.25×2</a:t>
+                      </a:r>
+                    </a:p>
+                  </a:txBody>
+                  <a:tcPr marL="60960" marR="60960" marT="60960" marB="60960">
+                    <a:lnL w="7620" cap="flat" cmpd="sng" algn="ctr">
+                      <a:solidFill>
+                        <a:srgbClr val="C7CCBE"/>
+                      </a:solidFill>
+                      <a:prstDash val="solid"/>
+                      <a:round/>
+                      <a:headEnd type="none" w="med" len="med"/>
+                      <a:tailEnd type="none" w="med" len="med"/>
+                    </a:lnL>
+                    <a:lnR w="7620" cap="flat" cmpd="sng" algn="ctr">
+                      <a:solidFill>
+                        <a:srgbClr val="C7CCBE"/>
+                      </a:solidFill>
+                      <a:prstDash val="solid"/>
+                      <a:round/>
+                      <a:headEnd type="none" w="med" len="med"/>
+                      <a:tailEnd type="none" w="med" len="med"/>
+                    </a:lnR>
+                    <a:lnT w="7620" cap="flat" cmpd="sng" algn="ctr">
+                      <a:solidFill>
+                        <a:srgbClr val="C7CCBE"/>
+                      </a:solidFill>
+                      <a:prstDash val="solid"/>
+                      <a:round/>
+                      <a:headEnd type="none" w="med" len="med"/>
+                      <a:tailEnd type="none" w="med" len="med"/>
+                    </a:lnT>
+                    <a:lnB w="7620" cap="flat" cmpd="sng" algn="ctr">
+                      <a:solidFill>
+                        <a:srgbClr val="C7CCBE"/>
+                      </a:solidFill>
+                      <a:prstDash val="solid"/>
+                      <a:round/>
+                      <a:headEnd type="none" w="med" len="med"/>
+                      <a:tailEnd type="none" w="med" len="med"/>
+                    </a:lnB>
+                    <a:solidFill>
+                      <a:srgbClr val="FFFFFF"/>
+                    </a:solidFill>
+                  </a:tcPr>
+                </a:tc>
+                <a:tc>
+                  <a:txBody>
+                    <a:bodyPr/>
+                    <a:lstStyle/>
+                    <a:p>
+                      <a:pPr algn="just" fontAlgn="t"/>
+                      <a:r>
+                        <a:rPr lang="en-IN" sz="1600" dirty="0">
+                          <a:solidFill>
+                            <a:srgbClr val="333333"/>
+                          </a:solidFill>
+                          <a:effectLst/>
+                          <a:latin typeface="inter-regular"/>
+                        </a:rPr>
+                        <a:t>0.50</a:t>
+                      </a:r>
+                    </a:p>
+                  </a:txBody>
+                  <a:tcPr marL="60960" marR="60960" marT="60960" marB="60960">
+                    <a:lnL w="7620" cap="flat" cmpd="sng" algn="ctr">
+                      <a:solidFill>
+                        <a:srgbClr val="C7CCBE"/>
+                      </a:solidFill>
+                      <a:prstDash val="solid"/>
+                      <a:round/>
+                      <a:headEnd type="none" w="med" len="med"/>
+                      <a:tailEnd type="none" w="med" len="med"/>
+                    </a:lnL>
+                    <a:lnR w="7620" cap="flat" cmpd="sng" algn="ctr">
+                      <a:solidFill>
+                        <a:srgbClr val="C7CCBE"/>
+                      </a:solidFill>
+                      <a:prstDash val="solid"/>
+                      <a:round/>
+                      <a:headEnd type="none" w="med" len="med"/>
+                      <a:tailEnd type="none" w="med" len="med"/>
+                    </a:lnR>
+                    <a:lnT w="7620" cap="flat" cmpd="sng" algn="ctr">
+                      <a:solidFill>
+                        <a:srgbClr val="C7CCBE"/>
+                      </a:solidFill>
+                      <a:prstDash val="solid"/>
+                      <a:round/>
+                      <a:headEnd type="none" w="med" len="med"/>
+                      <a:tailEnd type="none" w="med" len="med"/>
+                    </a:lnT>
+                    <a:lnB w="7620" cap="flat" cmpd="sng" algn="ctr">
+                      <a:solidFill>
+                        <a:srgbClr val="C7CCBE"/>
+                      </a:solidFill>
+                      <a:prstDash val="solid"/>
+                      <a:round/>
+                      <a:headEnd type="none" w="med" len="med"/>
+                      <a:tailEnd type="none" w="med" len="med"/>
+                    </a:lnB>
+                    <a:solidFill>
+                      <a:srgbClr val="FFFFFF"/>
+                    </a:solidFill>
+                  </a:tcPr>
+                </a:tc>
+                <a:tc>
+                  <a:txBody>
+                    <a:bodyPr/>
+                    <a:lstStyle/>
+                    <a:p>
+                      <a:pPr algn="just" fontAlgn="t"/>
+                      <a:r>
+                        <a:rPr lang="en-IN" sz="1600" dirty="0">
+                          <a:solidFill>
+                            <a:srgbClr val="333333"/>
+                          </a:solidFill>
+                          <a:effectLst/>
+                          <a:latin typeface="inter-regular"/>
+                        </a:rPr>
+                        <a:t>0</a:t>
+                      </a:r>
+                    </a:p>
+                  </a:txBody>
+                  <a:tcPr marL="60960" marR="60960" marT="60960" marB="60960">
+                    <a:lnL w="7620" cap="flat" cmpd="sng" algn="ctr">
+                      <a:solidFill>
+                        <a:srgbClr val="C7CCBE"/>
+                      </a:solidFill>
+                      <a:prstDash val="solid"/>
+                      <a:round/>
+                      <a:headEnd type="none" w="med" len="med"/>
+                      <a:tailEnd type="none" w="med" len="med"/>
+                    </a:lnL>
+                    <a:lnR w="7620" cap="flat" cmpd="sng" algn="ctr">
+                      <a:solidFill>
+                        <a:srgbClr val="C7CCBE"/>
+                      </a:solidFill>
+                      <a:prstDash val="solid"/>
+                      <a:round/>
+                      <a:headEnd type="none" w="med" len="med"/>
+                      <a:tailEnd type="none" w="med" len="med"/>
+                    </a:lnR>
+                    <a:lnT w="7620" cap="flat" cmpd="sng" algn="ctr">
+                      <a:solidFill>
+                        <a:srgbClr val="C7CCBE"/>
+                      </a:solidFill>
+                      <a:prstDash val="solid"/>
+                      <a:round/>
+                      <a:headEnd type="none" w="med" len="med"/>
+                      <a:tailEnd type="none" w="med" len="med"/>
+                    </a:lnT>
+                    <a:lnB w="7620" cap="flat" cmpd="sng" algn="ctr">
+                      <a:solidFill>
+                        <a:srgbClr val="C7CCBE"/>
+                      </a:solidFill>
+                      <a:prstDash val="solid"/>
+                      <a:round/>
+                      <a:headEnd type="none" w="med" len="med"/>
+                      <a:tailEnd type="none" w="med" len="med"/>
+                    </a:lnB>
+                    <a:solidFill>
+                      <a:srgbClr val="FFFFFF"/>
+                    </a:solidFill>
+                  </a:tcPr>
+                </a:tc>
+                <a:extLst>
+                  <a:ext uri="{0D108BD9-81ED-4DB2-BD59-A6C34878D82A}">
+                    <a16:rowId xmlns:a16="http://schemas.microsoft.com/office/drawing/2014/main" val="943221598"/>
+                  </a:ext>
+                </a:extLst>
+              </a:tr>
+              <a:tr h="326410">
+                <a:tc>
+                  <a:txBody>
+                    <a:bodyPr/>
+                    <a:lstStyle/>
+                    <a:p>
+                      <a:pPr algn="just" fontAlgn="t"/>
+                      <a:r>
+                        <a:rPr lang="en-IN" sz="1600" dirty="0">
+                          <a:solidFill>
+                            <a:srgbClr val="333333"/>
+                          </a:solidFill>
+                          <a:effectLst/>
+                          <a:latin typeface="inter-regular"/>
+                        </a:rPr>
+                        <a:t>0.50×2</a:t>
+                      </a:r>
+                    </a:p>
+                  </a:txBody>
+                  <a:tcPr marL="60960" marR="60960" marT="60960" marB="60960">
+                    <a:lnL w="7620" cap="flat" cmpd="sng" algn="ctr">
+                      <a:solidFill>
+                        <a:srgbClr val="C7CCBE"/>
+                      </a:solidFill>
+                      <a:prstDash val="solid"/>
+                      <a:round/>
+                      <a:headEnd type="none" w="med" len="med"/>
+                      <a:tailEnd type="none" w="med" len="med"/>
+                    </a:lnL>
+                    <a:lnR w="7620" cap="flat" cmpd="sng" algn="ctr">
+                      <a:solidFill>
+                        <a:srgbClr val="C7CCBE"/>
+                      </a:solidFill>
+                      <a:prstDash val="solid"/>
+                      <a:round/>
+                      <a:headEnd type="none" w="med" len="med"/>
+                      <a:tailEnd type="none" w="med" len="med"/>
+                    </a:lnR>
+                    <a:lnT w="7620" cap="flat" cmpd="sng" algn="ctr">
+                      <a:solidFill>
+                        <a:srgbClr val="C7CCBE"/>
+                      </a:solidFill>
+                      <a:prstDash val="solid"/>
+                      <a:round/>
+                      <a:headEnd type="none" w="med" len="med"/>
+                      <a:tailEnd type="none" w="med" len="med"/>
+                    </a:lnT>
+                    <a:lnB w="7620" cap="flat" cmpd="sng" algn="ctr">
+                      <a:solidFill>
+                        <a:srgbClr val="C7CCBE"/>
+                      </a:solidFill>
+                      <a:prstDash val="solid"/>
+                      <a:round/>
+                      <a:headEnd type="none" w="med" len="med"/>
+                      <a:tailEnd type="none" w="med" len="med"/>
+                    </a:lnB>
+                    <a:solidFill>
+                      <a:srgbClr val="EFF1EB"/>
+                    </a:solidFill>
+                  </a:tcPr>
+                </a:tc>
+                <a:tc>
+                  <a:txBody>
+                    <a:bodyPr/>
+                    <a:lstStyle/>
+                    <a:p>
+                      <a:pPr algn="just" fontAlgn="t"/>
+                      <a:r>
+                        <a:rPr lang="en-IN" sz="1600" dirty="0">
+                          <a:solidFill>
+                            <a:srgbClr val="333333"/>
+                          </a:solidFill>
+                          <a:effectLst/>
+                          <a:latin typeface="inter-regular"/>
+                        </a:rPr>
+                        <a:t>0</a:t>
+                      </a:r>
+                    </a:p>
+                  </a:txBody>
+                  <a:tcPr marL="60960" marR="60960" marT="60960" marB="60960">
+                    <a:lnL w="7620" cap="flat" cmpd="sng" algn="ctr">
+                      <a:solidFill>
+                        <a:srgbClr val="C7CCBE"/>
+                      </a:solidFill>
+                      <a:prstDash val="solid"/>
+                      <a:round/>
+                      <a:headEnd type="none" w="med" len="med"/>
+                      <a:tailEnd type="none" w="med" len="med"/>
+                    </a:lnL>
+                    <a:lnR w="7620" cap="flat" cmpd="sng" algn="ctr">
+                      <a:solidFill>
+                        <a:srgbClr val="C7CCBE"/>
+                      </a:solidFill>
+                      <a:prstDash val="solid"/>
+                      <a:round/>
+                      <a:headEnd type="none" w="med" len="med"/>
+                      <a:tailEnd type="none" w="med" len="med"/>
+                    </a:lnR>
+                    <a:lnT w="7620" cap="flat" cmpd="sng" algn="ctr">
+                      <a:solidFill>
+                        <a:srgbClr val="C7CCBE"/>
+                      </a:solidFill>
+                      <a:prstDash val="solid"/>
+                      <a:round/>
+                      <a:headEnd type="none" w="med" len="med"/>
+                      <a:tailEnd type="none" w="med" len="med"/>
+                    </a:lnT>
+                    <a:lnB w="7620" cap="flat" cmpd="sng" algn="ctr">
+                      <a:solidFill>
+                        <a:srgbClr val="C7CCBE"/>
+                      </a:solidFill>
+                      <a:prstDash val="solid"/>
+                      <a:round/>
+                      <a:headEnd type="none" w="med" len="med"/>
+                      <a:tailEnd type="none" w="med" len="med"/>
+                    </a:lnB>
+                    <a:solidFill>
+                      <a:srgbClr val="EFF1EB"/>
+                    </a:solidFill>
+                  </a:tcPr>
+                </a:tc>
+                <a:tc>
+                  <a:txBody>
+                    <a:bodyPr/>
+                    <a:lstStyle/>
+                    <a:p>
+                      <a:pPr algn="just" fontAlgn="t"/>
+                      <a:r>
+                        <a:rPr lang="en-IN" sz="1600" dirty="0">
+                          <a:solidFill>
+                            <a:srgbClr val="333333"/>
+                          </a:solidFill>
+                          <a:effectLst/>
+                          <a:latin typeface="inter-regular"/>
+                        </a:rPr>
+                        <a:t>1</a:t>
+                      </a:r>
+                    </a:p>
+                  </a:txBody>
+                  <a:tcPr marL="60960" marR="60960" marT="60960" marB="60960">
+                    <a:lnL w="7620" cap="flat" cmpd="sng" algn="ctr">
+                      <a:solidFill>
+                        <a:srgbClr val="C7CCBE"/>
+                      </a:solidFill>
+                      <a:prstDash val="solid"/>
+                      <a:round/>
+                      <a:headEnd type="none" w="med" len="med"/>
+                      <a:tailEnd type="none" w="med" len="med"/>
+                    </a:lnL>
+                    <a:lnR w="7620" cap="flat" cmpd="sng" algn="ctr">
+                      <a:solidFill>
+                        <a:srgbClr val="C7CCBE"/>
+                      </a:solidFill>
+                      <a:prstDash val="solid"/>
+                      <a:round/>
+                      <a:headEnd type="none" w="med" len="med"/>
+                      <a:tailEnd type="none" w="med" len="med"/>
+                    </a:lnR>
+                    <a:lnT w="7620" cap="flat" cmpd="sng" algn="ctr">
+                      <a:solidFill>
+                        <a:srgbClr val="C7CCBE"/>
+                      </a:solidFill>
+                      <a:prstDash val="solid"/>
+                      <a:round/>
+                      <a:headEnd type="none" w="med" len="med"/>
+                      <a:tailEnd type="none" w="med" len="med"/>
+                    </a:lnT>
+                    <a:lnB w="7620" cap="flat" cmpd="sng" algn="ctr">
+                      <a:solidFill>
+                        <a:srgbClr val="C7CCBE"/>
+                      </a:solidFill>
+                      <a:prstDash val="solid"/>
+                      <a:round/>
+                      <a:headEnd type="none" w="med" len="med"/>
+                      <a:tailEnd type="none" w="med" len="med"/>
+                    </a:lnB>
+                    <a:solidFill>
+                      <a:srgbClr val="EFF1EB"/>
+                    </a:solidFill>
+                  </a:tcPr>
+                </a:tc>
+                <a:extLst>
+                  <a:ext uri="{0D108BD9-81ED-4DB2-BD59-A6C34878D82A}">
+                    <a16:rowId xmlns:a16="http://schemas.microsoft.com/office/drawing/2014/main" val="2111120595"/>
+                  </a:ext>
+                </a:extLst>
+              </a:tr>
+            </a:tbl>
+          </a:graphicData>
+        </a:graphic>
+      </p:graphicFrame>
+      <p:pic>
+        <p:nvPicPr>
+          <p:cNvPr id="7" name="Picture 6" descr="A screenshot of a math problem&#10;&#10;Description automatically generated">
+            <a:extLst>
+              <a:ext uri="{FF2B5EF4-FFF2-40B4-BE49-F238E27FC236}">
+                <a16:creationId xmlns:a16="http://schemas.microsoft.com/office/drawing/2014/main" id="{A0B7ECA8-5002-1B24-E726-59F4A9F397EE}"/>
+              </a:ext>
+            </a:extLst>
+          </p:cNvPr>
+          <p:cNvPicPr>
+            <a:picLocks noChangeAspect="1"/>
+          </p:cNvPicPr>
+          <p:nvPr/>
+        </p:nvPicPr>
+        <p:blipFill>
+          <a:blip r:embed="rId2">
+            <a:extLst>
+              <a:ext uri="{28A0092B-C50C-407E-A947-70E740481C1C}">
+                <a14:useLocalDpi xmlns:a14="http://schemas.microsoft.com/office/drawing/2010/main" val="0"/>
+              </a:ext>
+            </a:extLst>
+          </a:blip>
+          <a:stretch>
+            <a:fillRect/>
+          </a:stretch>
+        </p:blipFill>
+        <p:spPr>
+          <a:xfrm>
+            <a:off x="6426345" y="2694775"/>
+            <a:ext cx="3000831" cy="2911698"/>
+          </a:xfrm>
+          <a:prstGeom prst="rect">
+            <a:avLst/>
+          </a:prstGeom>
+        </p:spPr>
+      </p:pic>
+    </p:spTree>
+    <p:extLst>
+      <p:ext uri="{BB962C8B-B14F-4D97-AF65-F5344CB8AC3E}">
+        <p14:creationId xmlns:p14="http://schemas.microsoft.com/office/powerpoint/2010/main" val="1717928329"/>
+      </p:ext>
+    </p:extLst>
+  </p:cSld>
+  <p:clrMapOvr>
+    <a:masterClrMapping/>
+  </p:clrMapOvr>
+</p:sld>
+</file>
+
+<file path=ppt/slides/slide47.xml><?xml version="1.0" encoding="utf-8"?>
+<p:sld xmlns:a="http://schemas.openxmlformats.org/drawingml/2006/main" xmlns:r="http://schemas.openxmlformats.org/officeDocument/2006/relationships" xmlns:p="http://schemas.openxmlformats.org/presentationml/2006/main">
+  <p:cSld>
+    <p:spTree>
+      <p:nvGrpSpPr>
+        <p:cNvPr id="1" name="">
+          <a:extLst>
+            <a:ext uri="{FF2B5EF4-FFF2-40B4-BE49-F238E27FC236}">
+              <a16:creationId xmlns:a16="http://schemas.microsoft.com/office/drawing/2014/main" id="{A6E69255-612D-D9EA-BACC-6E23E68E4EF8}"/>
+            </a:ext>
+          </a:extLst>
+        </p:cNvPr>
+        <p:cNvGrpSpPr/>
+        <p:nvPr/>
+      </p:nvGrpSpPr>
+      <p:grpSpPr>
+        <a:xfrm>
+          <a:off x="0" y="0"/>
+          <a:ext cx="0" cy="0"/>
+          <a:chOff x="0" y="0"/>
+          <a:chExt cx="0" cy="0"/>
+        </a:xfrm>
+      </p:grpSpPr>
+      <p:sp>
+        <p:nvSpPr>
+          <p:cNvPr id="8" name="TextBox 7">
+            <a:extLst>
+              <a:ext uri="{FF2B5EF4-FFF2-40B4-BE49-F238E27FC236}">
+                <a16:creationId xmlns:a16="http://schemas.microsoft.com/office/drawing/2014/main" id="{5B666090-1475-9EE4-900F-C8BB4561FAE9}"/>
+              </a:ext>
+            </a:extLst>
+          </p:cNvPr>
+          <p:cNvSpPr txBox="1"/>
+          <p:nvPr/>
+        </p:nvSpPr>
+        <p:spPr>
+          <a:xfrm>
+            <a:off x="819865" y="700867"/>
+            <a:ext cx="9931263" cy="1384995"/>
+          </a:xfrm>
+          <a:prstGeom prst="rect">
+            <a:avLst/>
+          </a:prstGeom>
+          <a:noFill/>
+        </p:spPr>
+        <p:txBody>
+          <a:bodyPr wrap="square" rtlCol="0">
+            <a:spAutoFit/>
+          </a:bodyPr>
+          <a:lstStyle/>
+          <a:p>
+            <a:pPr fontAlgn="base"/>
+            <a:r>
+              <a:rPr lang="en-IN" b="1" dirty="0">
+                <a:solidFill>
+                  <a:srgbClr val="273239"/>
+                </a:solidFill>
+                <a:latin typeface="Aptos" panose="020B0004020202020204" pitchFamily="34" charset="0"/>
+                <a:cs typeface="Times New Roman" panose="02020603050405020304" pitchFamily="18" charset="0"/>
+              </a:rPr>
+              <a:t>Important Problem </a:t>
+            </a:r>
+            <a:r>
+              <a:rPr lang="en-US" b="1" dirty="0">
+                <a:solidFill>
+                  <a:srgbClr val="273239"/>
+                </a:solidFill>
+                <a:latin typeface="Aptos" panose="020B0004020202020204" pitchFamily="34" charset="0"/>
+                <a:cs typeface="Times New Roman" panose="02020603050405020304" pitchFamily="18" charset="0"/>
+              </a:rPr>
+              <a:t>:</a:t>
+            </a:r>
+          </a:p>
+          <a:p>
+            <a:pPr fontAlgn="base"/>
+            <a:endParaRPr lang="en-US" b="1" dirty="0">
+              <a:solidFill>
+                <a:srgbClr val="273239"/>
+              </a:solidFill>
+              <a:latin typeface="Aptos" panose="020B0004020202020204" pitchFamily="34" charset="0"/>
+              <a:cs typeface="Times New Roman" panose="02020603050405020304" pitchFamily="18" charset="0"/>
+            </a:endParaRPr>
+          </a:p>
+          <a:p>
+            <a:pPr algn="just"/>
+            <a:r>
+              <a:rPr lang="en-US" sz="1600" dirty="0">
+                <a:solidFill>
+                  <a:srgbClr val="273239"/>
+                </a:solidFill>
+                <a:latin typeface="Aptos" panose="020B0004020202020204" pitchFamily="34" charset="0"/>
+                <a:cs typeface="Times New Roman" panose="02020603050405020304" pitchFamily="18" charset="0"/>
+              </a:rPr>
+              <a:t>Find the  </a:t>
+            </a:r>
+            <a:r>
+              <a:rPr lang="en-US" sz="1600" dirty="0" err="1">
+                <a:solidFill>
+                  <a:srgbClr val="273239"/>
+                </a:solidFill>
+                <a:latin typeface="Aptos" panose="020B0004020202020204" pitchFamily="34" charset="0"/>
+                <a:cs typeface="Times New Roman" panose="02020603050405020304" pitchFamily="18" charset="0"/>
+              </a:rPr>
+              <a:t>i</a:t>
+            </a:r>
+            <a:r>
+              <a:rPr lang="en-US" sz="1600" dirty="0">
+                <a:solidFill>
+                  <a:srgbClr val="273239"/>
+                </a:solidFill>
+                <a:latin typeface="Aptos" panose="020B0004020202020204" pitchFamily="34" charset="0"/>
+                <a:cs typeface="Times New Roman" panose="02020603050405020304" pitchFamily="18" charset="0"/>
+              </a:rPr>
+              <a:t> bit</a:t>
+            </a:r>
+          </a:p>
+          <a:p>
+            <a:pPr algn="just"/>
+            <a:r>
+              <a:rPr lang="en-US" sz="1600" dirty="0">
+                <a:solidFill>
+                  <a:srgbClr val="273239"/>
+                </a:solidFill>
+                <a:latin typeface="Aptos" panose="020B0004020202020204" pitchFamily="34" charset="0"/>
+                <a:cs typeface="Times New Roman" panose="02020603050405020304" pitchFamily="18" charset="0"/>
+              </a:rPr>
+              <a:t>Set the </a:t>
+            </a:r>
+            <a:r>
+              <a:rPr lang="en-US" sz="1600" dirty="0" err="1">
+                <a:solidFill>
+                  <a:srgbClr val="273239"/>
+                </a:solidFill>
+                <a:latin typeface="Aptos" panose="020B0004020202020204" pitchFamily="34" charset="0"/>
+                <a:cs typeface="Times New Roman" panose="02020603050405020304" pitchFamily="18" charset="0"/>
+              </a:rPr>
+              <a:t>i</a:t>
+            </a:r>
+            <a:r>
+              <a:rPr lang="en-US" sz="1600" dirty="0">
+                <a:solidFill>
+                  <a:srgbClr val="273239"/>
+                </a:solidFill>
+                <a:latin typeface="Aptos" panose="020B0004020202020204" pitchFamily="34" charset="0"/>
+                <a:cs typeface="Times New Roman" panose="02020603050405020304" pitchFamily="18" charset="0"/>
+              </a:rPr>
+              <a:t> bit</a:t>
+            </a:r>
+          </a:p>
+          <a:p>
+            <a:pPr algn="just"/>
+            <a:endParaRPr lang="en-US" sz="1600" dirty="0">
+              <a:solidFill>
+                <a:srgbClr val="273239"/>
+              </a:solidFill>
+              <a:latin typeface="Aptos" panose="020B0004020202020204" pitchFamily="34" charset="0"/>
+              <a:cs typeface="Times New Roman" panose="02020603050405020304" pitchFamily="18" charset="0"/>
+            </a:endParaRPr>
+          </a:p>
+        </p:txBody>
+      </p:sp>
+    </p:spTree>
+    <p:extLst>
+      <p:ext uri="{BB962C8B-B14F-4D97-AF65-F5344CB8AC3E}">
+        <p14:creationId xmlns:p14="http://schemas.microsoft.com/office/powerpoint/2010/main" val="3555398880"/>
+      </p:ext>
+    </p:extLst>
+  </p:cSld>
+  <p:clrMapOvr>
+    <a:masterClrMapping/>
+  </p:clrMapOvr>
+</p:sld>
+</file>
+
+<file path=ppt/slides/slide48.xml><?xml version="1.0" encoding="utf-8"?>
+<p:sld xmlns:a="http://schemas.openxmlformats.org/drawingml/2006/main" xmlns:r="http://schemas.openxmlformats.org/officeDocument/2006/relationships" xmlns:p="http://schemas.openxmlformats.org/presentationml/2006/main">
+  <p:cSld>
+    <p:spTree>
+      <p:nvGrpSpPr>
+        <p:cNvPr id="1" name="">
+          <a:extLst>
+            <a:ext uri="{FF2B5EF4-FFF2-40B4-BE49-F238E27FC236}">
+              <a16:creationId xmlns:a16="http://schemas.microsoft.com/office/drawing/2014/main" id="{A6E69255-612D-D9EA-BACC-6E23E68E4EF8}"/>
+            </a:ext>
+          </a:extLst>
+        </p:cNvPr>
+        <p:cNvGrpSpPr/>
+        <p:nvPr/>
+      </p:nvGrpSpPr>
+      <p:grpSpPr>
+        <a:xfrm>
+          <a:off x="0" y="0"/>
+          <a:ext cx="0" cy="0"/>
+          <a:chOff x="0" y="0"/>
+          <a:chExt cx="0" cy="0"/>
+        </a:xfrm>
+      </p:grpSpPr>
+      <p:sp>
+        <p:nvSpPr>
+          <p:cNvPr id="8" name="TextBox 7">
+            <a:extLst>
+              <a:ext uri="{FF2B5EF4-FFF2-40B4-BE49-F238E27FC236}">
+                <a16:creationId xmlns:a16="http://schemas.microsoft.com/office/drawing/2014/main" id="{5B666090-1475-9EE4-900F-C8BB4561FAE9}"/>
+              </a:ext>
+            </a:extLst>
+          </p:cNvPr>
+          <p:cNvSpPr txBox="1"/>
+          <p:nvPr/>
+        </p:nvSpPr>
+        <p:spPr>
+          <a:xfrm>
+            <a:off x="819865" y="534613"/>
+            <a:ext cx="9931263" cy="5724644"/>
+          </a:xfrm>
+          <a:prstGeom prst="rect">
+            <a:avLst/>
+          </a:prstGeom>
+          <a:noFill/>
+        </p:spPr>
+        <p:txBody>
+          <a:bodyPr wrap="square" rtlCol="0">
+            <a:spAutoFit/>
+          </a:bodyPr>
+          <a:lstStyle/>
+          <a:p>
+            <a:pPr fontAlgn="base"/>
+            <a:r>
+              <a:rPr lang="en-IN" b="1" dirty="0">
+                <a:solidFill>
+                  <a:srgbClr val="273239"/>
+                </a:solidFill>
+                <a:latin typeface="Aptos" panose="020B0004020202020204" pitchFamily="34" charset="0"/>
+                <a:cs typeface="Times New Roman" panose="02020603050405020304" pitchFamily="18" charset="0"/>
+              </a:rPr>
+              <a:t>String Data Type </a:t>
+            </a:r>
+            <a:r>
+              <a:rPr lang="en-US" b="1" dirty="0">
+                <a:solidFill>
+                  <a:srgbClr val="273239"/>
+                </a:solidFill>
+                <a:latin typeface="Aptos" panose="020B0004020202020204" pitchFamily="34" charset="0"/>
+                <a:cs typeface="Times New Roman" panose="02020603050405020304" pitchFamily="18" charset="0"/>
+              </a:rPr>
+              <a:t>:</a:t>
+            </a:r>
+          </a:p>
+          <a:p>
+            <a:pPr fontAlgn="base"/>
+            <a:endParaRPr lang="en-US" b="1" dirty="0">
+              <a:solidFill>
+                <a:srgbClr val="273239"/>
+              </a:solidFill>
+              <a:latin typeface="Aptos" panose="020B0004020202020204" pitchFamily="34" charset="0"/>
+              <a:cs typeface="Times New Roman" panose="02020603050405020304" pitchFamily="18" charset="0"/>
+            </a:endParaRPr>
+          </a:p>
+          <a:p>
+            <a:pPr algn="just" fontAlgn="base"/>
+            <a:r>
+              <a:rPr lang="en-US" sz="1600" dirty="0">
+                <a:solidFill>
+                  <a:srgbClr val="273239"/>
+                </a:solidFill>
+                <a:latin typeface="Aptos" panose="020B0004020202020204" pitchFamily="34" charset="0"/>
+                <a:cs typeface="Times New Roman" panose="02020603050405020304" pitchFamily="18" charset="0"/>
+              </a:rPr>
+              <a:t>Strings are the type of objects that can store the character of values and in Java, every character is stored in 16 bits. Using UTF 16-bit encoding. A string acts the same as an array of characters in Java.</a:t>
+            </a:r>
+          </a:p>
+          <a:p>
+            <a:pPr algn="just" rtl="0" fontAlgn="base"/>
+            <a:endParaRPr lang="en-US" sz="1600" b="0" i="0" dirty="0">
+              <a:solidFill>
+                <a:srgbClr val="273239"/>
+              </a:solidFill>
+              <a:effectLst/>
+              <a:latin typeface="Nunito" pitchFamily="2" charset="0"/>
+            </a:endParaRPr>
+          </a:p>
+          <a:p>
+            <a:pPr algn="just" rtl="0" fontAlgn="base"/>
+            <a:r>
+              <a:rPr lang="en-US" b="1" dirty="0">
+                <a:solidFill>
+                  <a:srgbClr val="273239"/>
+                </a:solidFill>
+                <a:latin typeface="Aptos" panose="020B0004020202020204" pitchFamily="34" charset="0"/>
+                <a:cs typeface="Times New Roman" panose="02020603050405020304" pitchFamily="18" charset="0"/>
+              </a:rPr>
+              <a:t>There are two ways to create a string in Java: </a:t>
+            </a:r>
+          </a:p>
+          <a:p>
+            <a:pPr algn="just" rtl="0" fontAlgn="base"/>
+            <a:endParaRPr lang="en-US" b="1" dirty="0">
+              <a:solidFill>
+                <a:srgbClr val="273239"/>
+              </a:solidFill>
+              <a:latin typeface="Aptos" panose="020B0004020202020204" pitchFamily="34" charset="0"/>
+              <a:cs typeface="Times New Roman" panose="02020603050405020304" pitchFamily="18" charset="0"/>
+            </a:endParaRPr>
+          </a:p>
+          <a:p>
+            <a:pPr marL="285750" indent="-285750" algn="l" fontAlgn="base">
+              <a:buFont typeface="Arial" panose="020B0604020202020204" pitchFamily="34" charset="0"/>
+              <a:buChar char="•"/>
+            </a:pPr>
+            <a:r>
+              <a:rPr lang="en-US" sz="1600" b="1" dirty="0">
+                <a:solidFill>
+                  <a:srgbClr val="273239"/>
+                </a:solidFill>
+                <a:latin typeface="Aptos" panose="020B0004020202020204" pitchFamily="34" charset="0"/>
+                <a:cs typeface="Times New Roman" panose="02020603050405020304" pitchFamily="18" charset="0"/>
+              </a:rPr>
+              <a:t>String Literal </a:t>
+            </a:r>
+            <a:r>
+              <a:rPr lang="en-US" sz="1600" b="1" dirty="0">
+                <a:solidFill>
+                  <a:srgbClr val="273239"/>
+                </a:solidFill>
+                <a:latin typeface="Aptos" panose="020B0004020202020204" pitchFamily="34" charset="0"/>
+                <a:cs typeface="Times New Roman" panose="02020603050405020304" pitchFamily="18" charset="0"/>
+                <a:sym typeface="Wingdings" panose="05000000000000000000" pitchFamily="2" charset="2"/>
+              </a:rPr>
+              <a:t> </a:t>
+            </a:r>
+            <a:r>
+              <a:rPr lang="en-US" sz="1600" dirty="0">
+                <a:solidFill>
+                  <a:srgbClr val="273239"/>
+                </a:solidFill>
+                <a:latin typeface="Aptos" panose="020B0004020202020204" pitchFamily="34" charset="0"/>
+                <a:cs typeface="Times New Roman" panose="02020603050405020304" pitchFamily="18" charset="0"/>
+              </a:rPr>
+              <a:t>To make Java more memory efficient (because no new objects are created if it exists already in the string constant pool). </a:t>
+            </a:r>
+          </a:p>
+          <a:p>
+            <a:pPr marL="285750" indent="-285750" algn="l" fontAlgn="base">
+              <a:buFont typeface="Arial" panose="020B0604020202020204" pitchFamily="34" charset="0"/>
+              <a:buChar char="•"/>
+            </a:pPr>
+            <a:r>
+              <a:rPr lang="en-US" sz="1600" b="1" dirty="0">
+                <a:solidFill>
+                  <a:srgbClr val="273239"/>
+                </a:solidFill>
+                <a:latin typeface="Aptos" panose="020B0004020202020204" pitchFamily="34" charset="0"/>
+                <a:cs typeface="Times New Roman" panose="02020603050405020304" pitchFamily="18" charset="0"/>
+              </a:rPr>
+              <a:t>Using new Keyword </a:t>
+            </a:r>
+            <a:r>
+              <a:rPr lang="en-US" sz="1600" b="1" dirty="0">
+                <a:solidFill>
+                  <a:srgbClr val="273239"/>
+                </a:solidFill>
+                <a:latin typeface="Aptos" panose="020B0004020202020204" pitchFamily="34" charset="0"/>
+                <a:cs typeface="Times New Roman" panose="02020603050405020304" pitchFamily="18" charset="0"/>
+                <a:sym typeface="Wingdings" panose="05000000000000000000" pitchFamily="2" charset="2"/>
+              </a:rPr>
+              <a:t> </a:t>
+            </a:r>
+            <a:r>
+              <a:rPr lang="en-US" sz="1600" b="1" dirty="0">
+                <a:solidFill>
+                  <a:srgbClr val="273239"/>
+                </a:solidFill>
+                <a:latin typeface="Aptos" panose="020B0004020202020204" pitchFamily="34" charset="0"/>
+                <a:cs typeface="Times New Roman" panose="02020603050405020304" pitchFamily="18" charset="0"/>
+              </a:rPr>
+              <a:t> </a:t>
+            </a:r>
+            <a:r>
+              <a:rPr lang="en-US" sz="1600" dirty="0">
+                <a:solidFill>
+                  <a:srgbClr val="273239"/>
+                </a:solidFill>
+                <a:latin typeface="Aptos" panose="020B0004020202020204" pitchFamily="34" charset="0"/>
+                <a:cs typeface="Times New Roman" panose="02020603050405020304" pitchFamily="18" charset="0"/>
+              </a:rPr>
+              <a:t>Java creates a new String object in heap memory, even if the string already exists in the string pool. This means two objects could hold the same string, one in the pool and one in the heap.</a:t>
+            </a:r>
+          </a:p>
+          <a:p>
+            <a:pPr marL="285750" indent="-285750" algn="l" fontAlgn="base">
+              <a:buFont typeface="Arial" panose="020B0604020202020204" pitchFamily="34" charset="0"/>
+              <a:buChar char="•"/>
+            </a:pPr>
+            <a:endParaRPr lang="en-US" sz="1600" dirty="0">
+              <a:solidFill>
+                <a:srgbClr val="273239"/>
+              </a:solidFill>
+              <a:latin typeface="Aptos" panose="020B0004020202020204" pitchFamily="34" charset="0"/>
+              <a:cs typeface="Times New Roman" panose="02020603050405020304" pitchFamily="18" charset="0"/>
+            </a:endParaRPr>
+          </a:p>
+          <a:p>
+            <a:pPr algn="l" fontAlgn="base"/>
+            <a:r>
+              <a:rPr lang="en-US" b="1" dirty="0">
+                <a:solidFill>
+                  <a:srgbClr val="273239"/>
+                </a:solidFill>
+                <a:latin typeface="Aptos" panose="020B0004020202020204" pitchFamily="34" charset="0"/>
+                <a:cs typeface="Times New Roman" panose="02020603050405020304" pitchFamily="18" charset="0"/>
+              </a:rPr>
+              <a:t>Key Points:</a:t>
+            </a:r>
+          </a:p>
+          <a:p>
+            <a:pPr marL="342900" indent="-342900" algn="l" fontAlgn="base">
+              <a:buFont typeface="Wingdings" panose="05000000000000000000" pitchFamily="2" charset="2"/>
+              <a:buChar char="ü"/>
+            </a:pPr>
+            <a:r>
+              <a:rPr lang="en-US" sz="1600" dirty="0">
+                <a:solidFill>
+                  <a:srgbClr val="273239"/>
+                </a:solidFill>
+                <a:latin typeface="Aptos" panose="020B0004020202020204" pitchFamily="34" charset="0"/>
+                <a:cs typeface="Times New Roman" panose="02020603050405020304" pitchFamily="18" charset="0"/>
+              </a:rPr>
+              <a:t>== compares object references (memory locations), so s1 == s2 is false.</a:t>
+            </a:r>
+          </a:p>
+          <a:p>
+            <a:pPr marL="342900" indent="-342900" algn="l" fontAlgn="base">
+              <a:buFont typeface="Wingdings" panose="05000000000000000000" pitchFamily="2" charset="2"/>
+              <a:buChar char="ü"/>
+            </a:pPr>
+            <a:r>
+              <a:rPr lang="en-US" sz="1600" dirty="0">
+                <a:solidFill>
+                  <a:srgbClr val="273239"/>
+                </a:solidFill>
+                <a:latin typeface="Aptos" panose="020B0004020202020204" pitchFamily="34" charset="0"/>
+                <a:cs typeface="Times New Roman" panose="02020603050405020304" pitchFamily="18" charset="0"/>
+              </a:rPr>
+              <a:t>.equals() compares the actual content of the strings, so s1.equals(s2) is true.</a:t>
+            </a:r>
+          </a:p>
+          <a:p>
+            <a:pPr marL="342900" indent="-342900" algn="l" fontAlgn="base">
+              <a:buFont typeface="Wingdings" panose="05000000000000000000" pitchFamily="2" charset="2"/>
+              <a:buChar char="ü"/>
+            </a:pPr>
+            <a:endParaRPr lang="en-US" sz="1600" dirty="0">
+              <a:solidFill>
+                <a:srgbClr val="273239"/>
+              </a:solidFill>
+              <a:latin typeface="Aptos" panose="020B0004020202020204" pitchFamily="34" charset="0"/>
+              <a:cs typeface="Times New Roman" panose="02020603050405020304" pitchFamily="18" charset="0"/>
+            </a:endParaRPr>
+          </a:p>
+          <a:p>
+            <a:pPr algn="l" fontAlgn="base"/>
+            <a:r>
+              <a:rPr lang="en-US" b="1" dirty="0">
+                <a:solidFill>
+                  <a:srgbClr val="273239"/>
+                </a:solidFill>
+                <a:latin typeface="Aptos" panose="020B0004020202020204" pitchFamily="34" charset="0"/>
+                <a:cs typeface="Times New Roman" panose="02020603050405020304" pitchFamily="18" charset="0"/>
+              </a:rPr>
+              <a:t>Why string objects are immutable in Java?</a:t>
+            </a:r>
+          </a:p>
+          <a:p>
+            <a:pPr algn="l" fontAlgn="base"/>
+            <a:endParaRPr lang="en-US" b="1" dirty="0">
+              <a:solidFill>
+                <a:srgbClr val="273239"/>
+              </a:solidFill>
+              <a:latin typeface="Aptos" panose="020B0004020202020204" pitchFamily="34" charset="0"/>
+              <a:cs typeface="Times New Roman" panose="02020603050405020304" pitchFamily="18" charset="0"/>
+            </a:endParaRPr>
+          </a:p>
+          <a:p>
+            <a:pPr algn="l" fontAlgn="base"/>
+            <a:r>
+              <a:rPr lang="en-US" sz="1600" dirty="0">
+                <a:solidFill>
+                  <a:srgbClr val="273239"/>
+                </a:solidFill>
+                <a:latin typeface="Aptos" panose="020B0004020202020204" pitchFamily="34" charset="0"/>
+                <a:cs typeface="Times New Roman" panose="02020603050405020304" pitchFamily="18" charset="0"/>
+              </a:rPr>
+              <a:t>Because java uses the concept of string literal. Suppose there are 5 reference variables, all refer to one object “Sachin”. If one reference variable changes the value of the object, it will be affected by all the reference variables. That is why string objects are immutable in Java.</a:t>
+            </a:r>
+          </a:p>
+          <a:p>
+            <a:pPr algn="just" rtl="0" fontAlgn="base"/>
+            <a:endParaRPr lang="en-US" sz="1600" dirty="0">
+              <a:solidFill>
+                <a:srgbClr val="273239"/>
+              </a:solidFill>
+              <a:latin typeface="Aptos" panose="020B0004020202020204" pitchFamily="34" charset="0"/>
+              <a:cs typeface="Times New Roman" panose="02020603050405020304" pitchFamily="18" charset="0"/>
+            </a:endParaRPr>
+          </a:p>
+        </p:txBody>
+      </p:sp>
+    </p:spTree>
+    <p:extLst>
+      <p:ext uri="{BB962C8B-B14F-4D97-AF65-F5344CB8AC3E}">
+        <p14:creationId xmlns:p14="http://schemas.microsoft.com/office/powerpoint/2010/main" val="2289169278"/>
+      </p:ext>
+    </p:extLst>
+  </p:cSld>
+  <p:clrMapOvr>
+    <a:masterClrMapping/>
+  </p:clrMapOvr>
+</p:sld>
+</file>
+
+<file path=ppt/slides/slide49.xml><?xml version="1.0" encoding="utf-8"?>
+<p:sld xmlns:a="http://schemas.openxmlformats.org/drawingml/2006/main" xmlns:r="http://schemas.openxmlformats.org/officeDocument/2006/relationships" xmlns:p="http://schemas.openxmlformats.org/presentationml/2006/main">
+  <p:cSld>
+    <p:bg>
+      <p:bgRef idx="1001">
+        <a:schemeClr val="bg1"/>
+      </p:bgRef>
+    </p:bg>
+    <p:spTree>
+      <p:nvGrpSpPr>
+        <p:cNvPr id="1" name="">
+          <a:extLst>
+            <a:ext uri="{FF2B5EF4-FFF2-40B4-BE49-F238E27FC236}">
+              <a16:creationId xmlns:a16="http://schemas.microsoft.com/office/drawing/2014/main" id="{A6E69255-612D-D9EA-BACC-6E23E68E4EF8}"/>
+            </a:ext>
+          </a:extLst>
+        </p:cNvPr>
+        <p:cNvGrpSpPr/>
+        <p:nvPr/>
+      </p:nvGrpSpPr>
+      <p:grpSpPr>
+        <a:xfrm>
+          <a:off x="0" y="0"/>
+          <a:ext cx="0" cy="0"/>
+          <a:chOff x="0" y="0"/>
+          <a:chExt cx="0" cy="0"/>
+        </a:xfrm>
+      </p:grpSpPr>
+      <p:sp>
+        <p:nvSpPr>
+          <p:cNvPr id="8" name="TextBox 7">
+            <a:extLst>
+              <a:ext uri="{FF2B5EF4-FFF2-40B4-BE49-F238E27FC236}">
+                <a16:creationId xmlns:a16="http://schemas.microsoft.com/office/drawing/2014/main" id="{5B666090-1475-9EE4-900F-C8BB4561FAE9}"/>
+              </a:ext>
+            </a:extLst>
+          </p:cNvPr>
+          <p:cNvSpPr txBox="1"/>
+          <p:nvPr/>
+        </p:nvSpPr>
+        <p:spPr>
+          <a:xfrm>
+            <a:off x="875284" y="562322"/>
+            <a:ext cx="8915262" cy="4062651"/>
+          </a:xfrm>
+          <a:prstGeom prst="rect">
+            <a:avLst/>
+          </a:prstGeom>
+          <a:noFill/>
+        </p:spPr>
+        <p:txBody>
+          <a:bodyPr wrap="square" rtlCol="0">
+            <a:spAutoFit/>
+          </a:bodyPr>
+          <a:lstStyle/>
+          <a:p>
+            <a:pPr fontAlgn="base"/>
+            <a:r>
+              <a:rPr lang="en-IN" b="1" dirty="0">
+                <a:solidFill>
+                  <a:srgbClr val="273239"/>
+                </a:solidFill>
+                <a:latin typeface="Aptos" panose="020B0004020202020204" pitchFamily="34" charset="0"/>
+                <a:cs typeface="Times New Roman" panose="02020603050405020304" pitchFamily="18" charset="0"/>
+              </a:rPr>
+              <a:t>Pattern Problem</a:t>
+            </a:r>
+            <a:r>
+              <a:rPr lang="en-US" b="1" dirty="0">
+                <a:solidFill>
+                  <a:srgbClr val="273239"/>
+                </a:solidFill>
+                <a:latin typeface="Aptos" panose="020B0004020202020204" pitchFamily="34" charset="0"/>
+                <a:cs typeface="Times New Roman" panose="02020603050405020304" pitchFamily="18" charset="0"/>
+              </a:rPr>
+              <a:t>:</a:t>
+            </a:r>
+          </a:p>
+          <a:p>
+            <a:pPr fontAlgn="base"/>
+            <a:endParaRPr lang="en-US" b="1" dirty="0">
+              <a:solidFill>
+                <a:srgbClr val="273239"/>
+              </a:solidFill>
+              <a:latin typeface="Aptos" panose="020B0004020202020204" pitchFamily="34" charset="0"/>
+              <a:cs typeface="Times New Roman" panose="02020603050405020304" pitchFamily="18" charset="0"/>
+            </a:endParaRPr>
+          </a:p>
+          <a:p>
+            <a:pPr fontAlgn="base"/>
+            <a:r>
+              <a:rPr lang="en-US" b="1" dirty="0">
+                <a:solidFill>
+                  <a:srgbClr val="273239"/>
+                </a:solidFill>
+                <a:latin typeface="Aptos" panose="020B0004020202020204" pitchFamily="34" charset="0"/>
+                <a:cs typeface="Times New Roman" panose="02020603050405020304" pitchFamily="18" charset="0"/>
+              </a:rPr>
+              <a:t>*</a:t>
+            </a:r>
+          </a:p>
+          <a:p>
+            <a:pPr fontAlgn="base"/>
+            <a:r>
+              <a:rPr lang="en-US" b="1" dirty="0">
+                <a:solidFill>
+                  <a:srgbClr val="273239"/>
+                </a:solidFill>
+                <a:latin typeface="Aptos" panose="020B0004020202020204" pitchFamily="34" charset="0"/>
+                <a:cs typeface="Times New Roman" panose="02020603050405020304" pitchFamily="18" charset="0"/>
+              </a:rPr>
+              <a:t>**</a:t>
+            </a:r>
+          </a:p>
+          <a:p>
+            <a:pPr fontAlgn="base"/>
+            <a:r>
+              <a:rPr lang="en-US" b="1" dirty="0">
+                <a:solidFill>
+                  <a:srgbClr val="273239"/>
+                </a:solidFill>
+                <a:latin typeface="Aptos" panose="020B0004020202020204" pitchFamily="34" charset="0"/>
+                <a:cs typeface="Times New Roman" panose="02020603050405020304" pitchFamily="18" charset="0"/>
+              </a:rPr>
+              <a:t>***</a:t>
+            </a:r>
+          </a:p>
+          <a:p>
+            <a:pPr fontAlgn="base"/>
+            <a:r>
+              <a:rPr lang="en-US" b="1" dirty="0">
+                <a:solidFill>
+                  <a:srgbClr val="273239"/>
+                </a:solidFill>
+                <a:latin typeface="Aptos" panose="020B0004020202020204" pitchFamily="34" charset="0"/>
+                <a:cs typeface="Times New Roman" panose="02020603050405020304" pitchFamily="18" charset="0"/>
+              </a:rPr>
+              <a:t>****</a:t>
+            </a:r>
+          </a:p>
+          <a:p>
+            <a:pPr fontAlgn="base"/>
+            <a:r>
+              <a:rPr lang="en-US" b="1" dirty="0">
+                <a:solidFill>
+                  <a:srgbClr val="273239"/>
+                </a:solidFill>
+                <a:latin typeface="Aptos" panose="020B0004020202020204" pitchFamily="34" charset="0"/>
+                <a:cs typeface="Times New Roman" panose="02020603050405020304" pitchFamily="18" charset="0"/>
+              </a:rPr>
+              <a:t>*****</a:t>
+            </a:r>
+          </a:p>
+          <a:p>
+            <a:pPr algn="just" fontAlgn="base"/>
+            <a:endParaRPr lang="en-US" sz="1600" b="1" dirty="0">
+              <a:solidFill>
+                <a:srgbClr val="273239"/>
+              </a:solidFill>
+              <a:latin typeface="Aptos" panose="020B0004020202020204" pitchFamily="34" charset="0"/>
+              <a:cs typeface="Times New Roman" panose="02020603050405020304" pitchFamily="18" charset="0"/>
+            </a:endParaRPr>
+          </a:p>
+          <a:p>
+            <a:pPr algn="just" fontAlgn="base"/>
+            <a:r>
+              <a:rPr lang="en-US" b="1" dirty="0">
+                <a:solidFill>
+                  <a:srgbClr val="273239"/>
+                </a:solidFill>
+                <a:latin typeface="Aptos" panose="020B0004020202020204" pitchFamily="34" charset="0"/>
+                <a:cs typeface="Times New Roman" panose="02020603050405020304" pitchFamily="18" charset="0"/>
+              </a:rPr>
+              <a:t>Steps Breakdown:</a:t>
+            </a:r>
+          </a:p>
+          <a:p>
+            <a:pPr algn="just" fontAlgn="base"/>
+            <a:endParaRPr lang="en-US" b="1" dirty="0">
+              <a:solidFill>
+                <a:srgbClr val="273239"/>
+              </a:solidFill>
+              <a:latin typeface="Aptos" panose="020B0004020202020204" pitchFamily="34" charset="0"/>
+              <a:cs typeface="Times New Roman" panose="02020603050405020304" pitchFamily="18" charset="0"/>
+            </a:endParaRPr>
+          </a:p>
+          <a:p>
+            <a:pPr algn="just" fontAlgn="base"/>
+            <a:r>
+              <a:rPr lang="en-US" sz="1600" dirty="0">
+                <a:solidFill>
+                  <a:srgbClr val="273239"/>
+                </a:solidFill>
+                <a:latin typeface="Aptos" panose="020B0004020202020204" pitchFamily="34" charset="0"/>
+                <a:cs typeface="Times New Roman" panose="02020603050405020304" pitchFamily="18" charset="0"/>
+              </a:rPr>
+              <a:t>Step 1: Define the number of rows (n in this case).</a:t>
+            </a:r>
+          </a:p>
+          <a:p>
+            <a:pPr algn="just" fontAlgn="base"/>
+            <a:r>
+              <a:rPr lang="en-US" sz="1600" dirty="0">
+                <a:solidFill>
+                  <a:srgbClr val="273239"/>
+                </a:solidFill>
+                <a:latin typeface="Aptos" panose="020B0004020202020204" pitchFamily="34" charset="0"/>
+                <a:cs typeface="Times New Roman" panose="02020603050405020304" pitchFamily="18" charset="0"/>
+              </a:rPr>
+              <a:t>Step 2: The outer for loop runs from 1 to n, controlling the number of rows.</a:t>
+            </a:r>
+          </a:p>
+          <a:p>
+            <a:pPr algn="just" fontAlgn="base"/>
+            <a:r>
+              <a:rPr lang="en-US" sz="1600" dirty="0">
+                <a:solidFill>
+                  <a:srgbClr val="273239"/>
+                </a:solidFill>
+                <a:latin typeface="Aptos" panose="020B0004020202020204" pitchFamily="34" charset="0"/>
+                <a:cs typeface="Times New Roman" panose="02020603050405020304" pitchFamily="18" charset="0"/>
+              </a:rPr>
+              <a:t>Step 3: The inner for loop runs from 1 to </a:t>
+            </a:r>
+            <a:r>
+              <a:rPr lang="en-US" sz="1600" dirty="0" err="1">
+                <a:solidFill>
+                  <a:srgbClr val="273239"/>
+                </a:solidFill>
+                <a:latin typeface="Aptos" panose="020B0004020202020204" pitchFamily="34" charset="0"/>
+                <a:cs typeface="Times New Roman" panose="02020603050405020304" pitchFamily="18" charset="0"/>
+              </a:rPr>
+              <a:t>i</a:t>
+            </a:r>
+            <a:r>
+              <a:rPr lang="en-US" sz="1600" dirty="0">
+                <a:solidFill>
+                  <a:srgbClr val="273239"/>
+                </a:solidFill>
+                <a:latin typeface="Aptos" panose="020B0004020202020204" pitchFamily="34" charset="0"/>
+                <a:cs typeface="Times New Roman" panose="02020603050405020304" pitchFamily="18" charset="0"/>
+              </a:rPr>
+              <a:t>(the current row number), printing * for that row.</a:t>
+            </a:r>
+          </a:p>
+          <a:p>
+            <a:pPr algn="just" fontAlgn="base"/>
+            <a:r>
+              <a:rPr lang="en-US" sz="1600" dirty="0">
+                <a:solidFill>
+                  <a:srgbClr val="273239"/>
+                </a:solidFill>
+                <a:latin typeface="Aptos" panose="020B0004020202020204" pitchFamily="34" charset="0"/>
+                <a:cs typeface="Times New Roman" panose="02020603050405020304" pitchFamily="18" charset="0"/>
+              </a:rPr>
+              <a:t>Step 4: After the inner loop finishes, a </a:t>
+            </a:r>
+            <a:r>
+              <a:rPr lang="en-US" sz="1600" dirty="0" err="1">
+                <a:solidFill>
+                  <a:srgbClr val="273239"/>
+                </a:solidFill>
+                <a:latin typeface="Aptos" panose="020B0004020202020204" pitchFamily="34" charset="0"/>
+                <a:cs typeface="Times New Roman" panose="02020603050405020304" pitchFamily="18" charset="0"/>
+              </a:rPr>
+              <a:t>System.out.println</a:t>
+            </a:r>
+            <a:r>
+              <a:rPr lang="en-US" sz="1600" dirty="0">
+                <a:solidFill>
+                  <a:srgbClr val="273239"/>
+                </a:solidFill>
+                <a:latin typeface="Aptos" panose="020B0004020202020204" pitchFamily="34" charset="0"/>
+                <a:cs typeface="Times New Roman" panose="02020603050405020304" pitchFamily="18" charset="0"/>
+              </a:rPr>
+              <a:t>() moves the cursor to the next line.</a:t>
+            </a:r>
+          </a:p>
+          <a:p>
+            <a:pPr algn="just" rtl="0" fontAlgn="base"/>
+            <a:endParaRPr lang="en-US" sz="1600" dirty="0">
+              <a:solidFill>
+                <a:srgbClr val="273239"/>
+              </a:solidFill>
+              <a:latin typeface="Aptos" panose="020B0004020202020204" pitchFamily="34" charset="0"/>
+              <a:cs typeface="Times New Roman" panose="02020603050405020304" pitchFamily="18" charset="0"/>
+            </a:endParaRPr>
+          </a:p>
+        </p:txBody>
+      </p:sp>
+    </p:spTree>
+    <p:extLst>
+      <p:ext uri="{BB962C8B-B14F-4D97-AF65-F5344CB8AC3E}">
+        <p14:creationId xmlns:p14="http://schemas.microsoft.com/office/powerpoint/2010/main" val="1054625591"/>
+      </p:ext>
+    </p:extLst>
+  </p:cSld>
+  <p:clrMapOvr>
+    <a:overrideClrMapping bg1="lt1" tx1="dk1" bg2="lt2" tx2="dk2" accent1="accent1" accent2="accent2" accent3="accent3" accent4="accent4" accent5="accent5" accent6="accent6" hlink="hlink" folHlink="folHlink"/>
+  </p:clrMapOvr>
+</p:sld>
+</file>
+
 <file path=ppt/slides/slide5.xml><?xml version="1.0" encoding="utf-8"?>
 <p:sld xmlns:a="http://schemas.openxmlformats.org/drawingml/2006/main" xmlns:r="http://schemas.openxmlformats.org/officeDocument/2006/relationships" xmlns:p="http://schemas.openxmlformats.org/presentationml/2006/main">
   <p:cSld>
@@ -17460,6 +20411,896 @@
     <p:extLst>
       <p:ext uri="{BB962C8B-B14F-4D97-AF65-F5344CB8AC3E}">
         <p14:creationId xmlns:p14="http://schemas.microsoft.com/office/powerpoint/2010/main" val="851901273"/>
+      </p:ext>
+    </p:extLst>
+  </p:cSld>
+  <p:clrMapOvr>
+    <a:masterClrMapping/>
+  </p:clrMapOvr>
+</p:sld>
+</file>
+
+<file path=ppt/slides/slide50.xml><?xml version="1.0" encoding="utf-8"?>
+<p:sld xmlns:a="http://schemas.openxmlformats.org/drawingml/2006/main" xmlns:r="http://schemas.openxmlformats.org/officeDocument/2006/relationships" xmlns:p="http://schemas.openxmlformats.org/presentationml/2006/main">
+  <p:cSld>
+    <p:spTree>
+      <p:nvGrpSpPr>
+        <p:cNvPr id="1" name="">
+          <a:extLst>
+            <a:ext uri="{FF2B5EF4-FFF2-40B4-BE49-F238E27FC236}">
+              <a16:creationId xmlns:a16="http://schemas.microsoft.com/office/drawing/2014/main" id="{E2B04870-3F55-E69C-F682-3736AE967A6B}"/>
+            </a:ext>
+          </a:extLst>
+        </p:cNvPr>
+        <p:cNvGrpSpPr/>
+        <p:nvPr/>
+      </p:nvGrpSpPr>
+      <p:grpSpPr>
+        <a:xfrm>
+          <a:off x="0" y="0"/>
+          <a:ext cx="0" cy="0"/>
+          <a:chOff x="0" y="0"/>
+          <a:chExt cx="0" cy="0"/>
+        </a:xfrm>
+      </p:grpSpPr>
+      <p:sp>
+        <p:nvSpPr>
+          <p:cNvPr id="8" name="TextBox 7">
+            <a:extLst>
+              <a:ext uri="{FF2B5EF4-FFF2-40B4-BE49-F238E27FC236}">
+                <a16:creationId xmlns:a16="http://schemas.microsoft.com/office/drawing/2014/main" id="{979197BA-EAAA-674D-E9E7-099363F945DF}"/>
+              </a:ext>
+            </a:extLst>
+          </p:cNvPr>
+          <p:cNvSpPr txBox="1"/>
+          <p:nvPr/>
+        </p:nvSpPr>
+        <p:spPr>
+          <a:xfrm>
+            <a:off x="875284" y="562322"/>
+            <a:ext cx="8915262" cy="2154436"/>
+          </a:xfrm>
+          <a:prstGeom prst="rect">
+            <a:avLst/>
+          </a:prstGeom>
+          <a:noFill/>
+        </p:spPr>
+        <p:txBody>
+          <a:bodyPr wrap="square" rtlCol="0">
+            <a:spAutoFit/>
+          </a:bodyPr>
+          <a:lstStyle/>
+          <a:p>
+            <a:pPr fontAlgn="base"/>
+            <a:r>
+              <a:rPr lang="en-IN" b="1" dirty="0">
+                <a:solidFill>
+                  <a:srgbClr val="273239"/>
+                </a:solidFill>
+                <a:latin typeface="Aptos" panose="020B0004020202020204" pitchFamily="34" charset="0"/>
+                <a:cs typeface="Times New Roman" panose="02020603050405020304" pitchFamily="18" charset="0"/>
+              </a:rPr>
+              <a:t>Recursion :</a:t>
+            </a:r>
+          </a:p>
+          <a:p>
+            <a:pPr fontAlgn="base"/>
+            <a:r>
+              <a:rPr lang="en-US" sz="1600" dirty="0">
+                <a:solidFill>
+                  <a:srgbClr val="273239"/>
+                </a:solidFill>
+                <a:latin typeface="Aptos" panose="020B0004020202020204" pitchFamily="34" charset="0"/>
+                <a:cs typeface="Times New Roman" panose="02020603050405020304" pitchFamily="18" charset="0"/>
+              </a:rPr>
+              <a:t>In Java, Recursion is a process in which a function calls itself directly or indirectly is called recursion and the corresponding function is called a recursive function.</a:t>
+            </a:r>
+          </a:p>
+          <a:p>
+            <a:pPr algn="just" fontAlgn="base"/>
+            <a:endParaRPr lang="en-US" b="1" dirty="0">
+              <a:solidFill>
+                <a:srgbClr val="273239"/>
+              </a:solidFill>
+              <a:latin typeface="Aptos" panose="020B0004020202020204" pitchFamily="34" charset="0"/>
+              <a:cs typeface="Times New Roman" panose="02020603050405020304" pitchFamily="18" charset="0"/>
+            </a:endParaRPr>
+          </a:p>
+          <a:p>
+            <a:pPr algn="l" fontAlgn="base"/>
+            <a:r>
+              <a:rPr lang="en-US" b="1" dirty="0">
+                <a:solidFill>
+                  <a:srgbClr val="273239"/>
+                </a:solidFill>
+                <a:latin typeface="Aptos" panose="020B0004020202020204" pitchFamily="34" charset="0"/>
+                <a:cs typeface="Times New Roman" panose="02020603050405020304" pitchFamily="18" charset="0"/>
+              </a:rPr>
+              <a:t>Working of Recursion:</a:t>
+            </a:r>
+          </a:p>
+          <a:p>
+            <a:pPr algn="l" fontAlgn="base"/>
+            <a:r>
+              <a:rPr lang="en-US" sz="1600" dirty="0">
+                <a:solidFill>
+                  <a:srgbClr val="273239"/>
+                </a:solidFill>
+                <a:latin typeface="Aptos" panose="020B0004020202020204" pitchFamily="34" charset="0"/>
+                <a:cs typeface="Times New Roman" panose="02020603050405020304" pitchFamily="18" charset="0"/>
+              </a:rPr>
+              <a:t>The idea is to represent a problem in terms of one or more smaller sub-problems and add base conditions that stop the recursion. For example, we compute factorial n if we know the factorial of (n-1). The base case for factorial would be n = 0. We return 1 when n = 0.</a:t>
+            </a:r>
+          </a:p>
+        </p:txBody>
+      </p:sp>
+      <p:pic>
+        <p:nvPicPr>
+          <p:cNvPr id="3" name="Picture 2" descr="A close-up of a diagram&#10;&#10;Description automatically generated">
+            <a:extLst>
+              <a:ext uri="{FF2B5EF4-FFF2-40B4-BE49-F238E27FC236}">
+                <a16:creationId xmlns:a16="http://schemas.microsoft.com/office/drawing/2014/main" id="{0EA16B58-2F4F-B39D-196F-986F7EF16C95}"/>
+              </a:ext>
+            </a:extLst>
+          </p:cNvPr>
+          <p:cNvPicPr>
+            <a:picLocks noChangeAspect="1"/>
+          </p:cNvPicPr>
+          <p:nvPr/>
+        </p:nvPicPr>
+        <p:blipFill>
+          <a:blip r:embed="rId2">
+            <a:extLst>
+              <a:ext uri="{28A0092B-C50C-407E-A947-70E740481C1C}">
+                <a14:useLocalDpi xmlns:a14="http://schemas.microsoft.com/office/drawing/2010/main" val="0"/>
+              </a:ext>
+            </a:extLst>
+          </a:blip>
+          <a:stretch>
+            <a:fillRect/>
+          </a:stretch>
+        </p:blipFill>
+        <p:spPr>
+          <a:xfrm>
+            <a:off x="986121" y="3428999"/>
+            <a:ext cx="4933859" cy="2768599"/>
+          </a:xfrm>
+          <a:prstGeom prst="rect">
+            <a:avLst/>
+          </a:prstGeom>
+        </p:spPr>
+      </p:pic>
+      <p:pic>
+        <p:nvPicPr>
+          <p:cNvPr id="5" name="Picture 4" descr="A diagram of a flowchart&#10;&#10;Description automatically generated">
+            <a:extLst>
+              <a:ext uri="{FF2B5EF4-FFF2-40B4-BE49-F238E27FC236}">
+                <a16:creationId xmlns:a16="http://schemas.microsoft.com/office/drawing/2014/main" id="{95468AF0-F06C-881D-25DD-615351EAED4E}"/>
+              </a:ext>
+            </a:extLst>
+          </p:cNvPr>
+          <p:cNvPicPr>
+            <a:picLocks noChangeAspect="1"/>
+          </p:cNvPicPr>
+          <p:nvPr/>
+        </p:nvPicPr>
+        <p:blipFill>
+          <a:blip r:embed="rId3">
+            <a:extLst>
+              <a:ext uri="{28A0092B-C50C-407E-A947-70E740481C1C}">
+                <a14:useLocalDpi xmlns:a14="http://schemas.microsoft.com/office/drawing/2010/main" val="0"/>
+              </a:ext>
+            </a:extLst>
+          </a:blip>
+          <a:stretch>
+            <a:fillRect/>
+          </a:stretch>
+        </p:blipFill>
+        <p:spPr>
+          <a:xfrm>
+            <a:off x="6272022" y="3429000"/>
+            <a:ext cx="4933860" cy="2768600"/>
+          </a:xfrm>
+          <a:prstGeom prst="rect">
+            <a:avLst/>
+          </a:prstGeom>
+        </p:spPr>
+      </p:pic>
+    </p:spTree>
+    <p:extLst>
+      <p:ext uri="{BB962C8B-B14F-4D97-AF65-F5344CB8AC3E}">
+        <p14:creationId xmlns:p14="http://schemas.microsoft.com/office/powerpoint/2010/main" val="1078434733"/>
+      </p:ext>
+    </p:extLst>
+  </p:cSld>
+  <p:clrMapOvr>
+    <a:masterClrMapping/>
+  </p:clrMapOvr>
+</p:sld>
+</file>
+
+<file path=ppt/slides/slide51.xml><?xml version="1.0" encoding="utf-8"?>
+<p:sld xmlns:a="http://schemas.openxmlformats.org/drawingml/2006/main" xmlns:r="http://schemas.openxmlformats.org/officeDocument/2006/relationships" xmlns:p="http://schemas.openxmlformats.org/presentationml/2006/main">
+  <p:cSld>
+    <p:spTree>
+      <p:nvGrpSpPr>
+        <p:cNvPr id="1" name="">
+          <a:extLst>
+            <a:ext uri="{FF2B5EF4-FFF2-40B4-BE49-F238E27FC236}">
+              <a16:creationId xmlns:a16="http://schemas.microsoft.com/office/drawing/2014/main" id="{32CCDD0D-FB34-17DE-ADB3-9E0CB7427684}"/>
+            </a:ext>
+          </a:extLst>
+        </p:cNvPr>
+        <p:cNvGrpSpPr/>
+        <p:nvPr/>
+      </p:nvGrpSpPr>
+      <p:grpSpPr>
+        <a:xfrm>
+          <a:off x="0" y="0"/>
+          <a:ext cx="0" cy="0"/>
+          <a:chOff x="0" y="0"/>
+          <a:chExt cx="0" cy="0"/>
+        </a:xfrm>
+      </p:grpSpPr>
+      <p:sp>
+        <p:nvSpPr>
+          <p:cNvPr id="8" name="TextBox 7">
+            <a:extLst>
+              <a:ext uri="{FF2B5EF4-FFF2-40B4-BE49-F238E27FC236}">
+                <a16:creationId xmlns:a16="http://schemas.microsoft.com/office/drawing/2014/main" id="{F80B08BA-25FF-3A48-AD87-7119DA70F7BF}"/>
+              </a:ext>
+            </a:extLst>
+          </p:cNvPr>
+          <p:cNvSpPr txBox="1"/>
+          <p:nvPr/>
+        </p:nvSpPr>
+        <p:spPr>
+          <a:xfrm>
+            <a:off x="875284" y="562322"/>
+            <a:ext cx="8915262" cy="2154436"/>
+          </a:xfrm>
+          <a:prstGeom prst="rect">
+            <a:avLst/>
+          </a:prstGeom>
+          <a:noFill/>
+        </p:spPr>
+        <p:txBody>
+          <a:bodyPr wrap="square" rtlCol="0">
+            <a:spAutoFit/>
+          </a:bodyPr>
+          <a:lstStyle/>
+          <a:p>
+            <a:pPr fontAlgn="base"/>
+            <a:r>
+              <a:rPr lang="en-IN" b="1" dirty="0">
+                <a:solidFill>
+                  <a:srgbClr val="273239"/>
+                </a:solidFill>
+                <a:latin typeface="Aptos" panose="020B0004020202020204" pitchFamily="34" charset="0"/>
+                <a:cs typeface="Times New Roman" panose="02020603050405020304" pitchFamily="18" charset="0"/>
+              </a:rPr>
+              <a:t>Recursion :</a:t>
+            </a:r>
+          </a:p>
+          <a:p>
+            <a:pPr fontAlgn="base"/>
+            <a:r>
+              <a:rPr lang="en-US" sz="1600" dirty="0">
+                <a:solidFill>
+                  <a:srgbClr val="273239"/>
+                </a:solidFill>
+                <a:latin typeface="Aptos" panose="020B0004020202020204" pitchFamily="34" charset="0"/>
+                <a:cs typeface="Times New Roman" panose="02020603050405020304" pitchFamily="18" charset="0"/>
+              </a:rPr>
+              <a:t>In Java, Recursion is a process in which a function calls itself directly or indirectly is called recursion and the corresponding function is called a recursive function.</a:t>
+            </a:r>
+          </a:p>
+          <a:p>
+            <a:pPr algn="just" fontAlgn="base"/>
+            <a:endParaRPr lang="en-US" b="1" dirty="0">
+              <a:solidFill>
+                <a:srgbClr val="273239"/>
+              </a:solidFill>
+              <a:latin typeface="Aptos" panose="020B0004020202020204" pitchFamily="34" charset="0"/>
+              <a:cs typeface="Times New Roman" panose="02020603050405020304" pitchFamily="18" charset="0"/>
+            </a:endParaRPr>
+          </a:p>
+          <a:p>
+            <a:pPr algn="l" fontAlgn="base"/>
+            <a:r>
+              <a:rPr lang="en-US" b="1" dirty="0">
+                <a:solidFill>
+                  <a:srgbClr val="273239"/>
+                </a:solidFill>
+                <a:latin typeface="Aptos" panose="020B0004020202020204" pitchFamily="34" charset="0"/>
+                <a:cs typeface="Times New Roman" panose="02020603050405020304" pitchFamily="18" charset="0"/>
+              </a:rPr>
+              <a:t>Working of Recursion:</a:t>
+            </a:r>
+          </a:p>
+          <a:p>
+            <a:pPr algn="l" fontAlgn="base"/>
+            <a:r>
+              <a:rPr lang="en-US" sz="1600" dirty="0">
+                <a:solidFill>
+                  <a:srgbClr val="273239"/>
+                </a:solidFill>
+                <a:latin typeface="Aptos" panose="020B0004020202020204" pitchFamily="34" charset="0"/>
+                <a:cs typeface="Times New Roman" panose="02020603050405020304" pitchFamily="18" charset="0"/>
+              </a:rPr>
+              <a:t>The idea is to represent a problem in terms of one or more smaller sub-problems and add base conditions that stop the recursion. For example, we compute factorial n if we know the factorial of (n-1). The base case for factorial would be n = 0. We return 1 when n = 0.</a:t>
+            </a:r>
+          </a:p>
+        </p:txBody>
+      </p:sp>
+    </p:spTree>
+    <p:extLst>
+      <p:ext uri="{BB962C8B-B14F-4D97-AF65-F5344CB8AC3E}">
+        <p14:creationId xmlns:p14="http://schemas.microsoft.com/office/powerpoint/2010/main" val="2839628247"/>
+      </p:ext>
+    </p:extLst>
+  </p:cSld>
+  <p:clrMapOvr>
+    <a:masterClrMapping/>
+  </p:clrMapOvr>
+</p:sld>
+</file>
+
+<file path=ppt/slides/slide52.xml><?xml version="1.0" encoding="utf-8"?>
+<p:sld xmlns:a="http://schemas.openxmlformats.org/drawingml/2006/main" xmlns:r="http://schemas.openxmlformats.org/officeDocument/2006/relationships" xmlns:p="http://schemas.openxmlformats.org/presentationml/2006/main">
+  <p:cSld>
+    <p:spTree>
+      <p:nvGrpSpPr>
+        <p:cNvPr id="1" name="">
+          <a:extLst>
+            <a:ext uri="{FF2B5EF4-FFF2-40B4-BE49-F238E27FC236}">
+              <a16:creationId xmlns:a16="http://schemas.microsoft.com/office/drawing/2014/main" id="{6402E0EE-F4E9-C489-5B69-5E63B6A18501}"/>
+            </a:ext>
+          </a:extLst>
+        </p:cNvPr>
+        <p:cNvGrpSpPr/>
+        <p:nvPr/>
+      </p:nvGrpSpPr>
+      <p:grpSpPr>
+        <a:xfrm>
+          <a:off x="0" y="0"/>
+          <a:ext cx="0" cy="0"/>
+          <a:chOff x="0" y="0"/>
+          <a:chExt cx="0" cy="0"/>
+        </a:xfrm>
+      </p:grpSpPr>
+      <p:sp>
+        <p:nvSpPr>
+          <p:cNvPr id="8" name="TextBox 7">
+            <a:extLst>
+              <a:ext uri="{FF2B5EF4-FFF2-40B4-BE49-F238E27FC236}">
+                <a16:creationId xmlns:a16="http://schemas.microsoft.com/office/drawing/2014/main" id="{10F2E7FB-A657-87E8-F808-406A0E058470}"/>
+              </a:ext>
+            </a:extLst>
+          </p:cNvPr>
+          <p:cNvSpPr txBox="1"/>
+          <p:nvPr/>
+        </p:nvSpPr>
+        <p:spPr>
+          <a:xfrm>
+            <a:off x="875284" y="562322"/>
+            <a:ext cx="8915262" cy="1846659"/>
+          </a:xfrm>
+          <a:prstGeom prst="rect">
+            <a:avLst/>
+          </a:prstGeom>
+          <a:noFill/>
+        </p:spPr>
+        <p:txBody>
+          <a:bodyPr wrap="square" rtlCol="0">
+            <a:spAutoFit/>
+          </a:bodyPr>
+          <a:lstStyle/>
+          <a:p>
+            <a:pPr fontAlgn="base"/>
+            <a:r>
+              <a:rPr lang="en-IN" b="1" dirty="0">
+                <a:solidFill>
+                  <a:srgbClr val="273239"/>
+                </a:solidFill>
+                <a:latin typeface="Aptos" panose="020B0004020202020204" pitchFamily="34" charset="0"/>
+                <a:cs typeface="Times New Roman" panose="02020603050405020304" pitchFamily="18" charset="0"/>
+              </a:rPr>
+              <a:t>Tree Data Structure</a:t>
+            </a:r>
+            <a:r>
+              <a:rPr lang="en-US" b="1" dirty="0">
+                <a:solidFill>
+                  <a:srgbClr val="273239"/>
+                </a:solidFill>
+                <a:latin typeface="Aptos" panose="020B0004020202020204" pitchFamily="34" charset="0"/>
+                <a:cs typeface="Times New Roman" panose="02020603050405020304" pitchFamily="18" charset="0"/>
+              </a:rPr>
+              <a:t>:</a:t>
+            </a:r>
+          </a:p>
+          <a:p>
+            <a:pPr algn="just" rtl="0" fontAlgn="base"/>
+            <a:r>
+              <a:rPr lang="en-US" sz="1600" dirty="0">
+                <a:solidFill>
+                  <a:srgbClr val="273239"/>
+                </a:solidFill>
+                <a:latin typeface="Aptos" panose="020B0004020202020204" pitchFamily="34" charset="0"/>
+                <a:cs typeface="Times New Roman" panose="02020603050405020304" pitchFamily="18" charset="0"/>
+              </a:rPr>
+              <a:t>A tree data structure is a hierarchical structure that is used to represent and organize data in a way that is easy to navigate and search. It is a collection of nodes that are connected by edges and has a hierarchical relationship between the nodes. </a:t>
+            </a:r>
+          </a:p>
+          <a:p>
+            <a:pPr algn="just" rtl="0" fontAlgn="base"/>
+            <a:r>
+              <a:rPr lang="en-US" sz="1600" dirty="0">
+                <a:solidFill>
+                  <a:srgbClr val="273239"/>
+                </a:solidFill>
+                <a:latin typeface="Aptos" panose="020B0004020202020204" pitchFamily="34" charset="0"/>
+                <a:cs typeface="Times New Roman" panose="02020603050405020304" pitchFamily="18" charset="0"/>
+              </a:rPr>
+              <a:t>The topmost node of the tree is called the </a:t>
+            </a:r>
+            <a:r>
+              <a:rPr lang="en-US" sz="1600" b="1" dirty="0">
+                <a:solidFill>
+                  <a:srgbClr val="273239"/>
+                </a:solidFill>
+                <a:latin typeface="Aptos" panose="020B0004020202020204" pitchFamily="34" charset="0"/>
+                <a:cs typeface="Times New Roman" panose="02020603050405020304" pitchFamily="18" charset="0"/>
+              </a:rPr>
+              <a:t>root</a:t>
+            </a:r>
+            <a:r>
+              <a:rPr lang="en-US" sz="1600" dirty="0">
+                <a:solidFill>
+                  <a:srgbClr val="273239"/>
+                </a:solidFill>
+                <a:latin typeface="Aptos" panose="020B0004020202020204" pitchFamily="34" charset="0"/>
+                <a:cs typeface="Times New Roman" panose="02020603050405020304" pitchFamily="18" charset="0"/>
+              </a:rPr>
+              <a:t>, and the nodes below it are called the </a:t>
+            </a:r>
+            <a:r>
+              <a:rPr lang="en-US" sz="1600" b="1" dirty="0">
+                <a:solidFill>
+                  <a:srgbClr val="273239"/>
+                </a:solidFill>
+                <a:latin typeface="Aptos" panose="020B0004020202020204" pitchFamily="34" charset="0"/>
+                <a:cs typeface="Times New Roman" panose="02020603050405020304" pitchFamily="18" charset="0"/>
+              </a:rPr>
+              <a:t>child nodes</a:t>
+            </a:r>
+            <a:r>
+              <a:rPr lang="en-US" sz="1600" dirty="0">
+                <a:solidFill>
+                  <a:srgbClr val="273239"/>
+                </a:solidFill>
+                <a:latin typeface="Aptos" panose="020B0004020202020204" pitchFamily="34" charset="0"/>
+                <a:cs typeface="Times New Roman" panose="02020603050405020304" pitchFamily="18" charset="0"/>
+              </a:rPr>
+              <a:t>. Each node can have multiple child nodes, and these child nodes can also have their own child nodes, forming a recursive structure.</a:t>
+            </a:r>
+          </a:p>
+        </p:txBody>
+      </p:sp>
+      <p:pic>
+        <p:nvPicPr>
+          <p:cNvPr id="3" name="Picture 2" descr="A diagram of a tree&#10;&#10;Description automatically generated">
+            <a:extLst>
+              <a:ext uri="{FF2B5EF4-FFF2-40B4-BE49-F238E27FC236}">
+                <a16:creationId xmlns:a16="http://schemas.microsoft.com/office/drawing/2014/main" id="{7242FD00-4B39-BC22-0711-67C87BC2E776}"/>
+              </a:ext>
+            </a:extLst>
+          </p:cNvPr>
+          <p:cNvPicPr>
+            <a:picLocks noChangeAspect="1"/>
+          </p:cNvPicPr>
+          <p:nvPr/>
+        </p:nvPicPr>
+        <p:blipFill>
+          <a:blip r:embed="rId2">
+            <a:extLst>
+              <a:ext uri="{28A0092B-C50C-407E-A947-70E740481C1C}">
+                <a14:useLocalDpi xmlns:a14="http://schemas.microsoft.com/office/drawing/2010/main" val="0"/>
+              </a:ext>
+            </a:extLst>
+          </a:blip>
+          <a:stretch>
+            <a:fillRect/>
+          </a:stretch>
+        </p:blipFill>
+        <p:spPr>
+          <a:xfrm>
+            <a:off x="1213300" y="2584472"/>
+            <a:ext cx="6656081" cy="3539237"/>
+          </a:xfrm>
+          <a:prstGeom prst="rect">
+            <a:avLst/>
+          </a:prstGeom>
+        </p:spPr>
+      </p:pic>
+    </p:spTree>
+    <p:extLst>
+      <p:ext uri="{BB962C8B-B14F-4D97-AF65-F5344CB8AC3E}">
+        <p14:creationId xmlns:p14="http://schemas.microsoft.com/office/powerpoint/2010/main" val="2537830907"/>
+      </p:ext>
+    </p:extLst>
+  </p:cSld>
+  <p:clrMapOvr>
+    <a:masterClrMapping/>
+  </p:clrMapOvr>
+</p:sld>
+</file>
+
+<file path=ppt/slides/slide53.xml><?xml version="1.0" encoding="utf-8"?>
+<p:sld xmlns:a="http://schemas.openxmlformats.org/drawingml/2006/main" xmlns:r="http://schemas.openxmlformats.org/officeDocument/2006/relationships" xmlns:p="http://schemas.openxmlformats.org/presentationml/2006/main">
+  <p:cSld>
+    <p:spTree>
+      <p:nvGrpSpPr>
+        <p:cNvPr id="1" name="">
+          <a:extLst>
+            <a:ext uri="{FF2B5EF4-FFF2-40B4-BE49-F238E27FC236}">
+              <a16:creationId xmlns:a16="http://schemas.microsoft.com/office/drawing/2014/main" id="{A8DB1CA1-2450-7197-A1DA-0BD5A976062E}"/>
+            </a:ext>
+          </a:extLst>
+        </p:cNvPr>
+        <p:cNvGrpSpPr/>
+        <p:nvPr/>
+      </p:nvGrpSpPr>
+      <p:grpSpPr>
+        <a:xfrm>
+          <a:off x="0" y="0"/>
+          <a:ext cx="0" cy="0"/>
+          <a:chOff x="0" y="0"/>
+          <a:chExt cx="0" cy="0"/>
+        </a:xfrm>
+      </p:grpSpPr>
+      <p:sp>
+        <p:nvSpPr>
+          <p:cNvPr id="8" name="TextBox 7">
+            <a:extLst>
+              <a:ext uri="{FF2B5EF4-FFF2-40B4-BE49-F238E27FC236}">
+                <a16:creationId xmlns:a16="http://schemas.microsoft.com/office/drawing/2014/main" id="{95CD37AD-A053-72A2-CC38-801D59DC82C8}"/>
+              </a:ext>
+            </a:extLst>
+          </p:cNvPr>
+          <p:cNvSpPr txBox="1"/>
+          <p:nvPr/>
+        </p:nvSpPr>
+        <p:spPr>
+          <a:xfrm>
+            <a:off x="875284" y="562322"/>
+            <a:ext cx="10402316" cy="4832092"/>
+          </a:xfrm>
+          <a:prstGeom prst="rect">
+            <a:avLst/>
+          </a:prstGeom>
+          <a:noFill/>
+        </p:spPr>
+        <p:txBody>
+          <a:bodyPr wrap="square" rtlCol="0">
+            <a:spAutoFit/>
+          </a:bodyPr>
+          <a:lstStyle/>
+          <a:p>
+            <a:pPr fontAlgn="base"/>
+            <a:r>
+              <a:rPr lang="en-US" b="1" dirty="0">
+                <a:solidFill>
+                  <a:srgbClr val="273239"/>
+                </a:solidFill>
+                <a:latin typeface="Aptos" panose="020B0004020202020204" pitchFamily="34" charset="0"/>
+                <a:cs typeface="Times New Roman" panose="02020603050405020304" pitchFamily="18" charset="0"/>
+              </a:rPr>
+              <a:t>Terminologies In Tree Data Structure: </a:t>
+            </a:r>
+          </a:p>
+          <a:p>
+            <a:pPr fontAlgn="base"/>
+            <a:endParaRPr lang="en-US" b="1" dirty="0">
+              <a:solidFill>
+                <a:srgbClr val="273239"/>
+              </a:solidFill>
+              <a:latin typeface="Aptos" panose="020B0004020202020204" pitchFamily="34" charset="0"/>
+              <a:cs typeface="Times New Roman" panose="02020603050405020304" pitchFamily="18" charset="0"/>
+            </a:endParaRPr>
+          </a:p>
+          <a:p>
+            <a:pPr marL="342900" indent="-342900" algn="l" fontAlgn="base">
+              <a:buFont typeface="+mj-lt"/>
+              <a:buAutoNum type="arabicPeriod"/>
+            </a:pPr>
+            <a:r>
+              <a:rPr lang="en-US" sz="1600" b="1" dirty="0">
+                <a:solidFill>
+                  <a:srgbClr val="273239"/>
+                </a:solidFill>
+                <a:latin typeface="Aptos" panose="020B0004020202020204" pitchFamily="34" charset="0"/>
+                <a:cs typeface="Times New Roman" panose="02020603050405020304" pitchFamily="18" charset="0"/>
+              </a:rPr>
+              <a:t>Parent Node:</a:t>
+            </a:r>
+            <a:r>
+              <a:rPr lang="en-US" sz="1600" dirty="0">
+                <a:solidFill>
+                  <a:srgbClr val="273239"/>
+                </a:solidFill>
+                <a:latin typeface="Aptos" panose="020B0004020202020204" pitchFamily="34" charset="0"/>
+                <a:cs typeface="Times New Roman" panose="02020603050405020304" pitchFamily="18" charset="0"/>
+              </a:rPr>
+              <a:t> The node which is a predecessor of a node is called the parent node of that node. {B} is the parent node of {D, E}.</a:t>
+            </a:r>
+          </a:p>
+          <a:p>
+            <a:pPr marL="342900" indent="-342900" algn="l" fontAlgn="base">
+              <a:buFont typeface="+mj-lt"/>
+              <a:buAutoNum type="arabicPeriod"/>
+            </a:pPr>
+            <a:r>
+              <a:rPr lang="en-US" sz="1600" b="1" dirty="0">
+                <a:solidFill>
+                  <a:srgbClr val="273239"/>
+                </a:solidFill>
+                <a:latin typeface="Aptos" panose="020B0004020202020204" pitchFamily="34" charset="0"/>
+                <a:cs typeface="Times New Roman" panose="02020603050405020304" pitchFamily="18" charset="0"/>
+              </a:rPr>
+              <a:t>Child Node:</a:t>
+            </a:r>
+            <a:r>
+              <a:rPr lang="en-US" sz="1600" dirty="0">
+                <a:solidFill>
+                  <a:srgbClr val="273239"/>
+                </a:solidFill>
+                <a:latin typeface="Aptos" panose="020B0004020202020204" pitchFamily="34" charset="0"/>
+                <a:cs typeface="Times New Roman" panose="02020603050405020304" pitchFamily="18" charset="0"/>
+              </a:rPr>
+              <a:t> The node which is the immediate successor of a node is called the child node of that node. Examples: {D, E} are the child nodes of {B}.</a:t>
+            </a:r>
+          </a:p>
+          <a:p>
+            <a:pPr marL="342900" indent="-342900" algn="l" fontAlgn="base">
+              <a:buFont typeface="+mj-lt"/>
+              <a:buAutoNum type="arabicPeriod"/>
+            </a:pPr>
+            <a:r>
+              <a:rPr lang="en-US" sz="1600" b="1" dirty="0">
+                <a:solidFill>
+                  <a:srgbClr val="273239"/>
+                </a:solidFill>
+                <a:latin typeface="Aptos" panose="020B0004020202020204" pitchFamily="34" charset="0"/>
+                <a:cs typeface="Times New Roman" panose="02020603050405020304" pitchFamily="18" charset="0"/>
+              </a:rPr>
+              <a:t>Root Node:</a:t>
+            </a:r>
+            <a:r>
+              <a:rPr lang="en-US" sz="1600" dirty="0">
+                <a:solidFill>
+                  <a:srgbClr val="273239"/>
+                </a:solidFill>
+                <a:latin typeface="Aptos" panose="020B0004020202020204" pitchFamily="34" charset="0"/>
+                <a:cs typeface="Times New Roman" panose="02020603050405020304" pitchFamily="18" charset="0"/>
+              </a:rPr>
+              <a:t> The topmost node of a tree or the node which does not have any parent node is called the root node. {A} is the root node of the tree. A non-empty tree must contain exactly one root node and exactly one path from the root to all other nodes of the tree.</a:t>
+            </a:r>
+          </a:p>
+          <a:p>
+            <a:pPr marL="342900" indent="-342900" algn="l" fontAlgn="base">
+              <a:buFont typeface="+mj-lt"/>
+              <a:buAutoNum type="arabicPeriod"/>
+            </a:pPr>
+            <a:r>
+              <a:rPr lang="en-US" sz="1600" b="1" dirty="0">
+                <a:solidFill>
+                  <a:srgbClr val="273239"/>
+                </a:solidFill>
+                <a:latin typeface="Aptos" panose="020B0004020202020204" pitchFamily="34" charset="0"/>
+                <a:cs typeface="Times New Roman" panose="02020603050405020304" pitchFamily="18" charset="0"/>
+              </a:rPr>
+              <a:t>Leaf Node or External Node:</a:t>
+            </a:r>
+            <a:r>
+              <a:rPr lang="en-US" sz="1600" dirty="0">
+                <a:solidFill>
+                  <a:srgbClr val="273239"/>
+                </a:solidFill>
+                <a:latin typeface="Aptos" panose="020B0004020202020204" pitchFamily="34" charset="0"/>
+                <a:cs typeface="Times New Roman" panose="02020603050405020304" pitchFamily="18" charset="0"/>
+              </a:rPr>
+              <a:t> The nodes which do not have any child nodes are called leaf nodes. {I, J, K, F, G, H} are the leaf nodes of the tree.</a:t>
+            </a:r>
+          </a:p>
+          <a:p>
+            <a:pPr marL="342900" indent="-342900" algn="l" fontAlgn="base">
+              <a:buFont typeface="+mj-lt"/>
+              <a:buAutoNum type="arabicPeriod"/>
+            </a:pPr>
+            <a:r>
+              <a:rPr lang="en-US" sz="1600" b="1" dirty="0">
+                <a:solidFill>
+                  <a:srgbClr val="273239"/>
+                </a:solidFill>
+                <a:latin typeface="Aptos" panose="020B0004020202020204" pitchFamily="34" charset="0"/>
+                <a:cs typeface="Times New Roman" panose="02020603050405020304" pitchFamily="18" charset="0"/>
+              </a:rPr>
+              <a:t>Ancestor of a Node:</a:t>
+            </a:r>
+            <a:r>
+              <a:rPr lang="en-US" sz="1600" dirty="0">
+                <a:solidFill>
+                  <a:srgbClr val="273239"/>
+                </a:solidFill>
+                <a:latin typeface="Aptos" panose="020B0004020202020204" pitchFamily="34" charset="0"/>
+                <a:cs typeface="Times New Roman" panose="02020603050405020304" pitchFamily="18" charset="0"/>
+              </a:rPr>
+              <a:t> Any predecessor nodes on the path of the root to that node are called Ancestors of that node. {A,B} are the ancestor nodes of the node {E}</a:t>
+            </a:r>
+          </a:p>
+          <a:p>
+            <a:pPr marL="342900" indent="-342900" algn="l" fontAlgn="base">
+              <a:buFont typeface="+mj-lt"/>
+              <a:buAutoNum type="arabicPeriod"/>
+            </a:pPr>
+            <a:r>
+              <a:rPr lang="en-US" sz="1600" b="1" dirty="0">
+                <a:solidFill>
+                  <a:srgbClr val="273239"/>
+                </a:solidFill>
+                <a:latin typeface="Aptos" panose="020B0004020202020204" pitchFamily="34" charset="0"/>
+                <a:cs typeface="Times New Roman" panose="02020603050405020304" pitchFamily="18" charset="0"/>
+              </a:rPr>
+              <a:t>Descendant:</a:t>
+            </a:r>
+            <a:r>
+              <a:rPr lang="en-US" sz="1600" dirty="0">
+                <a:solidFill>
+                  <a:srgbClr val="273239"/>
+                </a:solidFill>
+                <a:latin typeface="Aptos" panose="020B0004020202020204" pitchFamily="34" charset="0"/>
+                <a:cs typeface="Times New Roman" panose="02020603050405020304" pitchFamily="18" charset="0"/>
+              </a:rPr>
+              <a:t> A node x is a descendant of another node y if and only if y is an ancestor of x.</a:t>
+            </a:r>
+          </a:p>
+          <a:p>
+            <a:pPr marL="342900" indent="-342900" algn="l" fontAlgn="base">
+              <a:buFont typeface="+mj-lt"/>
+              <a:buAutoNum type="arabicPeriod"/>
+            </a:pPr>
+            <a:r>
+              <a:rPr lang="en-US" sz="1600" b="1" dirty="0">
+                <a:solidFill>
+                  <a:srgbClr val="273239"/>
+                </a:solidFill>
+                <a:latin typeface="Aptos" panose="020B0004020202020204" pitchFamily="34" charset="0"/>
+                <a:cs typeface="Times New Roman" panose="02020603050405020304" pitchFamily="18" charset="0"/>
+              </a:rPr>
+              <a:t>Sibling:</a:t>
+            </a:r>
+            <a:r>
+              <a:rPr lang="en-US" sz="1600" dirty="0">
+                <a:solidFill>
+                  <a:srgbClr val="273239"/>
+                </a:solidFill>
+                <a:latin typeface="Aptos" panose="020B0004020202020204" pitchFamily="34" charset="0"/>
+                <a:cs typeface="Times New Roman" panose="02020603050405020304" pitchFamily="18" charset="0"/>
+              </a:rPr>
+              <a:t> Children of the same parent node are called siblings. {D,E} are called siblings.</a:t>
+            </a:r>
+          </a:p>
+          <a:p>
+            <a:pPr marL="342900" indent="-342900" algn="l" fontAlgn="base">
+              <a:buFont typeface="+mj-lt"/>
+              <a:buAutoNum type="arabicPeriod"/>
+            </a:pPr>
+            <a:r>
+              <a:rPr lang="en-US" sz="1600" b="1" dirty="0">
+                <a:solidFill>
+                  <a:srgbClr val="273239"/>
+                </a:solidFill>
+                <a:latin typeface="Aptos" panose="020B0004020202020204" pitchFamily="34" charset="0"/>
+                <a:cs typeface="Times New Roman" panose="02020603050405020304" pitchFamily="18" charset="0"/>
+              </a:rPr>
+              <a:t>Level of a node:</a:t>
+            </a:r>
+            <a:r>
+              <a:rPr lang="en-US" sz="1600" dirty="0">
+                <a:solidFill>
+                  <a:srgbClr val="273239"/>
+                </a:solidFill>
+                <a:latin typeface="Aptos" panose="020B0004020202020204" pitchFamily="34" charset="0"/>
+                <a:cs typeface="Times New Roman" panose="02020603050405020304" pitchFamily="18" charset="0"/>
+              </a:rPr>
+              <a:t> The count of edges on the path from the root node to that node. The root node has level 0.</a:t>
+            </a:r>
+          </a:p>
+          <a:p>
+            <a:pPr marL="342900" indent="-342900" algn="l" fontAlgn="base">
+              <a:buFont typeface="+mj-lt"/>
+              <a:buAutoNum type="arabicPeriod"/>
+            </a:pPr>
+            <a:r>
+              <a:rPr lang="en-US" sz="1600" b="1" dirty="0">
+                <a:solidFill>
+                  <a:srgbClr val="273239"/>
+                </a:solidFill>
+                <a:latin typeface="Aptos" panose="020B0004020202020204" pitchFamily="34" charset="0"/>
+                <a:cs typeface="Times New Roman" panose="02020603050405020304" pitchFamily="18" charset="0"/>
+              </a:rPr>
+              <a:t>Internal node:</a:t>
+            </a:r>
+            <a:r>
+              <a:rPr lang="en-US" sz="1600" dirty="0">
+                <a:solidFill>
+                  <a:srgbClr val="273239"/>
+                </a:solidFill>
+                <a:latin typeface="Aptos" panose="020B0004020202020204" pitchFamily="34" charset="0"/>
+                <a:cs typeface="Times New Roman" panose="02020603050405020304" pitchFamily="18" charset="0"/>
+              </a:rPr>
+              <a:t> A node with at least one child is called Internal Node.</a:t>
+            </a:r>
+          </a:p>
+          <a:p>
+            <a:pPr marL="342900" indent="-342900" algn="l" fontAlgn="base">
+              <a:buFont typeface="+mj-lt"/>
+              <a:buAutoNum type="arabicPeriod"/>
+            </a:pPr>
+            <a:r>
+              <a:rPr lang="en-US" sz="1600" b="1" dirty="0">
+                <a:solidFill>
+                  <a:srgbClr val="273239"/>
+                </a:solidFill>
+                <a:latin typeface="Aptos" panose="020B0004020202020204" pitchFamily="34" charset="0"/>
+                <a:cs typeface="Times New Roman" panose="02020603050405020304" pitchFamily="18" charset="0"/>
+              </a:rPr>
+              <a:t>Neighbor of a Node:</a:t>
+            </a:r>
+            <a:r>
+              <a:rPr lang="en-US" sz="1600" dirty="0">
+                <a:solidFill>
+                  <a:srgbClr val="273239"/>
+                </a:solidFill>
+                <a:latin typeface="Aptos" panose="020B0004020202020204" pitchFamily="34" charset="0"/>
+                <a:cs typeface="Times New Roman" panose="02020603050405020304" pitchFamily="18" charset="0"/>
+              </a:rPr>
+              <a:t> Parent or child nodes of that node are called neighbors of that node.</a:t>
+            </a:r>
+          </a:p>
+          <a:p>
+            <a:pPr marL="342900" indent="-342900" algn="l" fontAlgn="base">
+              <a:buFont typeface="+mj-lt"/>
+              <a:buAutoNum type="arabicPeriod"/>
+            </a:pPr>
+            <a:r>
+              <a:rPr lang="en-US" sz="1600" b="1" dirty="0">
+                <a:solidFill>
+                  <a:srgbClr val="273239"/>
+                </a:solidFill>
+                <a:latin typeface="Aptos" panose="020B0004020202020204" pitchFamily="34" charset="0"/>
+                <a:cs typeface="Times New Roman" panose="02020603050405020304" pitchFamily="18" charset="0"/>
+              </a:rPr>
+              <a:t>Subtree:</a:t>
+            </a:r>
+            <a:r>
+              <a:rPr lang="en-US" sz="1600" dirty="0">
+                <a:solidFill>
+                  <a:srgbClr val="273239"/>
+                </a:solidFill>
+                <a:latin typeface="Aptos" panose="020B0004020202020204" pitchFamily="34" charset="0"/>
+                <a:cs typeface="Times New Roman" panose="02020603050405020304" pitchFamily="18" charset="0"/>
+              </a:rPr>
+              <a:t> Any node of the tree along with its descendant.</a:t>
+            </a:r>
+          </a:p>
+        </p:txBody>
+      </p:sp>
+    </p:spTree>
+    <p:extLst>
+      <p:ext uri="{BB962C8B-B14F-4D97-AF65-F5344CB8AC3E}">
+        <p14:creationId xmlns:p14="http://schemas.microsoft.com/office/powerpoint/2010/main" val="515775965"/>
       </p:ext>
     </p:extLst>
   </p:cSld>
@@ -19059,4 +22900,47 @@
     </a:folHlink>
   </a:clrScheme>
 </a:themeOverride>
+</file>
+
+<file path=ppt/theme/themeOverride2.xml><?xml version="1.0" encoding="utf-8"?>
+<a:themeOverride xmlns:a="http://schemas.openxmlformats.org/drawingml/2006/main">
+  <a:clrScheme name="Facet">
+    <a:dk1>
+      <a:sysClr val="windowText" lastClr="000000"/>
+    </a:dk1>
+    <a:lt1>
+      <a:sysClr val="window" lastClr="FFFFFF"/>
+    </a:lt1>
+    <a:dk2>
+      <a:srgbClr val="2C3C43"/>
+    </a:dk2>
+    <a:lt2>
+      <a:srgbClr val="EBEBEB"/>
+    </a:lt2>
+    <a:accent1>
+      <a:srgbClr val="5FCBEF"/>
+    </a:accent1>
+    <a:accent2>
+      <a:srgbClr val="2E83C3"/>
+    </a:accent2>
+    <a:accent3>
+      <a:srgbClr val="42D0A2"/>
+    </a:accent3>
+    <a:accent4>
+      <a:srgbClr val="2E946B"/>
+    </a:accent4>
+    <a:accent5>
+      <a:srgbClr val="42B051"/>
+    </a:accent5>
+    <a:accent6>
+      <a:srgbClr val="96D141"/>
+    </a:accent6>
+    <a:hlink>
+      <a:srgbClr val="3FCDE7"/>
+    </a:hlink>
+    <a:folHlink>
+      <a:srgbClr val="A9D3E1"/>
+    </a:folHlink>
+  </a:clrScheme>
+</a:themeOverride>
 </file>
--- a/Notes/Data Structure and Algorithms.pptx
+++ b/Notes/Data Structure and Algorithms.pptx
@@ -909,7 +909,7 @@
           <a:p>
             <a:fld id="{1261ADCB-1535-4723-B15B-FDB85D6C2655}" type="datetimeFigureOut">
               <a:rPr lang="en-IN" smtClean="0"/>
-              <a:t>26-10-2024</a:t>
+              <a:t>27-10-2024</a:t>
             </a:fld>
             <a:endParaRPr lang="en-IN"/>
           </a:p>
@@ -1160,7 +1160,7 @@
           <a:p>
             <a:fld id="{1261ADCB-1535-4723-B15B-FDB85D6C2655}" type="datetimeFigureOut">
               <a:rPr lang="en-IN" smtClean="0"/>
-              <a:t>26-10-2024</a:t>
+              <a:t>27-10-2024</a:t>
             </a:fld>
             <a:endParaRPr lang="en-IN"/>
           </a:p>
@@ -1474,7 +1474,7 @@
           <a:p>
             <a:fld id="{1261ADCB-1535-4723-B15B-FDB85D6C2655}" type="datetimeFigureOut">
               <a:rPr lang="en-IN" smtClean="0"/>
-              <a:t>26-10-2024</a:t>
+              <a:t>27-10-2024</a:t>
             </a:fld>
             <a:endParaRPr lang="en-IN"/>
           </a:p>
@@ -1807,7 +1807,7 @@
           <a:p>
             <a:fld id="{1261ADCB-1535-4723-B15B-FDB85D6C2655}" type="datetimeFigureOut">
               <a:rPr lang="en-IN" smtClean="0"/>
-              <a:t>26-10-2024</a:t>
+              <a:t>27-10-2024</a:t>
             </a:fld>
             <a:endParaRPr lang="en-IN"/>
           </a:p>
@@ -2121,7 +2121,7 @@
           <a:p>
             <a:fld id="{1261ADCB-1535-4723-B15B-FDB85D6C2655}" type="datetimeFigureOut">
               <a:rPr lang="en-IN" smtClean="0"/>
-              <a:t>26-10-2024</a:t>
+              <a:t>27-10-2024</a:t>
             </a:fld>
             <a:endParaRPr lang="en-IN"/>
           </a:p>
@@ -2514,7 +2514,7 @@
           <a:p>
             <a:fld id="{1261ADCB-1535-4723-B15B-FDB85D6C2655}" type="datetimeFigureOut">
               <a:rPr lang="en-IN" smtClean="0"/>
-              <a:t>26-10-2024</a:t>
+              <a:t>27-10-2024</a:t>
             </a:fld>
             <a:endParaRPr lang="en-IN"/>
           </a:p>
@@ -2684,7 +2684,7 @@
           <a:p>
             <a:fld id="{1261ADCB-1535-4723-B15B-FDB85D6C2655}" type="datetimeFigureOut">
               <a:rPr lang="en-IN" smtClean="0"/>
-              <a:t>26-10-2024</a:t>
+              <a:t>27-10-2024</a:t>
             </a:fld>
             <a:endParaRPr lang="en-IN"/>
           </a:p>
@@ -2864,7 +2864,7 @@
           <a:p>
             <a:fld id="{1261ADCB-1535-4723-B15B-FDB85D6C2655}" type="datetimeFigureOut">
               <a:rPr lang="en-IN" smtClean="0"/>
-              <a:t>26-10-2024</a:t>
+              <a:t>27-10-2024</a:t>
             </a:fld>
             <a:endParaRPr lang="en-IN"/>
           </a:p>
@@ -3034,7 +3034,7 @@
           <a:p>
             <a:fld id="{1261ADCB-1535-4723-B15B-FDB85D6C2655}" type="datetimeFigureOut">
               <a:rPr lang="en-IN" smtClean="0"/>
-              <a:t>26-10-2024</a:t>
+              <a:t>27-10-2024</a:t>
             </a:fld>
             <a:endParaRPr lang="en-IN"/>
           </a:p>
@@ -3281,7 +3281,7 @@
           <a:p>
             <a:fld id="{1261ADCB-1535-4723-B15B-FDB85D6C2655}" type="datetimeFigureOut">
               <a:rPr lang="en-IN" smtClean="0"/>
-              <a:t>26-10-2024</a:t>
+              <a:t>27-10-2024</a:t>
             </a:fld>
             <a:endParaRPr lang="en-IN"/>
           </a:p>
@@ -3513,7 +3513,7 @@
           <a:p>
             <a:fld id="{1261ADCB-1535-4723-B15B-FDB85D6C2655}" type="datetimeFigureOut">
               <a:rPr lang="en-IN" smtClean="0"/>
-              <a:t>26-10-2024</a:t>
+              <a:t>27-10-2024</a:t>
             </a:fld>
             <a:endParaRPr lang="en-IN"/>
           </a:p>
@@ -3887,7 +3887,7 @@
           <a:p>
             <a:fld id="{1261ADCB-1535-4723-B15B-FDB85D6C2655}" type="datetimeFigureOut">
               <a:rPr lang="en-IN" smtClean="0"/>
-              <a:t>26-10-2024</a:t>
+              <a:t>27-10-2024</a:t>
             </a:fld>
             <a:endParaRPr lang="en-IN"/>
           </a:p>
@@ -4010,7 +4010,7 @@
           <a:p>
             <a:fld id="{1261ADCB-1535-4723-B15B-FDB85D6C2655}" type="datetimeFigureOut">
               <a:rPr lang="en-IN" smtClean="0"/>
-              <a:t>26-10-2024</a:t>
+              <a:t>27-10-2024</a:t>
             </a:fld>
             <a:endParaRPr lang="en-IN"/>
           </a:p>
@@ -4105,7 +4105,7 @@
           <a:p>
             <a:fld id="{1261ADCB-1535-4723-B15B-FDB85D6C2655}" type="datetimeFigureOut">
               <a:rPr lang="en-IN" smtClean="0"/>
-              <a:t>26-10-2024</a:t>
+              <a:t>27-10-2024</a:t>
             </a:fld>
             <a:endParaRPr lang="en-IN"/>
           </a:p>
@@ -4360,7 +4360,7 @@
           <a:p>
             <a:fld id="{1261ADCB-1535-4723-B15B-FDB85D6C2655}" type="datetimeFigureOut">
               <a:rPr lang="en-IN" smtClean="0"/>
-              <a:t>26-10-2024</a:t>
+              <a:t>27-10-2024</a:t>
             </a:fld>
             <a:endParaRPr lang="en-IN"/>
           </a:p>
@@ -4665,7 +4665,7 @@
           <a:p>
             <a:fld id="{1261ADCB-1535-4723-B15B-FDB85D6C2655}" type="datetimeFigureOut">
               <a:rPr lang="en-IN" smtClean="0"/>
-              <a:t>26-10-2024</a:t>
+              <a:t>27-10-2024</a:t>
             </a:fld>
             <a:endParaRPr lang="en-IN"/>
           </a:p>
@@ -5367,7 +5367,7 @@
           <a:p>
             <a:fld id="{1261ADCB-1535-4723-B15B-FDB85D6C2655}" type="datetimeFigureOut">
               <a:rPr lang="en-IN" smtClean="0"/>
-              <a:t>26-10-2024</a:t>
+              <a:t>27-10-2024</a:t>
             </a:fld>
             <a:endParaRPr lang="en-IN"/>
           </a:p>
@@ -20657,7 +20657,7 @@
         <p:spPr>
           <a:xfrm>
             <a:off x="875284" y="562322"/>
-            <a:ext cx="8915262" cy="2154436"/>
+            <a:ext cx="8915262" cy="2400657"/>
           </a:xfrm>
           <a:prstGeom prst="rect">
             <a:avLst/>
@@ -20670,7 +20670,7 @@
           </a:bodyPr>
           <a:lstStyle/>
           <a:p>
-            <a:pPr fontAlgn="base"/>
+            <a:pPr algn="just" fontAlgn="base"/>
             <a:r>
               <a:rPr lang="en-IN" b="1" dirty="0">
                 <a:solidFill>
@@ -20679,24 +20679,24 @@
                 <a:latin typeface="Aptos" panose="020B0004020202020204" pitchFamily="34" charset="0"/>
                 <a:cs typeface="Times New Roman" panose="02020603050405020304" pitchFamily="18" charset="0"/>
               </a:rPr>
-              <a:t>Recursion :</a:t>
-            </a:r>
-          </a:p>
-          <a:p>
-            <a:pPr fontAlgn="base"/>
-            <a:r>
-              <a:rPr lang="en-US" sz="1600" dirty="0">
-                <a:solidFill>
-                  <a:srgbClr val="273239"/>
-                </a:solidFill>
-                <a:latin typeface="Aptos" panose="020B0004020202020204" pitchFamily="34" charset="0"/>
-                <a:cs typeface="Times New Roman" panose="02020603050405020304" pitchFamily="18" charset="0"/>
-              </a:rPr>
-              <a:t>In Java, Recursion is a process in which a function calls itself directly or indirectly is called recursion and the corresponding function is called a recursive function.</a:t>
+              <a:t>Introduction to Hashing</a:t>
             </a:r>
           </a:p>
           <a:p>
             <a:pPr algn="just" fontAlgn="base"/>
+            <a:r>
+              <a:rPr lang="en-US" sz="1600" dirty="0">
+                <a:solidFill>
+                  <a:srgbClr val="273239"/>
+                </a:solidFill>
+                <a:latin typeface="Aptos" panose="020B0004020202020204" pitchFamily="34" charset="0"/>
+                <a:cs typeface="Times New Roman" panose="02020603050405020304" pitchFamily="18" charset="0"/>
+              </a:rPr>
+              <a:t>Hashing refers to the process of generating a fixed-size output from an input of variable size using the mathematical formulas known as hash functions. This technique determines an index or location for the storage of an item in a data structure.</a:t>
+            </a:r>
+          </a:p>
+          <a:p>
+            <a:pPr algn="l" fontAlgn="base"/>
             <a:endParaRPr lang="en-US" b="1" dirty="0">
               <a:solidFill>
                 <a:srgbClr val="273239"/>
@@ -20715,24 +20715,60 @@
                 <a:latin typeface="Aptos" panose="020B0004020202020204" pitchFamily="34" charset="0"/>
                 <a:cs typeface="Times New Roman" panose="02020603050405020304" pitchFamily="18" charset="0"/>
               </a:rPr>
-              <a:t>Working of Recursion:</a:t>
-            </a:r>
-          </a:p>
-          <a:p>
-            <a:pPr algn="l" fontAlgn="base"/>
-            <a:r>
-              <a:rPr lang="en-US" sz="1600" dirty="0">
-                <a:solidFill>
-                  <a:srgbClr val="273239"/>
-                </a:solidFill>
-                <a:latin typeface="Aptos" panose="020B0004020202020204" pitchFamily="34" charset="0"/>
-                <a:cs typeface="Times New Roman" panose="02020603050405020304" pitchFamily="18" charset="0"/>
-              </a:rPr>
-              <a:t>The idea is to represent a problem in terms of one or more smaller sub-problems and add base conditions that stop the recursion. For example, we compute factorial n if we know the factorial of (n-1). The base case for factorial would be n = 0. We return 1 when n = 0.</a:t>
+              <a:t>What is Collision?</a:t>
+            </a:r>
+          </a:p>
+          <a:p>
+            <a:pPr algn="l" rtl="0" fontAlgn="base"/>
+            <a:r>
+              <a:rPr lang="en-US" sz="1600" dirty="0">
+                <a:solidFill>
+                  <a:srgbClr val="273239"/>
+                </a:solidFill>
+                <a:latin typeface="Aptos" panose="020B0004020202020204" pitchFamily="34" charset="0"/>
+                <a:cs typeface="Times New Roman" panose="02020603050405020304" pitchFamily="18" charset="0"/>
+              </a:rPr>
+              <a:t>Collision in Hashing occurs when two different keys map to the same hash value. Hash collisions can be intentionally created for many hash algorithms. The probability of a hash collision depends on the size of the algorithm, the distribution of hash values and the efficiency of Hash function.</a:t>
             </a:r>
           </a:p>
         </p:txBody>
       </p:sp>
+      <p:pic>
+        <p:nvPicPr>
+          <p:cNvPr id="3" name="Picture 2">
+            <a:extLst>
+              <a:ext uri="{FF2B5EF4-FFF2-40B4-BE49-F238E27FC236}">
+                <a16:creationId xmlns:a16="http://schemas.microsoft.com/office/drawing/2014/main" id="{B1FE3600-7900-25B5-D40E-B1D210ECEDD7}"/>
+              </a:ext>
+            </a:extLst>
+          </p:cNvPr>
+          <p:cNvPicPr>
+            <a:picLocks noChangeAspect="1"/>
+          </p:cNvPicPr>
+          <p:nvPr/>
+        </p:nvPicPr>
+        <p:blipFill>
+          <a:blip r:embed="rId2">
+            <a:extLst>
+              <a:ext uri="{28A0092B-C50C-407E-A947-70E740481C1C}">
+                <a14:useLocalDpi xmlns:a14="http://schemas.microsoft.com/office/drawing/2010/main" val="0"/>
+              </a:ext>
+            </a:extLst>
+          </a:blip>
+          <a:stretch>
+            <a:fillRect/>
+          </a:stretch>
+        </p:blipFill>
+        <p:spPr>
+          <a:xfrm>
+            <a:off x="1903915" y="2962979"/>
+            <a:ext cx="6858000" cy="3352800"/>
+          </a:xfrm>
+          <a:prstGeom prst="rect">
+            <a:avLst/>
+          </a:prstGeom>
+        </p:spPr>
+      </p:pic>
     </p:spTree>
     <p:extLst>
       <p:ext uri="{BB962C8B-B14F-4D97-AF65-F5344CB8AC3E}">

--- a/Notes/Data Structure and Algorithms.pptx
+++ b/Notes/Data Structure and Algorithms.pptx
@@ -58,6 +58,7 @@
     <p:sldId id="312" r:id="rId52"/>
     <p:sldId id="309" r:id="rId53"/>
     <p:sldId id="310" r:id="rId54"/>
+    <p:sldId id="313" r:id="rId55"/>
   </p:sldIdLst>
   <p:sldSz cx="12192000" cy="6858000"/>
   <p:notesSz cx="6858000" cy="9144000"/>
@@ -909,7 +910,7 @@
           <a:p>
             <a:fld id="{1261ADCB-1535-4723-B15B-FDB85D6C2655}" type="datetimeFigureOut">
               <a:rPr lang="en-IN" smtClean="0"/>
-              <a:t>27-10-2024</a:t>
+              <a:t>08-12-2024</a:t>
             </a:fld>
             <a:endParaRPr lang="en-IN"/>
           </a:p>
@@ -1160,7 +1161,7 @@
           <a:p>
             <a:fld id="{1261ADCB-1535-4723-B15B-FDB85D6C2655}" type="datetimeFigureOut">
               <a:rPr lang="en-IN" smtClean="0"/>
-              <a:t>27-10-2024</a:t>
+              <a:t>08-12-2024</a:t>
             </a:fld>
             <a:endParaRPr lang="en-IN"/>
           </a:p>
@@ -1474,7 +1475,7 @@
           <a:p>
             <a:fld id="{1261ADCB-1535-4723-B15B-FDB85D6C2655}" type="datetimeFigureOut">
               <a:rPr lang="en-IN" smtClean="0"/>
-              <a:t>27-10-2024</a:t>
+              <a:t>08-12-2024</a:t>
             </a:fld>
             <a:endParaRPr lang="en-IN"/>
           </a:p>
@@ -1807,7 +1808,7 @@
           <a:p>
             <a:fld id="{1261ADCB-1535-4723-B15B-FDB85D6C2655}" type="datetimeFigureOut">
               <a:rPr lang="en-IN" smtClean="0"/>
-              <a:t>27-10-2024</a:t>
+              <a:t>08-12-2024</a:t>
             </a:fld>
             <a:endParaRPr lang="en-IN"/>
           </a:p>
@@ -2121,7 +2122,7 @@
           <a:p>
             <a:fld id="{1261ADCB-1535-4723-B15B-FDB85D6C2655}" type="datetimeFigureOut">
               <a:rPr lang="en-IN" smtClean="0"/>
-              <a:t>27-10-2024</a:t>
+              <a:t>08-12-2024</a:t>
             </a:fld>
             <a:endParaRPr lang="en-IN"/>
           </a:p>
@@ -2514,7 +2515,7 @@
           <a:p>
             <a:fld id="{1261ADCB-1535-4723-B15B-FDB85D6C2655}" type="datetimeFigureOut">
               <a:rPr lang="en-IN" smtClean="0"/>
-              <a:t>27-10-2024</a:t>
+              <a:t>08-12-2024</a:t>
             </a:fld>
             <a:endParaRPr lang="en-IN"/>
           </a:p>
@@ -2684,7 +2685,7 @@
           <a:p>
             <a:fld id="{1261ADCB-1535-4723-B15B-FDB85D6C2655}" type="datetimeFigureOut">
               <a:rPr lang="en-IN" smtClean="0"/>
-              <a:t>27-10-2024</a:t>
+              <a:t>08-12-2024</a:t>
             </a:fld>
             <a:endParaRPr lang="en-IN"/>
           </a:p>
@@ -2864,7 +2865,7 @@
           <a:p>
             <a:fld id="{1261ADCB-1535-4723-B15B-FDB85D6C2655}" type="datetimeFigureOut">
               <a:rPr lang="en-IN" smtClean="0"/>
-              <a:t>27-10-2024</a:t>
+              <a:t>08-12-2024</a:t>
             </a:fld>
             <a:endParaRPr lang="en-IN"/>
           </a:p>
@@ -3034,7 +3035,7 @@
           <a:p>
             <a:fld id="{1261ADCB-1535-4723-B15B-FDB85D6C2655}" type="datetimeFigureOut">
               <a:rPr lang="en-IN" smtClean="0"/>
-              <a:t>27-10-2024</a:t>
+              <a:t>08-12-2024</a:t>
             </a:fld>
             <a:endParaRPr lang="en-IN"/>
           </a:p>
@@ -3281,7 +3282,7 @@
           <a:p>
             <a:fld id="{1261ADCB-1535-4723-B15B-FDB85D6C2655}" type="datetimeFigureOut">
               <a:rPr lang="en-IN" smtClean="0"/>
-              <a:t>27-10-2024</a:t>
+              <a:t>08-12-2024</a:t>
             </a:fld>
             <a:endParaRPr lang="en-IN"/>
           </a:p>
@@ -3513,7 +3514,7 @@
           <a:p>
             <a:fld id="{1261ADCB-1535-4723-B15B-FDB85D6C2655}" type="datetimeFigureOut">
               <a:rPr lang="en-IN" smtClean="0"/>
-              <a:t>27-10-2024</a:t>
+              <a:t>08-12-2024</a:t>
             </a:fld>
             <a:endParaRPr lang="en-IN"/>
           </a:p>
@@ -3887,7 +3888,7 @@
           <a:p>
             <a:fld id="{1261ADCB-1535-4723-B15B-FDB85D6C2655}" type="datetimeFigureOut">
               <a:rPr lang="en-IN" smtClean="0"/>
-              <a:t>27-10-2024</a:t>
+              <a:t>08-12-2024</a:t>
             </a:fld>
             <a:endParaRPr lang="en-IN"/>
           </a:p>
@@ -4010,7 +4011,7 @@
           <a:p>
             <a:fld id="{1261ADCB-1535-4723-B15B-FDB85D6C2655}" type="datetimeFigureOut">
               <a:rPr lang="en-IN" smtClean="0"/>
-              <a:t>27-10-2024</a:t>
+              <a:t>08-12-2024</a:t>
             </a:fld>
             <a:endParaRPr lang="en-IN"/>
           </a:p>
@@ -4105,7 +4106,7 @@
           <a:p>
             <a:fld id="{1261ADCB-1535-4723-B15B-FDB85D6C2655}" type="datetimeFigureOut">
               <a:rPr lang="en-IN" smtClean="0"/>
-              <a:t>27-10-2024</a:t>
+              <a:t>08-12-2024</a:t>
             </a:fld>
             <a:endParaRPr lang="en-IN"/>
           </a:p>
@@ -4360,7 +4361,7 @@
           <a:p>
             <a:fld id="{1261ADCB-1535-4723-B15B-FDB85D6C2655}" type="datetimeFigureOut">
               <a:rPr lang="en-IN" smtClean="0"/>
-              <a:t>27-10-2024</a:t>
+              <a:t>08-12-2024</a:t>
             </a:fld>
             <a:endParaRPr lang="en-IN"/>
           </a:p>
@@ -4665,7 +4666,7 @@
           <a:p>
             <a:fld id="{1261ADCB-1535-4723-B15B-FDB85D6C2655}" type="datetimeFigureOut">
               <a:rPr lang="en-IN" smtClean="0"/>
-              <a:t>27-10-2024</a:t>
+              <a:t>08-12-2024</a:t>
             </a:fld>
             <a:endParaRPr lang="en-IN"/>
           </a:p>
@@ -5367,7 +5368,7 @@
           <a:p>
             <a:fld id="{1261ADCB-1535-4723-B15B-FDB85D6C2655}" type="datetimeFigureOut">
               <a:rPr lang="en-IN" smtClean="0"/>
-              <a:t>27-10-2024</a:t>
+              <a:t>08-12-2024</a:t>
             </a:fld>
             <a:endParaRPr lang="en-IN"/>
           </a:p>
@@ -20925,10 +20926,10 @@
       </p:sp>
       <p:pic>
         <p:nvPicPr>
-          <p:cNvPr id="3" name="Picture 2" descr="A diagram of a tree&#10;&#10;Description automatically generated">
+          <p:cNvPr id="4" name="Picture 3" descr="A diagram of a tree&#10;&#10;Description automatically generated">
             <a:extLst>
               <a:ext uri="{FF2B5EF4-FFF2-40B4-BE49-F238E27FC236}">
-                <a16:creationId xmlns:a16="http://schemas.microsoft.com/office/drawing/2014/main" id="{7242FD00-4B39-BC22-0711-67C87BC2E776}"/>
+                <a16:creationId xmlns:a16="http://schemas.microsoft.com/office/drawing/2014/main" id="{5133F456-61AA-580F-1DE2-EBA8B024BF7E}"/>
               </a:ext>
             </a:extLst>
           </p:cNvPr>
@@ -20951,8 +20952,8 @@
         </p:blipFill>
         <p:spPr>
           <a:xfrm>
-            <a:off x="1213300" y="2584472"/>
-            <a:ext cx="6656081" cy="3539237"/>
+            <a:off x="875284" y="2660073"/>
+            <a:ext cx="6818608" cy="3528291"/>
           </a:xfrm>
           <a:prstGeom prst="rect">
             <a:avLst/>
@@ -21337,6 +21338,443 @@
     <p:extLst>
       <p:ext uri="{BB962C8B-B14F-4D97-AF65-F5344CB8AC3E}">
         <p14:creationId xmlns:p14="http://schemas.microsoft.com/office/powerpoint/2010/main" val="515775965"/>
+      </p:ext>
+    </p:extLst>
+  </p:cSld>
+  <p:clrMapOvr>
+    <a:masterClrMapping/>
+  </p:clrMapOvr>
+</p:sld>
+</file>
+
+<file path=ppt/slides/slide54.xml><?xml version="1.0" encoding="utf-8"?>
+<p:sld xmlns:a="http://schemas.openxmlformats.org/drawingml/2006/main" xmlns:r="http://schemas.openxmlformats.org/officeDocument/2006/relationships" xmlns:p="http://schemas.openxmlformats.org/presentationml/2006/main">
+  <p:cSld>
+    <p:spTree>
+      <p:nvGrpSpPr>
+        <p:cNvPr id="1" name="">
+          <a:extLst>
+            <a:ext uri="{FF2B5EF4-FFF2-40B4-BE49-F238E27FC236}">
+              <a16:creationId xmlns:a16="http://schemas.microsoft.com/office/drawing/2014/main" id="{54853BF3-AA63-6F14-F660-A6F618ABBE68}"/>
+            </a:ext>
+          </a:extLst>
+        </p:cNvPr>
+        <p:cNvGrpSpPr/>
+        <p:nvPr/>
+      </p:nvGrpSpPr>
+      <p:grpSpPr>
+        <a:xfrm>
+          <a:off x="0" y="0"/>
+          <a:ext cx="0" cy="0"/>
+          <a:chOff x="0" y="0"/>
+          <a:chExt cx="0" cy="0"/>
+        </a:xfrm>
+      </p:grpSpPr>
+      <p:sp>
+        <p:nvSpPr>
+          <p:cNvPr id="8" name="TextBox 7">
+            <a:extLst>
+              <a:ext uri="{FF2B5EF4-FFF2-40B4-BE49-F238E27FC236}">
+                <a16:creationId xmlns:a16="http://schemas.microsoft.com/office/drawing/2014/main" id="{C75B6C63-1D2E-72AB-9A80-487048B38BE4}"/>
+              </a:ext>
+            </a:extLst>
+          </p:cNvPr>
+          <p:cNvSpPr txBox="1"/>
+          <p:nvPr/>
+        </p:nvSpPr>
+        <p:spPr>
+          <a:xfrm>
+            <a:off x="875284" y="562322"/>
+            <a:ext cx="9229298" cy="5416868"/>
+          </a:xfrm>
+          <a:prstGeom prst="rect">
+            <a:avLst/>
+          </a:prstGeom>
+          <a:noFill/>
+        </p:spPr>
+        <p:txBody>
+          <a:bodyPr wrap="square" rtlCol="0">
+            <a:spAutoFit/>
+          </a:bodyPr>
+          <a:lstStyle/>
+          <a:p>
+            <a:pPr fontAlgn="base"/>
+            <a:r>
+              <a:rPr lang="en-US" b="1" dirty="0">
+                <a:solidFill>
+                  <a:srgbClr val="273239"/>
+                </a:solidFill>
+                <a:latin typeface="Aptos" panose="020B0004020202020204" pitchFamily="34" charset="0"/>
+                <a:cs typeface="Times New Roman" panose="02020603050405020304" pitchFamily="18" charset="0"/>
+              </a:rPr>
+              <a:t>Types of Traversals</a:t>
+            </a:r>
+          </a:p>
+          <a:p>
+            <a:pPr fontAlgn="base"/>
+            <a:r>
+              <a:rPr lang="en-US" sz="1600" dirty="0">
+                <a:solidFill>
+                  <a:srgbClr val="273239"/>
+                </a:solidFill>
+                <a:latin typeface="Aptos" panose="020B0004020202020204" pitchFamily="34" charset="0"/>
+                <a:cs typeface="Times New Roman" panose="02020603050405020304" pitchFamily="18" charset="0"/>
+              </a:rPr>
+              <a:t>To process nodes in a binary tree, three main types of depth-first traversal are commonly used:</a:t>
+            </a:r>
+          </a:p>
+          <a:p>
+            <a:pPr fontAlgn="base"/>
+            <a:endParaRPr lang="en-US" sz="1600" dirty="0">
+              <a:solidFill>
+                <a:srgbClr val="273239"/>
+              </a:solidFill>
+              <a:latin typeface="Aptos" panose="020B0004020202020204" pitchFamily="34" charset="0"/>
+              <a:cs typeface="Times New Roman" panose="02020603050405020304" pitchFamily="18" charset="0"/>
+            </a:endParaRPr>
+          </a:p>
+          <a:p>
+            <a:pPr fontAlgn="base"/>
+            <a:r>
+              <a:rPr lang="en-US" b="1" dirty="0" err="1">
+                <a:solidFill>
+                  <a:srgbClr val="273239"/>
+                </a:solidFill>
+                <a:latin typeface="Aptos" panose="020B0004020202020204" pitchFamily="34" charset="0"/>
+                <a:cs typeface="Times New Roman" panose="02020603050405020304" pitchFamily="18" charset="0"/>
+              </a:rPr>
+              <a:t>Inorder</a:t>
+            </a:r>
+            <a:r>
+              <a:rPr lang="en-US" b="1" dirty="0">
+                <a:solidFill>
+                  <a:srgbClr val="273239"/>
+                </a:solidFill>
+                <a:latin typeface="Aptos" panose="020B0004020202020204" pitchFamily="34" charset="0"/>
+                <a:cs typeface="Times New Roman" panose="02020603050405020304" pitchFamily="18" charset="0"/>
+              </a:rPr>
+              <a:t> Traversal (Left, Root, Right): LRR</a:t>
+            </a:r>
+          </a:p>
+          <a:p>
+            <a:pPr fontAlgn="base"/>
+            <a:r>
+              <a:rPr lang="en-US" sz="1600" dirty="0">
+                <a:solidFill>
+                  <a:srgbClr val="273239"/>
+                </a:solidFill>
+                <a:latin typeface="Aptos" panose="020B0004020202020204" pitchFamily="34" charset="0"/>
+                <a:cs typeface="Times New Roman" panose="02020603050405020304" pitchFamily="18" charset="0"/>
+              </a:rPr>
+              <a:t>Visits the left subtree, the root node, and then the right subtree.</a:t>
+            </a:r>
+          </a:p>
+          <a:p>
+            <a:pPr fontAlgn="base"/>
+            <a:r>
+              <a:rPr lang="en-US" sz="1600" dirty="0">
+                <a:solidFill>
+                  <a:srgbClr val="273239"/>
+                </a:solidFill>
+                <a:latin typeface="Aptos" panose="020B0004020202020204" pitchFamily="34" charset="0"/>
+                <a:cs typeface="Times New Roman" panose="02020603050405020304" pitchFamily="18" charset="0"/>
+              </a:rPr>
+              <a:t>For binary search trees, this results in nodes being visited in ascending order.</a:t>
+            </a:r>
+          </a:p>
+          <a:p>
+            <a:pPr fontAlgn="base"/>
+            <a:endParaRPr lang="en-US" sz="1600" dirty="0">
+              <a:solidFill>
+                <a:srgbClr val="273239"/>
+              </a:solidFill>
+              <a:latin typeface="Aptos" panose="020B0004020202020204" pitchFamily="34" charset="0"/>
+              <a:cs typeface="Times New Roman" panose="02020603050405020304" pitchFamily="18" charset="0"/>
+            </a:endParaRPr>
+          </a:p>
+          <a:p>
+            <a:pPr fontAlgn="base"/>
+            <a:r>
+              <a:rPr lang="en-US" b="1" dirty="0">
+                <a:solidFill>
+                  <a:srgbClr val="273239"/>
+                </a:solidFill>
+                <a:latin typeface="Aptos" panose="020B0004020202020204" pitchFamily="34" charset="0"/>
+                <a:cs typeface="Times New Roman" panose="02020603050405020304" pitchFamily="18" charset="0"/>
+              </a:rPr>
+              <a:t>Preorder Traversal (Root, Left, Right): RLR</a:t>
+            </a:r>
+            <a:endParaRPr lang="en-US" sz="1600" dirty="0">
+              <a:solidFill>
+                <a:srgbClr val="273239"/>
+              </a:solidFill>
+              <a:latin typeface="Aptos" panose="020B0004020202020204" pitchFamily="34" charset="0"/>
+              <a:cs typeface="Times New Roman" panose="02020603050405020304" pitchFamily="18" charset="0"/>
+            </a:endParaRPr>
+          </a:p>
+          <a:p>
+            <a:pPr fontAlgn="base"/>
+            <a:r>
+              <a:rPr lang="en-US" sz="1600" dirty="0">
+                <a:solidFill>
+                  <a:srgbClr val="273239"/>
+                </a:solidFill>
+                <a:latin typeface="Aptos" panose="020B0004020202020204" pitchFamily="34" charset="0"/>
+                <a:cs typeface="Times New Roman" panose="02020603050405020304" pitchFamily="18" charset="0"/>
+              </a:rPr>
+              <a:t>Visits the root node first, followed by the left subtree and the right subtree.</a:t>
+            </a:r>
+          </a:p>
+          <a:p>
+            <a:pPr fontAlgn="base"/>
+            <a:r>
+              <a:rPr lang="en-US" sz="1600" dirty="0">
+                <a:solidFill>
+                  <a:srgbClr val="273239"/>
+                </a:solidFill>
+                <a:latin typeface="Aptos" panose="020B0004020202020204" pitchFamily="34" charset="0"/>
+                <a:cs typeface="Times New Roman" panose="02020603050405020304" pitchFamily="18" charset="0"/>
+              </a:rPr>
+              <a:t>Often used to copy trees or create a prefix expression of an expression tree.</a:t>
+            </a:r>
+          </a:p>
+          <a:p>
+            <a:pPr fontAlgn="base"/>
+            <a:endParaRPr lang="en-US" b="1" dirty="0">
+              <a:solidFill>
+                <a:srgbClr val="273239"/>
+              </a:solidFill>
+              <a:latin typeface="Aptos" panose="020B0004020202020204" pitchFamily="34" charset="0"/>
+              <a:cs typeface="Times New Roman" panose="02020603050405020304" pitchFamily="18" charset="0"/>
+            </a:endParaRPr>
+          </a:p>
+          <a:p>
+            <a:pPr fontAlgn="base"/>
+            <a:r>
+              <a:rPr lang="en-US" b="1" dirty="0" err="1">
+                <a:solidFill>
+                  <a:srgbClr val="273239"/>
+                </a:solidFill>
+                <a:latin typeface="Aptos" panose="020B0004020202020204" pitchFamily="34" charset="0"/>
+                <a:cs typeface="Times New Roman" panose="02020603050405020304" pitchFamily="18" charset="0"/>
+              </a:rPr>
+              <a:t>Postorder</a:t>
+            </a:r>
+            <a:r>
+              <a:rPr lang="en-US" b="1" dirty="0">
+                <a:solidFill>
+                  <a:srgbClr val="273239"/>
+                </a:solidFill>
+                <a:latin typeface="Aptos" panose="020B0004020202020204" pitchFamily="34" charset="0"/>
+                <a:cs typeface="Times New Roman" panose="02020603050405020304" pitchFamily="18" charset="0"/>
+              </a:rPr>
+              <a:t> Traversal (Left, Right, </a:t>
+            </a:r>
+            <a:r>
+              <a:rPr lang="en-US" b="1">
+                <a:solidFill>
+                  <a:srgbClr val="273239"/>
+                </a:solidFill>
+                <a:latin typeface="Aptos" panose="020B0004020202020204" pitchFamily="34" charset="0"/>
+                <a:cs typeface="Times New Roman" panose="02020603050405020304" pitchFamily="18" charset="0"/>
+              </a:rPr>
+              <a:t>Root): LRR</a:t>
+            </a:r>
+            <a:endParaRPr lang="en-US" b="1" dirty="0">
+              <a:solidFill>
+                <a:srgbClr val="273239"/>
+              </a:solidFill>
+              <a:latin typeface="Aptos" panose="020B0004020202020204" pitchFamily="34" charset="0"/>
+              <a:cs typeface="Times New Roman" panose="02020603050405020304" pitchFamily="18" charset="0"/>
+            </a:endParaRPr>
+          </a:p>
+          <a:p>
+            <a:pPr fontAlgn="base"/>
+            <a:r>
+              <a:rPr lang="en-US" sz="1600" dirty="0">
+                <a:solidFill>
+                  <a:srgbClr val="273239"/>
+                </a:solidFill>
+                <a:latin typeface="Aptos" panose="020B0004020202020204" pitchFamily="34" charset="0"/>
+                <a:cs typeface="Times New Roman" panose="02020603050405020304" pitchFamily="18" charset="0"/>
+              </a:rPr>
+              <a:t>Visits the left subtree, the right subtree, and then the root node.</a:t>
+            </a:r>
+          </a:p>
+          <a:p>
+            <a:pPr fontAlgn="base"/>
+            <a:r>
+              <a:rPr lang="en-US" sz="1600" dirty="0">
+                <a:solidFill>
+                  <a:srgbClr val="273239"/>
+                </a:solidFill>
+                <a:latin typeface="Aptos" panose="020B0004020202020204" pitchFamily="34" charset="0"/>
+                <a:cs typeface="Times New Roman" panose="02020603050405020304" pitchFamily="18" charset="0"/>
+              </a:rPr>
+              <a:t>Useful for deleting or freeing nodes after processing children.</a:t>
+            </a:r>
+          </a:p>
+          <a:p>
+            <a:pPr fontAlgn="base"/>
+            <a:endParaRPr lang="en-US" sz="1600" dirty="0">
+              <a:solidFill>
+                <a:srgbClr val="273239"/>
+              </a:solidFill>
+              <a:latin typeface="Aptos" panose="020B0004020202020204" pitchFamily="34" charset="0"/>
+              <a:cs typeface="Times New Roman" panose="02020603050405020304" pitchFamily="18" charset="0"/>
+            </a:endParaRPr>
+          </a:p>
+          <a:p>
+            <a:pPr fontAlgn="base"/>
+            <a:r>
+              <a:rPr lang="en-US" sz="1600" dirty="0">
+                <a:solidFill>
+                  <a:srgbClr val="273239"/>
+                </a:solidFill>
+                <a:latin typeface="Aptos" panose="020B0004020202020204" pitchFamily="34" charset="0"/>
+                <a:cs typeface="Times New Roman" panose="02020603050405020304" pitchFamily="18" charset="0"/>
+              </a:rPr>
+              <a:t>Example </a:t>
+            </a:r>
+          </a:p>
+          <a:p>
+            <a:pPr fontAlgn="base"/>
+            <a:r>
+              <a:rPr lang="en-IN" sz="1600" dirty="0"/>
+              <a:t>   1 </a:t>
+            </a:r>
+          </a:p>
+          <a:p>
+            <a:pPr fontAlgn="base"/>
+            <a:r>
+              <a:rPr lang="en-IN" sz="1600" dirty="0"/>
+              <a:t>  / \               </a:t>
+            </a:r>
+          </a:p>
+          <a:p>
+            <a:pPr fontAlgn="base"/>
+            <a:r>
+              <a:rPr lang="en-IN" sz="1600" dirty="0"/>
+              <a:t>  2 3      </a:t>
+            </a:r>
+          </a:p>
+          <a:p>
+            <a:pPr fontAlgn="base"/>
+            <a:r>
+              <a:rPr lang="en-IN" sz="1600" dirty="0"/>
+              <a:t> / \  </a:t>
+            </a:r>
+          </a:p>
+          <a:p>
+            <a:r>
+              <a:rPr lang="en-IN" sz="1600" dirty="0"/>
+              <a:t> 4 5</a:t>
+            </a:r>
+            <a:endParaRPr lang="en-US" sz="1600" dirty="0"/>
+          </a:p>
+        </p:txBody>
+      </p:sp>
+      <p:sp>
+        <p:nvSpPr>
+          <p:cNvPr id="2" name="TextBox 1">
+            <a:extLst>
+              <a:ext uri="{FF2B5EF4-FFF2-40B4-BE49-F238E27FC236}">
+                <a16:creationId xmlns:a16="http://schemas.microsoft.com/office/drawing/2014/main" id="{A4C8993A-3BF6-4645-0EEB-BBBF61E85F9C}"/>
+              </a:ext>
+            </a:extLst>
+          </p:cNvPr>
+          <p:cNvSpPr txBox="1"/>
+          <p:nvPr/>
+        </p:nvSpPr>
+        <p:spPr>
+          <a:xfrm>
+            <a:off x="2863272" y="4405744"/>
+            <a:ext cx="3833091" cy="1169551"/>
+          </a:xfrm>
+          <a:prstGeom prst="rect">
+            <a:avLst/>
+          </a:prstGeom>
+          <a:noFill/>
+        </p:spPr>
+        <p:txBody>
+          <a:bodyPr wrap="square" rtlCol="0">
+            <a:spAutoFit/>
+          </a:bodyPr>
+          <a:lstStyle/>
+          <a:p>
+            <a:r>
+              <a:rPr lang="en-US" sz="1600" dirty="0">
+                <a:solidFill>
+                  <a:srgbClr val="273239"/>
+                </a:solidFill>
+                <a:latin typeface="Aptos" panose="020B0004020202020204" pitchFamily="34" charset="0"/>
+                <a:cs typeface="Times New Roman" panose="02020603050405020304" pitchFamily="18" charset="0"/>
+              </a:rPr>
+              <a:t>The traversal outputs would be:</a:t>
+            </a:r>
+          </a:p>
+          <a:p>
+            <a:r>
+              <a:rPr lang="en-US" b="1" dirty="0" err="1">
+                <a:solidFill>
+                  <a:srgbClr val="273239"/>
+                </a:solidFill>
+                <a:latin typeface="Aptos" panose="020B0004020202020204" pitchFamily="34" charset="0"/>
+                <a:cs typeface="Times New Roman" panose="02020603050405020304" pitchFamily="18" charset="0"/>
+              </a:rPr>
+              <a:t>Inorder</a:t>
+            </a:r>
+            <a:r>
+              <a:rPr lang="en-US" b="1" dirty="0">
+                <a:solidFill>
+                  <a:srgbClr val="273239"/>
+                </a:solidFill>
+                <a:latin typeface="Aptos" panose="020B0004020202020204" pitchFamily="34" charset="0"/>
+                <a:cs typeface="Times New Roman" panose="02020603050405020304" pitchFamily="18" charset="0"/>
+              </a:rPr>
+              <a:t>: 4 2 5 1 3</a:t>
+            </a:r>
+          </a:p>
+          <a:p>
+            <a:r>
+              <a:rPr lang="en-US" b="1" dirty="0">
+                <a:solidFill>
+                  <a:srgbClr val="273239"/>
+                </a:solidFill>
+                <a:latin typeface="Aptos" panose="020B0004020202020204" pitchFamily="34" charset="0"/>
+                <a:cs typeface="Times New Roman" panose="02020603050405020304" pitchFamily="18" charset="0"/>
+              </a:rPr>
+              <a:t>Preorder: 1 2 4 5 3</a:t>
+            </a:r>
+          </a:p>
+          <a:p>
+            <a:r>
+              <a:rPr lang="en-US" b="1" dirty="0" err="1">
+                <a:solidFill>
+                  <a:srgbClr val="273239"/>
+                </a:solidFill>
+                <a:latin typeface="Aptos" panose="020B0004020202020204" pitchFamily="34" charset="0"/>
+                <a:cs typeface="Times New Roman" panose="02020603050405020304" pitchFamily="18" charset="0"/>
+              </a:rPr>
+              <a:t>Postorder</a:t>
+            </a:r>
+            <a:r>
+              <a:rPr lang="en-US" b="1" dirty="0">
+                <a:solidFill>
+                  <a:srgbClr val="273239"/>
+                </a:solidFill>
+                <a:latin typeface="Aptos" panose="020B0004020202020204" pitchFamily="34" charset="0"/>
+                <a:cs typeface="Times New Roman" panose="02020603050405020304" pitchFamily="18" charset="0"/>
+              </a:rPr>
+              <a:t>: 4 5 2 3 1</a:t>
+            </a:r>
+          </a:p>
+        </p:txBody>
+      </p:sp>
+    </p:spTree>
+    <p:extLst>
+      <p:ext uri="{BB962C8B-B14F-4D97-AF65-F5344CB8AC3E}">
+        <p14:creationId xmlns:p14="http://schemas.microsoft.com/office/powerpoint/2010/main" val="3174504259"/>
       </p:ext>
     </p:extLst>
   </p:cSld>
